--- a/Documentations/Présentation.pptx
+++ b/Documentations/Présentation.pptx
@@ -5,8 +5,11 @@
     <p:sldMasterId id="2147483669" r:id="rId1"/>
   </p:sldMasterIdLst>
   <p:notesMasterIdLst>
-    <p:notesMasterId r:id="rId29"/>
+    <p:notesMasterId r:id="rId31"/>
   </p:notesMasterIdLst>
+  <p:handoutMasterIdLst>
+    <p:handoutMasterId r:id="rId32"/>
+  </p:handoutMasterIdLst>
   <p:sldIdLst>
     <p:sldId id="256" r:id="rId2"/>
     <p:sldId id="257" r:id="rId3"/>
@@ -15,29 +18,31 @@
     <p:sldId id="260" r:id="rId6"/>
     <p:sldId id="261" r:id="rId7"/>
     <p:sldId id="262" r:id="rId8"/>
-    <p:sldId id="263" r:id="rId9"/>
-    <p:sldId id="284" r:id="rId10"/>
-    <p:sldId id="283" r:id="rId11"/>
+    <p:sldId id="283" r:id="rId9"/>
+    <p:sldId id="263" r:id="rId10"/>
+    <p:sldId id="284" r:id="rId11"/>
     <p:sldId id="264" r:id="rId12"/>
     <p:sldId id="265" r:id="rId13"/>
-    <p:sldId id="282" r:id="rId14"/>
-    <p:sldId id="268" r:id="rId15"/>
-    <p:sldId id="281" r:id="rId16"/>
-    <p:sldId id="274" r:id="rId17"/>
-    <p:sldId id="275" r:id="rId18"/>
-    <p:sldId id="269" r:id="rId19"/>
-    <p:sldId id="277" r:id="rId20"/>
-    <p:sldId id="276" r:id="rId21"/>
-    <p:sldId id="278" r:id="rId22"/>
-    <p:sldId id="279" r:id="rId23"/>
-    <p:sldId id="272" r:id="rId24"/>
-    <p:sldId id="270" r:id="rId25"/>
-    <p:sldId id="280" r:id="rId26"/>
-    <p:sldId id="271" r:id="rId27"/>
-    <p:sldId id="273" r:id="rId28"/>
+    <p:sldId id="286" r:id="rId14"/>
+    <p:sldId id="282" r:id="rId15"/>
+    <p:sldId id="285" r:id="rId16"/>
+    <p:sldId id="268" r:id="rId17"/>
+    <p:sldId id="281" r:id="rId18"/>
+    <p:sldId id="274" r:id="rId19"/>
+    <p:sldId id="275" r:id="rId20"/>
+    <p:sldId id="269" r:id="rId21"/>
+    <p:sldId id="277" r:id="rId22"/>
+    <p:sldId id="276" r:id="rId23"/>
+    <p:sldId id="278" r:id="rId24"/>
+    <p:sldId id="272" r:id="rId25"/>
+    <p:sldId id="279" r:id="rId26"/>
+    <p:sldId id="270" r:id="rId27"/>
+    <p:sldId id="280" r:id="rId28"/>
+    <p:sldId id="271" r:id="rId29"/>
+    <p:sldId id="273" r:id="rId30"/>
   </p:sldIdLst>
   <p:sldSz cx="9144000" cy="6858000" type="screen4x3"/>
-  <p:notesSz cx="6858000" cy="9144000"/>
+  <p:notesSz cx="6864350" cy="9996488"/>
   <p:defaultTextStyle>
     <a:defPPr>
       <a:defRPr lang="en-US"/>
@@ -153,12 +158,14 @@
         <p14:section name="OPC UA" id="{365D01F4-132D-4364-974F-6B0E50B94260}">
           <p14:sldIdLst>
             <p14:sldId id="262"/>
+            <p14:sldId id="283"/>
             <p14:sldId id="263"/>
             <p14:sldId id="284"/>
-            <p14:sldId id="283"/>
             <p14:sldId id="264"/>
             <p14:sldId id="265"/>
+            <p14:sldId id="286"/>
             <p14:sldId id="282"/>
+            <p14:sldId id="285"/>
             <p14:sldId id="268"/>
             <p14:sldId id="281"/>
             <p14:sldId id="274"/>
@@ -167,8 +174,8 @@
             <p14:sldId id="277"/>
             <p14:sldId id="276"/>
             <p14:sldId id="278"/>
+            <p14:sldId id="272"/>
             <p14:sldId id="279"/>
-            <p14:sldId id="272"/>
             <p14:sldId id="270"/>
             <p14:sldId id="280"/>
             <p14:sldId id="271"/>
@@ -176,6 +183,20 @@
           </p14:sldIdLst>
         </p14:section>
       </p14:sectionLst>
+    </p:ext>
+    <p:ext uri="{EFAFB233-063F-42B5-8137-9DF3F51BA10A}">
+      <p15:sldGuideLst xmlns:p15="http://schemas.microsoft.com/office/powerpoint/2012/main">
+        <p15:guide id="1" orient="horz" pos="2160" userDrawn="1">
+          <p15:clr>
+            <a:srgbClr val="A4A3A4"/>
+          </p15:clr>
+        </p15:guide>
+        <p15:guide id="2" pos="2880" userDrawn="1">
+          <p15:clr>
+            <a:srgbClr val="A4A3A4"/>
+          </p15:clr>
+        </p15:guide>
+      </p15:sldGuideLst>
     </p:ext>
   </p:extLst>
 </p:presentation>
@@ -191,6 +212,171 @@
     </p:extLst>
   </p:cmAuthor>
 </p:cmAuthorLst>
+</file>
+
+<file path=ppt/handoutMasters/handoutMaster1.xml><?xml version="1.0" encoding="utf-8"?>
+<p:handoutMaster xmlns:a="http://schemas.openxmlformats.org/drawingml/2006/main" xmlns:r="http://schemas.openxmlformats.org/officeDocument/2006/relationships" xmlns:p="http://schemas.openxmlformats.org/presentationml/2006/main">
+  <p:cSld>
+    <p:bg>
+      <p:bgRef idx="1001">
+        <a:schemeClr val="bg1"/>
+      </p:bgRef>
+    </p:bg>
+    <p:spTree>
+      <p:nvGrpSpPr>
+        <p:cNvPr id="1" name=""/>
+        <p:cNvGrpSpPr/>
+        <p:nvPr/>
+      </p:nvGrpSpPr>
+      <p:grpSpPr>
+        <a:xfrm>
+          <a:off x="0" y="0"/>
+          <a:ext cx="0" cy="0"/>
+          <a:chOff x="0" y="0"/>
+          <a:chExt cx="0" cy="0"/>
+        </a:xfrm>
+      </p:grpSpPr>
+      <p:sp>
+        <p:nvSpPr>
+          <p:cNvPr id="2" name="Espace réservé de l'en-tête 1"/>
+          <p:cNvSpPr>
+            <a:spLocks noGrp="1"/>
+          </p:cNvSpPr>
+          <p:nvPr>
+            <p:ph type="hdr" sz="quarter"/>
+          </p:nvPr>
+        </p:nvSpPr>
+        <p:spPr>
+          <a:xfrm>
+            <a:off x="0" y="0"/>
+            <a:ext cx="2974552" cy="501560"/>
+          </a:xfrm>
+          <a:prstGeom prst="rect">
+            <a:avLst/>
+          </a:prstGeom>
+        </p:spPr>
+        <p:txBody>
+          <a:bodyPr vert="horz" lIns="96341" tIns="48171" rIns="96341" bIns="48171" rtlCol="0"/>
+          <a:lstStyle>
+            <a:lvl1pPr algn="l">
+              <a:defRPr sz="1300"/>
+            </a:lvl1pPr>
+          </a:lstStyle>
+          <a:p>
+            <a:endParaRPr lang="fr-CH"/>
+          </a:p>
+        </p:txBody>
+      </p:sp>
+      <p:sp>
+        <p:nvSpPr>
+          <p:cNvPr id="3" name="Espace réservé de la date 2"/>
+          <p:cNvSpPr>
+            <a:spLocks noGrp="1"/>
+          </p:cNvSpPr>
+          <p:nvPr>
+            <p:ph type="dt" sz="quarter" idx="1"/>
+          </p:nvPr>
+        </p:nvSpPr>
+        <p:spPr>
+          <a:xfrm>
+            <a:off x="3888210" y="0"/>
+            <a:ext cx="2974552" cy="501560"/>
+          </a:xfrm>
+          <a:prstGeom prst="rect">
+            <a:avLst/>
+          </a:prstGeom>
+        </p:spPr>
+        <p:txBody>
+          <a:bodyPr vert="horz" lIns="96341" tIns="48171" rIns="96341" bIns="48171" rtlCol="0"/>
+          <a:lstStyle>
+            <a:lvl1pPr algn="r">
+              <a:defRPr sz="1300"/>
+            </a:lvl1pPr>
+          </a:lstStyle>
+          <a:p>
+            <a:fld id="{B4B405F5-631C-467B-9080-88E262273A2D}" type="datetimeFigureOut">
+              <a:rPr lang="fr-CH" smtClean="0"/>
+              <a:t>01.02.2017</a:t>
+            </a:fld>
+            <a:endParaRPr lang="fr-CH"/>
+          </a:p>
+        </p:txBody>
+      </p:sp>
+      <p:sp>
+        <p:nvSpPr>
+          <p:cNvPr id="4" name="Espace réservé du pied de page 3"/>
+          <p:cNvSpPr>
+            <a:spLocks noGrp="1"/>
+          </p:cNvSpPr>
+          <p:nvPr>
+            <p:ph type="ftr" sz="quarter" idx="2"/>
+          </p:nvPr>
+        </p:nvSpPr>
+        <p:spPr>
+          <a:xfrm>
+            <a:off x="0" y="9494929"/>
+            <a:ext cx="2974552" cy="501559"/>
+          </a:xfrm>
+          <a:prstGeom prst="rect">
+            <a:avLst/>
+          </a:prstGeom>
+        </p:spPr>
+        <p:txBody>
+          <a:bodyPr vert="horz" lIns="96341" tIns="48171" rIns="96341" bIns="48171" rtlCol="0" anchor="b"/>
+          <a:lstStyle>
+            <a:lvl1pPr algn="l">
+              <a:defRPr sz="1300"/>
+            </a:lvl1pPr>
+          </a:lstStyle>
+          <a:p>
+            <a:endParaRPr lang="fr-CH"/>
+          </a:p>
+        </p:txBody>
+      </p:sp>
+      <p:sp>
+        <p:nvSpPr>
+          <p:cNvPr id="5" name="Espace réservé du numéro de diapositive 4"/>
+          <p:cNvSpPr>
+            <a:spLocks noGrp="1"/>
+          </p:cNvSpPr>
+          <p:nvPr>
+            <p:ph type="sldNum" sz="quarter" idx="3"/>
+          </p:nvPr>
+        </p:nvSpPr>
+        <p:spPr>
+          <a:xfrm>
+            <a:off x="3888210" y="9494929"/>
+            <a:ext cx="2974552" cy="501559"/>
+          </a:xfrm>
+          <a:prstGeom prst="rect">
+            <a:avLst/>
+          </a:prstGeom>
+        </p:spPr>
+        <p:txBody>
+          <a:bodyPr vert="horz" lIns="96341" tIns="48171" rIns="96341" bIns="48171" rtlCol="0" anchor="b"/>
+          <a:lstStyle>
+            <a:lvl1pPr algn="r">
+              <a:defRPr sz="1300"/>
+            </a:lvl1pPr>
+          </a:lstStyle>
+          <a:p>
+            <a:fld id="{B789A07A-EE6E-4800-9217-E6ED79095C84}" type="slidenum">
+              <a:rPr lang="fr-CH" smtClean="0"/>
+              <a:t>‹N°›</a:t>
+            </a:fld>
+            <a:endParaRPr lang="fr-CH"/>
+          </a:p>
+        </p:txBody>
+      </p:sp>
+    </p:spTree>
+    <p:extLst>
+      <p:ext uri="{BB962C8B-B14F-4D97-AF65-F5344CB8AC3E}">
+        <p14:creationId xmlns:p14="http://schemas.microsoft.com/office/powerpoint/2010/main" val="2059199941"/>
+      </p:ext>
+    </p:extLst>
+  </p:cSld>
+  <p:clrMap bg1="lt1" tx1="dk1" bg2="lt2" tx2="dk2" accent1="accent1" accent2="accent2" accent3="accent3" accent4="accent4" accent5="accent5" accent6="accent6" hlink="hlink" folHlink="folHlink"/>
+</p:handoutMaster>
 </file>
 
 <file path=ppt/notesMasters/notesMaster1.xml><?xml version="1.0" encoding="utf-8"?>
@@ -228,17 +414,17 @@
         <p:spPr>
           <a:xfrm>
             <a:off x="0" y="0"/>
-            <a:ext cx="2971800" cy="458788"/>
+            <a:ext cx="2974552" cy="501560"/>
           </a:xfrm>
           <a:prstGeom prst="rect">
             <a:avLst/>
           </a:prstGeom>
         </p:spPr>
         <p:txBody>
-          <a:bodyPr vert="horz" lIns="91440" tIns="45720" rIns="91440" bIns="45720" rtlCol="0"/>
+          <a:bodyPr vert="horz" lIns="96341" tIns="48171" rIns="96341" bIns="48171" rtlCol="0"/>
           <a:lstStyle>
             <a:lvl1pPr algn="l">
-              <a:defRPr sz="1200"/>
+              <a:defRPr sz="1300"/>
             </a:lvl1pPr>
           </a:lstStyle>
           <a:p>
@@ -258,18 +444,18 @@
         </p:nvSpPr>
         <p:spPr>
           <a:xfrm>
-            <a:off x="3884613" y="0"/>
-            <a:ext cx="2971800" cy="458788"/>
+            <a:off x="3888210" y="0"/>
+            <a:ext cx="2974552" cy="501560"/>
           </a:xfrm>
           <a:prstGeom prst="rect">
             <a:avLst/>
           </a:prstGeom>
         </p:spPr>
         <p:txBody>
-          <a:bodyPr vert="horz" lIns="91440" tIns="45720" rIns="91440" bIns="45720" rtlCol="0"/>
+          <a:bodyPr vert="horz" lIns="96341" tIns="48171" rIns="96341" bIns="48171" rtlCol="0"/>
           <a:lstStyle>
             <a:lvl1pPr algn="r">
-              <a:defRPr sz="1200"/>
+              <a:defRPr sz="1300"/>
             </a:lvl1pPr>
           </a:lstStyle>
           <a:p>
@@ -293,8 +479,8 @@
         </p:nvSpPr>
         <p:spPr>
           <a:xfrm>
-            <a:off x="1371600" y="1143000"/>
-            <a:ext cx="4114800" cy="3086100"/>
+            <a:off x="1184275" y="1249363"/>
+            <a:ext cx="4495800" cy="3373437"/>
           </a:xfrm>
           <a:prstGeom prst="rect">
             <a:avLst/>
@@ -307,7 +493,7 @@
           </a:ln>
         </p:spPr>
         <p:txBody>
-          <a:bodyPr vert="horz" lIns="91440" tIns="45720" rIns="91440" bIns="45720" rtlCol="0" anchor="ctr"/>
+          <a:bodyPr vert="horz" lIns="96341" tIns="48171" rIns="96341" bIns="48171" rtlCol="0" anchor="ctr"/>
           <a:lstStyle/>
           <a:p>
             <a:endParaRPr lang="fr-CH"/>
@@ -326,15 +512,15 @@
         </p:nvSpPr>
         <p:spPr>
           <a:xfrm>
-            <a:off x="685800" y="4400550"/>
-            <a:ext cx="5486400" cy="3600450"/>
+            <a:off x="686435" y="4810810"/>
+            <a:ext cx="5491480" cy="3936117"/>
           </a:xfrm>
           <a:prstGeom prst="rect">
             <a:avLst/>
           </a:prstGeom>
         </p:spPr>
         <p:txBody>
-          <a:bodyPr vert="horz" lIns="91440" tIns="45720" rIns="91440" bIns="45720" rtlCol="0"/>
+          <a:bodyPr vert="horz" lIns="96341" tIns="48171" rIns="96341" bIns="48171" rtlCol="0"/>
           <a:lstStyle/>
           <a:p>
             <a:pPr lvl="0"/>
@@ -386,18 +572,18 @@
         </p:nvSpPr>
         <p:spPr>
           <a:xfrm>
-            <a:off x="0" y="8685213"/>
-            <a:ext cx="2971800" cy="458787"/>
+            <a:off x="0" y="9494929"/>
+            <a:ext cx="2974552" cy="501559"/>
           </a:xfrm>
           <a:prstGeom prst="rect">
             <a:avLst/>
           </a:prstGeom>
         </p:spPr>
         <p:txBody>
-          <a:bodyPr vert="horz" lIns="91440" tIns="45720" rIns="91440" bIns="45720" rtlCol="0" anchor="b"/>
+          <a:bodyPr vert="horz" lIns="96341" tIns="48171" rIns="96341" bIns="48171" rtlCol="0" anchor="b"/>
           <a:lstStyle>
             <a:lvl1pPr algn="l">
-              <a:defRPr sz="1200"/>
+              <a:defRPr sz="1300"/>
             </a:lvl1pPr>
           </a:lstStyle>
           <a:p>
@@ -417,18 +603,18 @@
         </p:nvSpPr>
         <p:spPr>
           <a:xfrm>
-            <a:off x="3884613" y="8685213"/>
-            <a:ext cx="2971800" cy="458787"/>
+            <a:off x="3888210" y="9494929"/>
+            <a:ext cx="2974552" cy="501559"/>
           </a:xfrm>
           <a:prstGeom prst="rect">
             <a:avLst/>
           </a:prstGeom>
         </p:spPr>
         <p:txBody>
-          <a:bodyPr vert="horz" lIns="91440" tIns="45720" rIns="91440" bIns="45720" rtlCol="0" anchor="b"/>
+          <a:bodyPr vert="horz" lIns="96341" tIns="48171" rIns="96341" bIns="48171" rtlCol="0" anchor="b"/>
           <a:lstStyle>
             <a:lvl1pPr algn="r">
-              <a:defRPr sz="1200"/>
+              <a:defRPr sz="1300"/>
             </a:lvl1pPr>
           </a:lstStyle>
           <a:p>
@@ -674,23 +860,6 @@
           <a:bodyPr/>
           <a:lstStyle/>
           <a:p>
-            <a:pPr marL="0" marR="0" lvl="0" indent="0" algn="l" defTabSz="914400" rtl="0" eaLnBrk="1" fontAlgn="auto" latinLnBrk="0" hangingPunct="1">
-              <a:lnSpc>
-                <a:spcPct val="100000"/>
-              </a:lnSpc>
-              <a:spcBef>
-                <a:spcPts val="0"/>
-              </a:spcBef>
-              <a:spcAft>
-                <a:spcPts val="0"/>
-              </a:spcAft>
-              <a:buClrTx/>
-              <a:buSzTx/>
-              <a:buFontTx/>
-              <a:buNone/>
-              <a:tabLst/>
-              <a:defRPr/>
-            </a:pPr>
             <a:endParaRPr lang="fr-CH" dirty="0"/>
           </a:p>
         </p:txBody>
@@ -712,7 +881,7 @@
           <a:p>
             <a:fld id="{00E4C358-B2C9-4BAA-B825-EE7B48785BE7}" type="slidenum">
               <a:rPr lang="fr-CH" smtClean="0"/>
-              <a:t>17</a:t>
+              <a:t>10</a:t>
             </a:fld>
             <a:endParaRPr lang="fr-CH"/>
           </a:p>
@@ -721,7 +890,7 @@
     </p:spTree>
     <p:extLst>
       <p:ext uri="{BB962C8B-B14F-4D97-AF65-F5344CB8AC3E}">
-        <p14:creationId xmlns:p14="http://schemas.microsoft.com/office/powerpoint/2010/main" val="2453055454"/>
+        <p14:creationId xmlns:p14="http://schemas.microsoft.com/office/powerpoint/2010/main" val="3538864033"/>
       </p:ext>
     </p:extLst>
   </p:cSld>
@@ -775,87 +944,7 @@
           <a:bodyPr/>
           <a:lstStyle/>
           <a:p>
-            <a:pPr marL="0" marR="0" lvl="0" indent="0" algn="l" defTabSz="914400" rtl="0" eaLnBrk="1" fontAlgn="auto" latinLnBrk="0" hangingPunct="1">
-              <a:lnSpc>
-                <a:spcPct val="100000"/>
-              </a:lnSpc>
-              <a:spcBef>
-                <a:spcPts val="0"/>
-              </a:spcBef>
-              <a:spcAft>
-                <a:spcPts val="0"/>
-              </a:spcAft>
-              <a:buClrTx/>
-              <a:buSzTx/>
-              <a:buFontTx/>
-              <a:buNone/>
-              <a:tabLst/>
-              <a:defRPr/>
-            </a:pPr>
-            <a:r>
-              <a:rPr lang="fr-CH" sz="1200" kern="1200" dirty="0">
-                <a:solidFill>
-                  <a:schemeClr val="tx1"/>
-                </a:solidFill>
-                <a:effectLst/>
-                <a:latin typeface="+mn-lt"/>
-                <a:ea typeface="+mn-ea"/>
-                <a:cs typeface="+mn-cs"/>
-              </a:rPr>
-              <a:t>Aucune machine n’utilise ce protocole</a:t>
-            </a:r>
-          </a:p>
-          <a:p>
-            <a:pPr marL="0" marR="0" lvl="0" indent="0" algn="l" defTabSz="914400" rtl="0" eaLnBrk="1" fontAlgn="auto" latinLnBrk="0" hangingPunct="1">
-              <a:lnSpc>
-                <a:spcPct val="100000"/>
-              </a:lnSpc>
-              <a:spcBef>
-                <a:spcPts val="0"/>
-              </a:spcBef>
-              <a:spcAft>
-                <a:spcPts val="0"/>
-              </a:spcAft>
-              <a:buClrTx/>
-              <a:buSzTx/>
-              <a:buFontTx/>
-              <a:buNone/>
-              <a:tabLst/>
-              <a:defRPr/>
-            </a:pPr>
-            <a:r>
-              <a:rPr lang="fr-CH" sz="1200" kern="1200" dirty="0">
-                <a:solidFill>
-                  <a:schemeClr val="tx1"/>
-                </a:solidFill>
-                <a:effectLst/>
-                <a:latin typeface="+mn-lt"/>
-                <a:ea typeface="+mn-ea"/>
-                <a:cs typeface="+mn-cs"/>
-              </a:rPr>
-              <a:t>Même les machines de la </a:t>
-            </a:r>
-            <a:r>
-              <a:rPr lang="fr-CH" sz="1200" kern="1200" dirty="0" err="1">
-                <a:solidFill>
-                  <a:schemeClr val="tx1"/>
-                </a:solidFill>
-                <a:effectLst/>
-                <a:latin typeface="+mn-lt"/>
-                <a:ea typeface="+mn-ea"/>
-                <a:cs typeface="+mn-cs"/>
-              </a:rPr>
-              <a:t>nouvell</a:t>
-            </a:r>
-            <a:endParaRPr lang="fr-CH" sz="1200" kern="1200" dirty="0">
-              <a:solidFill>
-                <a:schemeClr val="tx1"/>
-              </a:solidFill>
-              <a:effectLst/>
-              <a:latin typeface="+mn-lt"/>
-              <a:ea typeface="+mn-ea"/>
-              <a:cs typeface="+mn-cs"/>
-            </a:endParaRPr>
+            <a:endParaRPr lang="fr-CH"/>
           </a:p>
         </p:txBody>
       </p:sp>
@@ -876,7 +965,7 @@
           <a:p>
             <a:fld id="{00E4C358-B2C9-4BAA-B825-EE7B48785BE7}" type="slidenum">
               <a:rPr lang="fr-CH" smtClean="0"/>
-              <a:t>19</a:t>
+              <a:t>11</a:t>
             </a:fld>
             <a:endParaRPr lang="fr-CH"/>
           </a:p>
@@ -885,7 +974,7 @@
     </p:spTree>
     <p:extLst>
       <p:ext uri="{BB962C8B-B14F-4D97-AF65-F5344CB8AC3E}">
-        <p14:creationId xmlns:p14="http://schemas.microsoft.com/office/powerpoint/2010/main" val="1396611871"/>
+        <p14:creationId xmlns:p14="http://schemas.microsoft.com/office/powerpoint/2010/main" val="251880714"/>
       </p:ext>
     </p:extLst>
   </p:cSld>
@@ -939,7 +1028,7 @@
           <a:bodyPr/>
           <a:lstStyle/>
           <a:p>
-            <a:endParaRPr lang="fr-CH" dirty="0"/>
+            <a:endParaRPr lang="fr-CH"/>
           </a:p>
         </p:txBody>
       </p:sp>
@@ -960,7 +1049,7 @@
           <a:p>
             <a:fld id="{00E4C358-B2C9-4BAA-B825-EE7B48785BE7}" type="slidenum">
               <a:rPr lang="fr-CH" smtClean="0"/>
-              <a:t>22</a:t>
+              <a:t>12</a:t>
             </a:fld>
             <a:endParaRPr lang="fr-CH"/>
           </a:p>
@@ -969,7 +1058,695 @@
     </p:spTree>
     <p:extLst>
       <p:ext uri="{BB962C8B-B14F-4D97-AF65-F5344CB8AC3E}">
-        <p14:creationId xmlns:p14="http://schemas.microsoft.com/office/powerpoint/2010/main" val="3834162128"/>
+        <p14:creationId xmlns:p14="http://schemas.microsoft.com/office/powerpoint/2010/main" val="1113046132"/>
+      </p:ext>
+    </p:extLst>
+  </p:cSld>
+  <p:clrMapOvr>
+    <a:masterClrMapping/>
+  </p:clrMapOvr>
+</p:notes>
+</file>
+
+<file path=ppt/notesSlides/notesSlide13.xml><?xml version="1.0" encoding="utf-8"?>
+<p:notes xmlns:a="http://schemas.openxmlformats.org/drawingml/2006/main" xmlns:r="http://schemas.openxmlformats.org/officeDocument/2006/relationships" xmlns:p="http://schemas.openxmlformats.org/presentationml/2006/main">
+  <p:cSld>
+    <p:spTree>
+      <p:nvGrpSpPr>
+        <p:cNvPr id="1" name=""/>
+        <p:cNvGrpSpPr/>
+        <p:nvPr/>
+      </p:nvGrpSpPr>
+      <p:grpSpPr>
+        <a:xfrm>
+          <a:off x="0" y="0"/>
+          <a:ext cx="0" cy="0"/>
+          <a:chOff x="0" y="0"/>
+          <a:chExt cx="0" cy="0"/>
+        </a:xfrm>
+      </p:grpSpPr>
+      <p:sp>
+        <p:nvSpPr>
+          <p:cNvPr id="2" name="Espace réservé de l'image des diapositives 1"/>
+          <p:cNvSpPr>
+            <a:spLocks noGrp="1" noRot="1" noChangeAspect="1"/>
+          </p:cNvSpPr>
+          <p:nvPr>
+            <p:ph type="sldImg"/>
+          </p:nvPr>
+        </p:nvSpPr>
+        <p:spPr/>
+      </p:sp>
+      <p:sp>
+        <p:nvSpPr>
+          <p:cNvPr id="3" name="Espace réservé des notes 2"/>
+          <p:cNvSpPr>
+            <a:spLocks noGrp="1"/>
+          </p:cNvSpPr>
+          <p:nvPr>
+            <p:ph type="body" idx="1"/>
+          </p:nvPr>
+        </p:nvSpPr>
+        <p:spPr/>
+        <p:txBody>
+          <a:bodyPr/>
+          <a:lstStyle/>
+          <a:p>
+            <a:r>
+              <a:rPr lang="fr-CH" dirty="0"/>
+              <a:t>Organisation par nœud</a:t>
+            </a:r>
+            <a:r>
+              <a:rPr lang="fr-CH" baseline="0" dirty="0"/>
+              <a:t> qui sont référencés</a:t>
+            </a:r>
+            <a:endParaRPr lang="fr-CH" dirty="0"/>
+          </a:p>
+        </p:txBody>
+      </p:sp>
+      <p:sp>
+        <p:nvSpPr>
+          <p:cNvPr id="4" name="Espace réservé du numéro de diapositive 3"/>
+          <p:cNvSpPr>
+            <a:spLocks noGrp="1"/>
+          </p:cNvSpPr>
+          <p:nvPr>
+            <p:ph type="sldNum" sz="quarter" idx="10"/>
+          </p:nvPr>
+        </p:nvSpPr>
+        <p:spPr/>
+        <p:txBody>
+          <a:bodyPr/>
+          <a:lstStyle/>
+          <a:p>
+            <a:fld id="{00E4C358-B2C9-4BAA-B825-EE7B48785BE7}" type="slidenum">
+              <a:rPr lang="fr-CH" smtClean="0"/>
+              <a:t>13</a:t>
+            </a:fld>
+            <a:endParaRPr lang="fr-CH"/>
+          </a:p>
+        </p:txBody>
+      </p:sp>
+    </p:spTree>
+    <p:extLst>
+      <p:ext uri="{BB962C8B-B14F-4D97-AF65-F5344CB8AC3E}">
+        <p14:creationId xmlns:p14="http://schemas.microsoft.com/office/powerpoint/2010/main" val="223841069"/>
+      </p:ext>
+    </p:extLst>
+  </p:cSld>
+  <p:clrMapOvr>
+    <a:masterClrMapping/>
+  </p:clrMapOvr>
+</p:notes>
+</file>
+
+<file path=ppt/notesSlides/notesSlide14.xml><?xml version="1.0" encoding="utf-8"?>
+<p:notes xmlns:a="http://schemas.openxmlformats.org/drawingml/2006/main" xmlns:r="http://schemas.openxmlformats.org/officeDocument/2006/relationships" xmlns:p="http://schemas.openxmlformats.org/presentationml/2006/main">
+  <p:cSld>
+    <p:spTree>
+      <p:nvGrpSpPr>
+        <p:cNvPr id="1" name=""/>
+        <p:cNvGrpSpPr/>
+        <p:nvPr/>
+      </p:nvGrpSpPr>
+      <p:grpSpPr>
+        <a:xfrm>
+          <a:off x="0" y="0"/>
+          <a:ext cx="0" cy="0"/>
+          <a:chOff x="0" y="0"/>
+          <a:chExt cx="0" cy="0"/>
+        </a:xfrm>
+      </p:grpSpPr>
+      <p:sp>
+        <p:nvSpPr>
+          <p:cNvPr id="2" name="Espace réservé de l'image des diapositives 1"/>
+          <p:cNvSpPr>
+            <a:spLocks noGrp="1" noRot="1" noChangeAspect="1"/>
+          </p:cNvSpPr>
+          <p:nvPr>
+            <p:ph type="sldImg"/>
+          </p:nvPr>
+        </p:nvSpPr>
+        <p:spPr/>
+      </p:sp>
+      <p:sp>
+        <p:nvSpPr>
+          <p:cNvPr id="3" name="Espace réservé des notes 2"/>
+          <p:cNvSpPr>
+            <a:spLocks noGrp="1"/>
+          </p:cNvSpPr>
+          <p:nvPr>
+            <p:ph type="body" idx="1"/>
+          </p:nvPr>
+        </p:nvSpPr>
+        <p:spPr/>
+        <p:txBody>
+          <a:bodyPr/>
+          <a:lstStyle/>
+          <a:p>
+            <a:r>
+              <a:rPr lang="fr-CH" dirty="0"/>
+              <a:t>Tout est </a:t>
+            </a:r>
+            <a:r>
+              <a:rPr lang="fr-CH" dirty="0" err="1"/>
+              <a:t>Noeud</a:t>
+            </a:r>
+            <a:endParaRPr lang="fr-CH" dirty="0"/>
+          </a:p>
+        </p:txBody>
+      </p:sp>
+      <p:sp>
+        <p:nvSpPr>
+          <p:cNvPr id="4" name="Espace réservé du numéro de diapositive 3"/>
+          <p:cNvSpPr>
+            <a:spLocks noGrp="1"/>
+          </p:cNvSpPr>
+          <p:nvPr>
+            <p:ph type="sldNum" sz="quarter" idx="10"/>
+          </p:nvPr>
+        </p:nvSpPr>
+        <p:spPr/>
+        <p:txBody>
+          <a:bodyPr/>
+          <a:lstStyle/>
+          <a:p>
+            <a:fld id="{00E4C358-B2C9-4BAA-B825-EE7B48785BE7}" type="slidenum">
+              <a:rPr lang="fr-CH" smtClean="0"/>
+              <a:t>14</a:t>
+            </a:fld>
+            <a:endParaRPr lang="fr-CH"/>
+          </a:p>
+        </p:txBody>
+      </p:sp>
+    </p:spTree>
+    <p:extLst>
+      <p:ext uri="{BB962C8B-B14F-4D97-AF65-F5344CB8AC3E}">
+        <p14:creationId xmlns:p14="http://schemas.microsoft.com/office/powerpoint/2010/main" val="377863553"/>
+      </p:ext>
+    </p:extLst>
+  </p:cSld>
+  <p:clrMapOvr>
+    <a:masterClrMapping/>
+  </p:clrMapOvr>
+</p:notes>
+</file>
+
+<file path=ppt/notesSlides/notesSlide15.xml><?xml version="1.0" encoding="utf-8"?>
+<p:notes xmlns:a="http://schemas.openxmlformats.org/drawingml/2006/main" xmlns:r="http://schemas.openxmlformats.org/officeDocument/2006/relationships" xmlns:p="http://schemas.openxmlformats.org/presentationml/2006/main">
+  <p:cSld>
+    <p:spTree>
+      <p:nvGrpSpPr>
+        <p:cNvPr id="1" name=""/>
+        <p:cNvGrpSpPr/>
+        <p:nvPr/>
+      </p:nvGrpSpPr>
+      <p:grpSpPr>
+        <a:xfrm>
+          <a:off x="0" y="0"/>
+          <a:ext cx="0" cy="0"/>
+          <a:chOff x="0" y="0"/>
+          <a:chExt cx="0" cy="0"/>
+        </a:xfrm>
+      </p:grpSpPr>
+      <p:sp>
+        <p:nvSpPr>
+          <p:cNvPr id="2" name="Espace réservé de l'image des diapositives 1"/>
+          <p:cNvSpPr>
+            <a:spLocks noGrp="1" noRot="1" noChangeAspect="1"/>
+          </p:cNvSpPr>
+          <p:nvPr>
+            <p:ph type="sldImg"/>
+          </p:nvPr>
+        </p:nvSpPr>
+        <p:spPr/>
+      </p:sp>
+      <p:sp>
+        <p:nvSpPr>
+          <p:cNvPr id="3" name="Espace réservé des notes 2"/>
+          <p:cNvSpPr>
+            <a:spLocks noGrp="1"/>
+          </p:cNvSpPr>
+          <p:nvPr>
+            <p:ph type="body" idx="1"/>
+          </p:nvPr>
+        </p:nvSpPr>
+        <p:spPr/>
+        <p:txBody>
+          <a:bodyPr/>
+          <a:lstStyle/>
+          <a:p>
+            <a:r>
+              <a:rPr lang="fr-CH" dirty="0"/>
+              <a:t>Objet Permet de se rapprocher de</a:t>
+            </a:r>
+            <a:r>
+              <a:rPr lang="fr-CH" baseline="0" dirty="0"/>
+              <a:t> utilisation réel</a:t>
+            </a:r>
+          </a:p>
+          <a:p>
+            <a:endParaRPr lang="fr-CH" baseline="0" dirty="0"/>
+          </a:p>
+          <a:p>
+            <a:r>
+              <a:rPr lang="fr-CH" baseline="0" dirty="0"/>
+              <a:t>Référence!!! -&gt; Exploration et dynamisme</a:t>
+            </a:r>
+            <a:endParaRPr lang="fr-CH" dirty="0"/>
+          </a:p>
+        </p:txBody>
+      </p:sp>
+      <p:sp>
+        <p:nvSpPr>
+          <p:cNvPr id="4" name="Espace réservé du numéro de diapositive 3"/>
+          <p:cNvSpPr>
+            <a:spLocks noGrp="1"/>
+          </p:cNvSpPr>
+          <p:nvPr>
+            <p:ph type="sldNum" sz="quarter" idx="10"/>
+          </p:nvPr>
+        </p:nvSpPr>
+        <p:spPr/>
+        <p:txBody>
+          <a:bodyPr/>
+          <a:lstStyle/>
+          <a:p>
+            <a:fld id="{00E4C358-B2C9-4BAA-B825-EE7B48785BE7}" type="slidenum">
+              <a:rPr lang="fr-CH" smtClean="0"/>
+              <a:t>15</a:t>
+            </a:fld>
+            <a:endParaRPr lang="fr-CH"/>
+          </a:p>
+        </p:txBody>
+      </p:sp>
+    </p:spTree>
+    <p:extLst>
+      <p:ext uri="{BB962C8B-B14F-4D97-AF65-F5344CB8AC3E}">
+        <p14:creationId xmlns:p14="http://schemas.microsoft.com/office/powerpoint/2010/main" val="3278318055"/>
+      </p:ext>
+    </p:extLst>
+  </p:cSld>
+  <p:clrMapOvr>
+    <a:masterClrMapping/>
+  </p:clrMapOvr>
+</p:notes>
+</file>
+
+<file path=ppt/notesSlides/notesSlide16.xml><?xml version="1.0" encoding="utf-8"?>
+<p:notes xmlns:a="http://schemas.openxmlformats.org/drawingml/2006/main" xmlns:r="http://schemas.openxmlformats.org/officeDocument/2006/relationships" xmlns:p="http://schemas.openxmlformats.org/presentationml/2006/main">
+  <p:cSld>
+    <p:spTree>
+      <p:nvGrpSpPr>
+        <p:cNvPr id="1" name=""/>
+        <p:cNvGrpSpPr/>
+        <p:nvPr/>
+      </p:nvGrpSpPr>
+      <p:grpSpPr>
+        <a:xfrm>
+          <a:off x="0" y="0"/>
+          <a:ext cx="0" cy="0"/>
+          <a:chOff x="0" y="0"/>
+          <a:chExt cx="0" cy="0"/>
+        </a:xfrm>
+      </p:grpSpPr>
+      <p:sp>
+        <p:nvSpPr>
+          <p:cNvPr id="2" name="Espace réservé de l'image des diapositives 1"/>
+          <p:cNvSpPr>
+            <a:spLocks noGrp="1" noRot="1" noChangeAspect="1"/>
+          </p:cNvSpPr>
+          <p:nvPr>
+            <p:ph type="sldImg"/>
+          </p:nvPr>
+        </p:nvSpPr>
+        <p:spPr/>
+      </p:sp>
+      <p:sp>
+        <p:nvSpPr>
+          <p:cNvPr id="3" name="Espace réservé des notes 2"/>
+          <p:cNvSpPr>
+            <a:spLocks noGrp="1"/>
+          </p:cNvSpPr>
+          <p:nvPr>
+            <p:ph type="body" idx="1"/>
+          </p:nvPr>
+        </p:nvSpPr>
+        <p:spPr/>
+        <p:txBody>
+          <a:bodyPr/>
+          <a:lstStyle/>
+          <a:p>
+            <a:r>
+              <a:rPr lang="fr-CH" dirty="0"/>
+              <a:t>Nouvelles technologie</a:t>
+            </a:r>
+          </a:p>
+          <a:p>
+            <a:r>
+              <a:rPr lang="fr-CH" dirty="0"/>
+              <a:t>Peut</a:t>
+            </a:r>
+            <a:r>
+              <a:rPr lang="fr-CH" baseline="0" dirty="0"/>
+              <a:t> d’aide en ligne «stack </a:t>
+            </a:r>
+            <a:r>
+              <a:rPr lang="fr-CH" baseline="0" dirty="0" err="1"/>
+              <a:t>overflow</a:t>
+            </a:r>
+            <a:r>
+              <a:rPr lang="fr-CH" baseline="0" dirty="0"/>
+              <a:t>»</a:t>
+            </a:r>
+            <a:endParaRPr lang="fr-CH" dirty="0"/>
+          </a:p>
+        </p:txBody>
+      </p:sp>
+      <p:sp>
+        <p:nvSpPr>
+          <p:cNvPr id="4" name="Espace réservé du numéro de diapositive 3"/>
+          <p:cNvSpPr>
+            <a:spLocks noGrp="1"/>
+          </p:cNvSpPr>
+          <p:nvPr>
+            <p:ph type="sldNum" sz="quarter" idx="10"/>
+          </p:nvPr>
+        </p:nvSpPr>
+        <p:spPr/>
+        <p:txBody>
+          <a:bodyPr/>
+          <a:lstStyle/>
+          <a:p>
+            <a:fld id="{00E4C358-B2C9-4BAA-B825-EE7B48785BE7}" type="slidenum">
+              <a:rPr lang="fr-CH" smtClean="0"/>
+              <a:t>16</a:t>
+            </a:fld>
+            <a:endParaRPr lang="fr-CH"/>
+          </a:p>
+        </p:txBody>
+      </p:sp>
+    </p:spTree>
+    <p:extLst>
+      <p:ext uri="{BB962C8B-B14F-4D97-AF65-F5344CB8AC3E}">
+        <p14:creationId xmlns:p14="http://schemas.microsoft.com/office/powerpoint/2010/main" val="2431193543"/>
+      </p:ext>
+    </p:extLst>
+  </p:cSld>
+  <p:clrMapOvr>
+    <a:masterClrMapping/>
+  </p:clrMapOvr>
+</p:notes>
+</file>
+
+<file path=ppt/notesSlides/notesSlide17.xml><?xml version="1.0" encoding="utf-8"?>
+<p:notes xmlns:a="http://schemas.openxmlformats.org/drawingml/2006/main" xmlns:r="http://schemas.openxmlformats.org/officeDocument/2006/relationships" xmlns:p="http://schemas.openxmlformats.org/presentationml/2006/main">
+  <p:cSld>
+    <p:spTree>
+      <p:nvGrpSpPr>
+        <p:cNvPr id="1" name=""/>
+        <p:cNvGrpSpPr/>
+        <p:nvPr/>
+      </p:nvGrpSpPr>
+      <p:grpSpPr>
+        <a:xfrm>
+          <a:off x="0" y="0"/>
+          <a:ext cx="0" cy="0"/>
+          <a:chOff x="0" y="0"/>
+          <a:chExt cx="0" cy="0"/>
+        </a:xfrm>
+      </p:grpSpPr>
+      <p:sp>
+        <p:nvSpPr>
+          <p:cNvPr id="2" name="Espace réservé de l'image des diapositives 1"/>
+          <p:cNvSpPr>
+            <a:spLocks noGrp="1" noRot="1" noChangeAspect="1"/>
+          </p:cNvSpPr>
+          <p:nvPr>
+            <p:ph type="sldImg"/>
+          </p:nvPr>
+        </p:nvSpPr>
+        <p:spPr/>
+      </p:sp>
+      <p:sp>
+        <p:nvSpPr>
+          <p:cNvPr id="3" name="Espace réservé des notes 2"/>
+          <p:cNvSpPr>
+            <a:spLocks noGrp="1"/>
+          </p:cNvSpPr>
+          <p:nvPr>
+            <p:ph type="body" idx="1"/>
+          </p:nvPr>
+        </p:nvSpPr>
+        <p:spPr/>
+        <p:txBody>
+          <a:bodyPr/>
+          <a:lstStyle/>
+          <a:p>
+            <a:r>
+              <a:rPr lang="fr-CH" dirty="0"/>
+              <a:t>Réflexion des types</a:t>
+            </a:r>
+          </a:p>
+          <a:p>
+            <a:r>
+              <a:rPr lang="fr-CH" dirty="0"/>
+              <a:t>Documentation</a:t>
+            </a:r>
+            <a:endParaRPr lang="fr-CH" baseline="0" dirty="0"/>
+          </a:p>
+          <a:p>
+            <a:r>
+              <a:rPr lang="fr-CH" baseline="0" dirty="0"/>
+              <a:t>N’est pas un langage orienté objet</a:t>
+            </a:r>
+            <a:endParaRPr lang="fr-CH" dirty="0"/>
+          </a:p>
+        </p:txBody>
+      </p:sp>
+      <p:sp>
+        <p:nvSpPr>
+          <p:cNvPr id="4" name="Espace réservé du numéro de diapositive 3"/>
+          <p:cNvSpPr>
+            <a:spLocks noGrp="1"/>
+          </p:cNvSpPr>
+          <p:nvPr>
+            <p:ph type="sldNum" sz="quarter" idx="10"/>
+          </p:nvPr>
+        </p:nvSpPr>
+        <p:spPr/>
+        <p:txBody>
+          <a:bodyPr/>
+          <a:lstStyle/>
+          <a:p>
+            <a:fld id="{00E4C358-B2C9-4BAA-B825-EE7B48785BE7}" type="slidenum">
+              <a:rPr lang="fr-CH" smtClean="0"/>
+              <a:t>17</a:t>
+            </a:fld>
+            <a:endParaRPr lang="fr-CH"/>
+          </a:p>
+        </p:txBody>
+      </p:sp>
+    </p:spTree>
+    <p:extLst>
+      <p:ext uri="{BB962C8B-B14F-4D97-AF65-F5344CB8AC3E}">
+        <p14:creationId xmlns:p14="http://schemas.microsoft.com/office/powerpoint/2010/main" val="2677992071"/>
+      </p:ext>
+    </p:extLst>
+  </p:cSld>
+  <p:clrMapOvr>
+    <a:masterClrMapping/>
+  </p:clrMapOvr>
+</p:notes>
+</file>
+
+<file path=ppt/notesSlides/notesSlide18.xml><?xml version="1.0" encoding="utf-8"?>
+<p:notes xmlns:a="http://schemas.openxmlformats.org/drawingml/2006/main" xmlns:r="http://schemas.openxmlformats.org/officeDocument/2006/relationships" xmlns:p="http://schemas.openxmlformats.org/presentationml/2006/main">
+  <p:cSld>
+    <p:spTree>
+      <p:nvGrpSpPr>
+        <p:cNvPr id="1" name=""/>
+        <p:cNvGrpSpPr/>
+        <p:nvPr/>
+      </p:nvGrpSpPr>
+      <p:grpSpPr>
+        <a:xfrm>
+          <a:off x="0" y="0"/>
+          <a:ext cx="0" cy="0"/>
+          <a:chOff x="0" y="0"/>
+          <a:chExt cx="0" cy="0"/>
+        </a:xfrm>
+      </p:grpSpPr>
+      <p:sp>
+        <p:nvSpPr>
+          <p:cNvPr id="2" name="Espace réservé de l'image des diapositives 1"/>
+          <p:cNvSpPr>
+            <a:spLocks noGrp="1" noRot="1" noChangeAspect="1"/>
+          </p:cNvSpPr>
+          <p:nvPr>
+            <p:ph type="sldImg"/>
+          </p:nvPr>
+        </p:nvSpPr>
+        <p:spPr/>
+      </p:sp>
+      <p:sp>
+        <p:nvSpPr>
+          <p:cNvPr id="3" name="Espace réservé des notes 2"/>
+          <p:cNvSpPr>
+            <a:spLocks noGrp="1"/>
+          </p:cNvSpPr>
+          <p:nvPr>
+            <p:ph type="body" idx="1"/>
+          </p:nvPr>
+        </p:nvSpPr>
+        <p:spPr/>
+        <p:txBody>
+          <a:bodyPr/>
+          <a:lstStyle/>
+          <a:p>
+            <a:pPr defTabSz="963412">
+              <a:defRPr/>
+            </a:pPr>
+            <a:r>
+              <a:rPr lang="fr-CH" sz="1300" dirty="0"/>
+              <a:t>Aucune machine n’utilise ce protocole</a:t>
+            </a:r>
+          </a:p>
+          <a:p>
+            <a:pPr defTabSz="963412">
+              <a:defRPr/>
+            </a:pPr>
+            <a:r>
+              <a:rPr lang="fr-CH" sz="1300" dirty="0"/>
+              <a:t>Même les machines de la nouvelle génération n’en sont pas dotées</a:t>
+            </a:r>
+          </a:p>
+          <a:p>
+            <a:r>
+              <a:rPr lang="fr-CH" dirty="0" err="1"/>
+              <a:t>Staubli</a:t>
+            </a:r>
+            <a:r>
+              <a:rPr lang="fr-CH" dirty="0"/>
+              <a:t> CS9</a:t>
+            </a:r>
+          </a:p>
+        </p:txBody>
+      </p:sp>
+      <p:sp>
+        <p:nvSpPr>
+          <p:cNvPr id="4" name="Espace réservé du numéro de diapositive 3"/>
+          <p:cNvSpPr>
+            <a:spLocks noGrp="1"/>
+          </p:cNvSpPr>
+          <p:nvPr>
+            <p:ph type="sldNum" sz="quarter" idx="10"/>
+          </p:nvPr>
+        </p:nvSpPr>
+        <p:spPr/>
+        <p:txBody>
+          <a:bodyPr/>
+          <a:lstStyle/>
+          <a:p>
+            <a:fld id="{00E4C358-B2C9-4BAA-B825-EE7B48785BE7}" type="slidenum">
+              <a:rPr lang="fr-CH" smtClean="0"/>
+              <a:t>18</a:t>
+            </a:fld>
+            <a:endParaRPr lang="fr-CH"/>
+          </a:p>
+        </p:txBody>
+      </p:sp>
+    </p:spTree>
+    <p:extLst>
+      <p:ext uri="{BB962C8B-B14F-4D97-AF65-F5344CB8AC3E}">
+        <p14:creationId xmlns:p14="http://schemas.microsoft.com/office/powerpoint/2010/main" val="4277857266"/>
+      </p:ext>
+    </p:extLst>
+  </p:cSld>
+  <p:clrMapOvr>
+    <a:masterClrMapping/>
+  </p:clrMapOvr>
+</p:notes>
+</file>
+
+<file path=ppt/notesSlides/notesSlide19.xml><?xml version="1.0" encoding="utf-8"?>
+<p:notes xmlns:a="http://schemas.openxmlformats.org/drawingml/2006/main" xmlns:r="http://schemas.openxmlformats.org/officeDocument/2006/relationships" xmlns:p="http://schemas.openxmlformats.org/presentationml/2006/main">
+  <p:cSld>
+    <p:spTree>
+      <p:nvGrpSpPr>
+        <p:cNvPr id="1" name=""/>
+        <p:cNvGrpSpPr/>
+        <p:nvPr/>
+      </p:nvGrpSpPr>
+      <p:grpSpPr>
+        <a:xfrm>
+          <a:off x="0" y="0"/>
+          <a:ext cx="0" cy="0"/>
+          <a:chOff x="0" y="0"/>
+          <a:chExt cx="0" cy="0"/>
+        </a:xfrm>
+      </p:grpSpPr>
+      <p:sp>
+        <p:nvSpPr>
+          <p:cNvPr id="2" name="Espace réservé de l'image des diapositives 1"/>
+          <p:cNvSpPr>
+            <a:spLocks noGrp="1" noRot="1" noChangeAspect="1"/>
+          </p:cNvSpPr>
+          <p:nvPr>
+            <p:ph type="sldImg"/>
+          </p:nvPr>
+        </p:nvSpPr>
+        <p:spPr/>
+      </p:sp>
+      <p:sp>
+        <p:nvSpPr>
+          <p:cNvPr id="3" name="Espace réservé des notes 2"/>
+          <p:cNvSpPr>
+            <a:spLocks noGrp="1"/>
+          </p:cNvSpPr>
+          <p:nvPr>
+            <p:ph type="body" idx="1"/>
+          </p:nvPr>
+        </p:nvSpPr>
+        <p:spPr/>
+        <p:txBody>
+          <a:bodyPr/>
+          <a:lstStyle/>
+          <a:p>
+            <a:pPr defTabSz="963412">
+              <a:defRPr/>
+            </a:pPr>
+            <a:endParaRPr lang="fr-CH" dirty="0"/>
+          </a:p>
+        </p:txBody>
+      </p:sp>
+      <p:sp>
+        <p:nvSpPr>
+          <p:cNvPr id="4" name="Espace réservé du numéro de diapositive 3"/>
+          <p:cNvSpPr>
+            <a:spLocks noGrp="1"/>
+          </p:cNvSpPr>
+          <p:nvPr>
+            <p:ph type="sldNum" sz="quarter" idx="10"/>
+          </p:nvPr>
+        </p:nvSpPr>
+        <p:spPr/>
+        <p:txBody>
+          <a:bodyPr/>
+          <a:lstStyle/>
+          <a:p>
+            <a:fld id="{00E4C358-B2C9-4BAA-B825-EE7B48785BE7}" type="slidenum">
+              <a:rPr lang="fr-CH" smtClean="0"/>
+              <a:t>19</a:t>
+            </a:fld>
+            <a:endParaRPr lang="fr-CH"/>
+          </a:p>
+        </p:txBody>
+      </p:sp>
+    </p:spTree>
+    <p:extLst>
+      <p:ext uri="{BB962C8B-B14F-4D97-AF65-F5344CB8AC3E}">
+        <p14:creationId xmlns:p14="http://schemas.microsoft.com/office/powerpoint/2010/main" val="2453055454"/>
       </p:ext>
     </p:extLst>
   </p:cSld>
@@ -1023,59 +1800,7 @@
           <a:bodyPr/>
           <a:lstStyle/>
           <a:p>
-            <a:pPr marL="685800" lvl="1" indent="-228600">
-              <a:buFont typeface="+mj-lt"/>
-              <a:buAutoNum type="arabicPeriod"/>
-            </a:pPr>
-            <a:r>
-              <a:rPr lang="fr-CH" sz="1200" kern="1200" dirty="0">
-                <a:solidFill>
-                  <a:schemeClr val="tx1"/>
-                </a:solidFill>
-                <a:effectLst/>
-                <a:latin typeface="+mn-lt"/>
-                <a:ea typeface="+mn-ea"/>
-                <a:cs typeface="+mn-cs"/>
-              </a:rPr>
-              <a:t>Industrie 4.0</a:t>
-            </a:r>
-          </a:p>
-          <a:p>
-            <a:pPr marL="685800" lvl="1" indent="-228600">
-              <a:buFont typeface="+mj-lt"/>
-              <a:buAutoNum type="arabicPeriod"/>
-            </a:pPr>
-            <a:r>
-              <a:rPr lang="fr-CH" sz="1200" kern="1200" dirty="0">
-                <a:solidFill>
-                  <a:schemeClr val="tx1"/>
-                </a:solidFill>
-                <a:effectLst/>
-                <a:latin typeface="+mn-lt"/>
-                <a:ea typeface="+mn-ea"/>
-                <a:cs typeface="+mn-cs"/>
-              </a:rPr>
-              <a:t>Automatisation à distance</a:t>
-            </a:r>
-          </a:p>
-          <a:p>
-            <a:pPr marL="685800" lvl="1" indent="-228600">
-              <a:buFont typeface="+mj-lt"/>
-              <a:buAutoNum type="arabicPeriod"/>
-            </a:pPr>
-            <a:r>
-              <a:rPr lang="fr-CH" sz="1200" kern="1200" dirty="0">
-                <a:solidFill>
-                  <a:schemeClr val="tx1"/>
-                </a:solidFill>
-                <a:effectLst/>
-                <a:latin typeface="+mn-lt"/>
-                <a:ea typeface="+mn-ea"/>
-                <a:cs typeface="+mn-cs"/>
-              </a:rPr>
-              <a:t>Variété des machines et commandes</a:t>
-            </a:r>
-            <a:endParaRPr lang="fr-CH" dirty="0"/>
+            <a:endParaRPr lang="fr-CH"/>
           </a:p>
         </p:txBody>
       </p:sp>
@@ -1096,7 +1821,7 @@
           <a:p>
             <a:fld id="{00E4C358-B2C9-4BAA-B825-EE7B48785BE7}" type="slidenum">
               <a:rPr lang="fr-CH" smtClean="0"/>
-              <a:t>4</a:t>
+              <a:t>2</a:t>
             </a:fld>
             <a:endParaRPr lang="fr-CH"/>
           </a:p>
@@ -1105,7 +1830,918 @@
     </p:spTree>
     <p:extLst>
       <p:ext uri="{BB962C8B-B14F-4D97-AF65-F5344CB8AC3E}">
-        <p14:creationId xmlns:p14="http://schemas.microsoft.com/office/powerpoint/2010/main" val="1240659471"/>
+        <p14:creationId xmlns:p14="http://schemas.microsoft.com/office/powerpoint/2010/main" val="2963998726"/>
+      </p:ext>
+    </p:extLst>
+  </p:cSld>
+  <p:clrMapOvr>
+    <a:masterClrMapping/>
+  </p:clrMapOvr>
+</p:notes>
+</file>
+
+<file path=ppt/notesSlides/notesSlide20.xml><?xml version="1.0" encoding="utf-8"?>
+<p:notes xmlns:a="http://schemas.openxmlformats.org/drawingml/2006/main" xmlns:r="http://schemas.openxmlformats.org/officeDocument/2006/relationships" xmlns:p="http://schemas.openxmlformats.org/presentationml/2006/main">
+  <p:cSld>
+    <p:spTree>
+      <p:nvGrpSpPr>
+        <p:cNvPr id="1" name=""/>
+        <p:cNvGrpSpPr/>
+        <p:nvPr/>
+      </p:nvGrpSpPr>
+      <p:grpSpPr>
+        <a:xfrm>
+          <a:off x="0" y="0"/>
+          <a:ext cx="0" cy="0"/>
+          <a:chOff x="0" y="0"/>
+          <a:chExt cx="0" cy="0"/>
+        </a:xfrm>
+      </p:grpSpPr>
+      <p:sp>
+        <p:nvSpPr>
+          <p:cNvPr id="2" name="Espace réservé de l'image des diapositives 1"/>
+          <p:cNvSpPr>
+            <a:spLocks noGrp="1" noRot="1" noChangeAspect="1"/>
+          </p:cNvSpPr>
+          <p:nvPr>
+            <p:ph type="sldImg"/>
+          </p:nvPr>
+        </p:nvSpPr>
+        <p:spPr/>
+      </p:sp>
+      <p:sp>
+        <p:nvSpPr>
+          <p:cNvPr id="3" name="Espace réservé des notes 2"/>
+          <p:cNvSpPr>
+            <a:spLocks noGrp="1"/>
+          </p:cNvSpPr>
+          <p:nvPr>
+            <p:ph type="body" idx="1"/>
+          </p:nvPr>
+        </p:nvSpPr>
+        <p:spPr/>
+        <p:txBody>
+          <a:bodyPr/>
+          <a:lstStyle/>
+          <a:p>
+            <a:endParaRPr lang="fr-CH"/>
+          </a:p>
+        </p:txBody>
+      </p:sp>
+      <p:sp>
+        <p:nvSpPr>
+          <p:cNvPr id="4" name="Espace réservé du numéro de diapositive 3"/>
+          <p:cNvSpPr>
+            <a:spLocks noGrp="1"/>
+          </p:cNvSpPr>
+          <p:nvPr>
+            <p:ph type="sldNum" sz="quarter" idx="10"/>
+          </p:nvPr>
+        </p:nvSpPr>
+        <p:spPr/>
+        <p:txBody>
+          <a:bodyPr/>
+          <a:lstStyle/>
+          <a:p>
+            <a:fld id="{00E4C358-B2C9-4BAA-B825-EE7B48785BE7}" type="slidenum">
+              <a:rPr lang="fr-CH" smtClean="0"/>
+              <a:t>20</a:t>
+            </a:fld>
+            <a:endParaRPr lang="fr-CH"/>
+          </a:p>
+        </p:txBody>
+      </p:sp>
+    </p:spTree>
+    <p:extLst>
+      <p:ext uri="{BB962C8B-B14F-4D97-AF65-F5344CB8AC3E}">
+        <p14:creationId xmlns:p14="http://schemas.microsoft.com/office/powerpoint/2010/main" val="4175095646"/>
+      </p:ext>
+    </p:extLst>
+  </p:cSld>
+  <p:clrMapOvr>
+    <a:masterClrMapping/>
+  </p:clrMapOvr>
+</p:notes>
+</file>
+
+<file path=ppt/notesSlides/notesSlide21.xml><?xml version="1.0" encoding="utf-8"?>
+<p:notes xmlns:a="http://schemas.openxmlformats.org/drawingml/2006/main" xmlns:r="http://schemas.openxmlformats.org/officeDocument/2006/relationships" xmlns:p="http://schemas.openxmlformats.org/presentationml/2006/main">
+  <p:cSld>
+    <p:spTree>
+      <p:nvGrpSpPr>
+        <p:cNvPr id="1" name=""/>
+        <p:cNvGrpSpPr/>
+        <p:nvPr/>
+      </p:nvGrpSpPr>
+      <p:grpSpPr>
+        <a:xfrm>
+          <a:off x="0" y="0"/>
+          <a:ext cx="0" cy="0"/>
+          <a:chOff x="0" y="0"/>
+          <a:chExt cx="0" cy="0"/>
+        </a:xfrm>
+      </p:grpSpPr>
+      <p:sp>
+        <p:nvSpPr>
+          <p:cNvPr id="2" name="Espace réservé de l'image des diapositives 1"/>
+          <p:cNvSpPr>
+            <a:spLocks noGrp="1" noRot="1" noChangeAspect="1"/>
+          </p:cNvSpPr>
+          <p:nvPr>
+            <p:ph type="sldImg"/>
+          </p:nvPr>
+        </p:nvSpPr>
+        <p:spPr/>
+      </p:sp>
+      <p:sp>
+        <p:nvSpPr>
+          <p:cNvPr id="3" name="Espace réservé des notes 2"/>
+          <p:cNvSpPr>
+            <a:spLocks noGrp="1"/>
+          </p:cNvSpPr>
+          <p:nvPr>
+            <p:ph type="body" idx="1"/>
+          </p:nvPr>
+        </p:nvSpPr>
+        <p:spPr/>
+        <p:txBody>
+          <a:bodyPr/>
+          <a:lstStyle/>
+          <a:p>
+            <a:pPr defTabSz="963412">
+              <a:defRPr/>
+            </a:pPr>
+            <a:endParaRPr lang="fr-CH" sz="1300" dirty="0"/>
+          </a:p>
+        </p:txBody>
+      </p:sp>
+      <p:sp>
+        <p:nvSpPr>
+          <p:cNvPr id="4" name="Espace réservé du numéro de diapositive 3"/>
+          <p:cNvSpPr>
+            <a:spLocks noGrp="1"/>
+          </p:cNvSpPr>
+          <p:nvPr>
+            <p:ph type="sldNum" sz="quarter" idx="10"/>
+          </p:nvPr>
+        </p:nvSpPr>
+        <p:spPr/>
+        <p:txBody>
+          <a:bodyPr/>
+          <a:lstStyle/>
+          <a:p>
+            <a:fld id="{00E4C358-B2C9-4BAA-B825-EE7B48785BE7}" type="slidenum">
+              <a:rPr lang="fr-CH" smtClean="0"/>
+              <a:t>21</a:t>
+            </a:fld>
+            <a:endParaRPr lang="fr-CH"/>
+          </a:p>
+        </p:txBody>
+      </p:sp>
+    </p:spTree>
+    <p:extLst>
+      <p:ext uri="{BB962C8B-B14F-4D97-AF65-F5344CB8AC3E}">
+        <p14:creationId xmlns:p14="http://schemas.microsoft.com/office/powerpoint/2010/main" val="1396611871"/>
+      </p:ext>
+    </p:extLst>
+  </p:cSld>
+  <p:clrMapOvr>
+    <a:masterClrMapping/>
+  </p:clrMapOvr>
+</p:notes>
+</file>
+
+<file path=ppt/notesSlides/notesSlide22.xml><?xml version="1.0" encoding="utf-8"?>
+<p:notes xmlns:a="http://schemas.openxmlformats.org/drawingml/2006/main" xmlns:r="http://schemas.openxmlformats.org/officeDocument/2006/relationships" xmlns:p="http://schemas.openxmlformats.org/presentationml/2006/main">
+  <p:cSld>
+    <p:spTree>
+      <p:nvGrpSpPr>
+        <p:cNvPr id="1" name=""/>
+        <p:cNvGrpSpPr/>
+        <p:nvPr/>
+      </p:nvGrpSpPr>
+      <p:grpSpPr>
+        <a:xfrm>
+          <a:off x="0" y="0"/>
+          <a:ext cx="0" cy="0"/>
+          <a:chOff x="0" y="0"/>
+          <a:chExt cx="0" cy="0"/>
+        </a:xfrm>
+      </p:grpSpPr>
+      <p:sp>
+        <p:nvSpPr>
+          <p:cNvPr id="2" name="Espace réservé de l'image des diapositives 1"/>
+          <p:cNvSpPr>
+            <a:spLocks noGrp="1" noRot="1" noChangeAspect="1"/>
+          </p:cNvSpPr>
+          <p:nvPr>
+            <p:ph type="sldImg"/>
+          </p:nvPr>
+        </p:nvSpPr>
+        <p:spPr/>
+      </p:sp>
+      <p:sp>
+        <p:nvSpPr>
+          <p:cNvPr id="3" name="Espace réservé des notes 2"/>
+          <p:cNvSpPr>
+            <a:spLocks noGrp="1"/>
+          </p:cNvSpPr>
+          <p:nvPr>
+            <p:ph type="body" idx="1"/>
+          </p:nvPr>
+        </p:nvSpPr>
+        <p:spPr/>
+        <p:txBody>
+          <a:bodyPr/>
+          <a:lstStyle/>
+          <a:p>
+            <a:endParaRPr lang="fr-CH"/>
+          </a:p>
+        </p:txBody>
+      </p:sp>
+      <p:sp>
+        <p:nvSpPr>
+          <p:cNvPr id="4" name="Espace réservé du numéro de diapositive 3"/>
+          <p:cNvSpPr>
+            <a:spLocks noGrp="1"/>
+          </p:cNvSpPr>
+          <p:nvPr>
+            <p:ph type="sldNum" sz="quarter" idx="10"/>
+          </p:nvPr>
+        </p:nvSpPr>
+        <p:spPr/>
+        <p:txBody>
+          <a:bodyPr/>
+          <a:lstStyle/>
+          <a:p>
+            <a:fld id="{00E4C358-B2C9-4BAA-B825-EE7B48785BE7}" type="slidenum">
+              <a:rPr lang="fr-CH" smtClean="0"/>
+              <a:t>22</a:t>
+            </a:fld>
+            <a:endParaRPr lang="fr-CH"/>
+          </a:p>
+        </p:txBody>
+      </p:sp>
+    </p:spTree>
+    <p:extLst>
+      <p:ext uri="{BB962C8B-B14F-4D97-AF65-F5344CB8AC3E}">
+        <p14:creationId xmlns:p14="http://schemas.microsoft.com/office/powerpoint/2010/main" val="124329951"/>
+      </p:ext>
+    </p:extLst>
+  </p:cSld>
+  <p:clrMapOvr>
+    <a:masterClrMapping/>
+  </p:clrMapOvr>
+</p:notes>
+</file>
+
+<file path=ppt/notesSlides/notesSlide23.xml><?xml version="1.0" encoding="utf-8"?>
+<p:notes xmlns:a="http://schemas.openxmlformats.org/drawingml/2006/main" xmlns:r="http://schemas.openxmlformats.org/officeDocument/2006/relationships" xmlns:p="http://schemas.openxmlformats.org/presentationml/2006/main">
+  <p:cSld>
+    <p:spTree>
+      <p:nvGrpSpPr>
+        <p:cNvPr id="1" name=""/>
+        <p:cNvGrpSpPr/>
+        <p:nvPr/>
+      </p:nvGrpSpPr>
+      <p:grpSpPr>
+        <a:xfrm>
+          <a:off x="0" y="0"/>
+          <a:ext cx="0" cy="0"/>
+          <a:chOff x="0" y="0"/>
+          <a:chExt cx="0" cy="0"/>
+        </a:xfrm>
+      </p:grpSpPr>
+      <p:sp>
+        <p:nvSpPr>
+          <p:cNvPr id="2" name="Espace réservé de l'image des diapositives 1"/>
+          <p:cNvSpPr>
+            <a:spLocks noGrp="1" noRot="1" noChangeAspect="1"/>
+          </p:cNvSpPr>
+          <p:nvPr>
+            <p:ph type="sldImg"/>
+          </p:nvPr>
+        </p:nvSpPr>
+        <p:spPr/>
+      </p:sp>
+      <p:sp>
+        <p:nvSpPr>
+          <p:cNvPr id="3" name="Espace réservé des notes 2"/>
+          <p:cNvSpPr>
+            <a:spLocks noGrp="1"/>
+          </p:cNvSpPr>
+          <p:nvPr>
+            <p:ph type="body" idx="1"/>
+          </p:nvPr>
+        </p:nvSpPr>
+        <p:spPr/>
+        <p:txBody>
+          <a:bodyPr/>
+          <a:lstStyle/>
+          <a:p>
+            <a:r>
+              <a:rPr lang="fr-CH" sz="1300" dirty="0"/>
+              <a:t>Il est doté d’un bras </a:t>
+            </a:r>
+            <a:r>
+              <a:rPr lang="fr-CH" sz="1300" b="1" dirty="0"/>
+              <a:t>articulé</a:t>
+            </a:r>
+            <a:r>
+              <a:rPr lang="fr-CH" sz="1300" dirty="0"/>
+              <a:t> capable de se déplacer horizontalement et de saisir un objet à l’aide d’une pince deux doigts.</a:t>
+            </a:r>
+          </a:p>
+          <a:p>
+            <a:r>
+              <a:rPr lang="fr-CH" sz="1300" dirty="0"/>
+              <a:t>La position du bras correspond à la position de sa pince.</a:t>
+            </a:r>
+          </a:p>
+          <a:p>
+            <a:r>
+              <a:rPr lang="fr-CH" sz="1300" dirty="0"/>
+              <a:t>Ses déplacements sont </a:t>
+            </a:r>
+            <a:r>
+              <a:rPr lang="fr-CH" sz="1300" b="1" dirty="0"/>
+              <a:t>confinés</a:t>
+            </a:r>
+            <a:r>
+              <a:rPr lang="fr-CH" sz="1300" dirty="0"/>
+              <a:t> à l’intérieur d’une zone carrée de 20cm de côté.</a:t>
+            </a:r>
+          </a:p>
+          <a:p>
+            <a:r>
+              <a:rPr lang="fr-CH" sz="1300" dirty="0"/>
+              <a:t>La pince est pourvue d’un capteur de </a:t>
+            </a:r>
+            <a:r>
+              <a:rPr lang="fr-CH" sz="1300" b="1" dirty="0"/>
+              <a:t>pression</a:t>
+            </a:r>
+            <a:r>
+              <a:rPr lang="fr-CH" sz="1300" dirty="0"/>
+              <a:t>.</a:t>
+            </a:r>
+          </a:p>
+          <a:p>
+            <a:r>
+              <a:rPr lang="fr-CH" sz="1300" dirty="0"/>
+              <a:t>Le but de ce robot est de saisir un </a:t>
+            </a:r>
+            <a:r>
+              <a:rPr lang="fr-CH" sz="1300" b="1" dirty="0"/>
+              <a:t>objet</a:t>
+            </a:r>
+            <a:r>
+              <a:rPr lang="fr-CH" sz="1300" dirty="0"/>
+              <a:t> et de le déposer dans un </a:t>
+            </a:r>
+            <a:r>
+              <a:rPr lang="fr-CH" sz="1300" b="1" dirty="0"/>
+              <a:t>conteneur</a:t>
+            </a:r>
+            <a:r>
+              <a:rPr lang="fr-CH" sz="1300" dirty="0"/>
+              <a:t>. </a:t>
+            </a:r>
+            <a:endParaRPr lang="fr-CH" dirty="0"/>
+          </a:p>
+        </p:txBody>
+      </p:sp>
+      <p:sp>
+        <p:nvSpPr>
+          <p:cNvPr id="4" name="Espace réservé du numéro de diapositive 3"/>
+          <p:cNvSpPr>
+            <a:spLocks noGrp="1"/>
+          </p:cNvSpPr>
+          <p:nvPr>
+            <p:ph type="sldNum" sz="quarter" idx="10"/>
+          </p:nvPr>
+        </p:nvSpPr>
+        <p:spPr/>
+        <p:txBody>
+          <a:bodyPr/>
+          <a:lstStyle/>
+          <a:p>
+            <a:fld id="{00E4C358-B2C9-4BAA-B825-EE7B48785BE7}" type="slidenum">
+              <a:rPr lang="fr-CH" smtClean="0"/>
+              <a:t>23</a:t>
+            </a:fld>
+            <a:endParaRPr lang="fr-CH"/>
+          </a:p>
+        </p:txBody>
+      </p:sp>
+    </p:spTree>
+    <p:extLst>
+      <p:ext uri="{BB962C8B-B14F-4D97-AF65-F5344CB8AC3E}">
+        <p14:creationId xmlns:p14="http://schemas.microsoft.com/office/powerpoint/2010/main" val="1453170772"/>
+      </p:ext>
+    </p:extLst>
+  </p:cSld>
+  <p:clrMapOvr>
+    <a:masterClrMapping/>
+  </p:clrMapOvr>
+</p:notes>
+</file>
+
+<file path=ppt/notesSlides/notesSlide24.xml><?xml version="1.0" encoding="utf-8"?>
+<p:notes xmlns:a="http://schemas.openxmlformats.org/drawingml/2006/main" xmlns:r="http://schemas.openxmlformats.org/officeDocument/2006/relationships" xmlns:p="http://schemas.openxmlformats.org/presentationml/2006/main">
+  <p:cSld>
+    <p:spTree>
+      <p:nvGrpSpPr>
+        <p:cNvPr id="1" name=""/>
+        <p:cNvGrpSpPr/>
+        <p:nvPr/>
+      </p:nvGrpSpPr>
+      <p:grpSpPr>
+        <a:xfrm>
+          <a:off x="0" y="0"/>
+          <a:ext cx="0" cy="0"/>
+          <a:chOff x="0" y="0"/>
+          <a:chExt cx="0" cy="0"/>
+        </a:xfrm>
+      </p:grpSpPr>
+      <p:sp>
+        <p:nvSpPr>
+          <p:cNvPr id="2" name="Espace réservé de l'image des diapositives 1"/>
+          <p:cNvSpPr>
+            <a:spLocks noGrp="1" noRot="1" noChangeAspect="1"/>
+          </p:cNvSpPr>
+          <p:nvPr>
+            <p:ph type="sldImg"/>
+          </p:nvPr>
+        </p:nvSpPr>
+        <p:spPr/>
+      </p:sp>
+      <p:sp>
+        <p:nvSpPr>
+          <p:cNvPr id="3" name="Espace réservé des notes 2"/>
+          <p:cNvSpPr>
+            <a:spLocks noGrp="1"/>
+          </p:cNvSpPr>
+          <p:nvPr>
+            <p:ph type="body" idx="1"/>
+          </p:nvPr>
+        </p:nvSpPr>
+        <p:spPr/>
+        <p:txBody>
+          <a:bodyPr/>
+          <a:lstStyle/>
+          <a:p>
+            <a:endParaRPr lang="fr-CH"/>
+          </a:p>
+        </p:txBody>
+      </p:sp>
+      <p:sp>
+        <p:nvSpPr>
+          <p:cNvPr id="4" name="Espace réservé du numéro de diapositive 3"/>
+          <p:cNvSpPr>
+            <a:spLocks noGrp="1"/>
+          </p:cNvSpPr>
+          <p:nvPr>
+            <p:ph type="sldNum" sz="quarter" idx="10"/>
+          </p:nvPr>
+        </p:nvSpPr>
+        <p:spPr/>
+        <p:txBody>
+          <a:bodyPr/>
+          <a:lstStyle/>
+          <a:p>
+            <a:fld id="{00E4C358-B2C9-4BAA-B825-EE7B48785BE7}" type="slidenum">
+              <a:rPr lang="fr-CH" smtClean="0"/>
+              <a:t>24</a:t>
+            </a:fld>
+            <a:endParaRPr lang="fr-CH"/>
+          </a:p>
+        </p:txBody>
+      </p:sp>
+    </p:spTree>
+    <p:extLst>
+      <p:ext uri="{BB962C8B-B14F-4D97-AF65-F5344CB8AC3E}">
+        <p14:creationId xmlns:p14="http://schemas.microsoft.com/office/powerpoint/2010/main" val="4020270375"/>
+      </p:ext>
+    </p:extLst>
+  </p:cSld>
+  <p:clrMapOvr>
+    <a:masterClrMapping/>
+  </p:clrMapOvr>
+</p:notes>
+</file>
+
+<file path=ppt/notesSlides/notesSlide25.xml><?xml version="1.0" encoding="utf-8"?>
+<p:notes xmlns:a="http://schemas.openxmlformats.org/drawingml/2006/main" xmlns:r="http://schemas.openxmlformats.org/officeDocument/2006/relationships" xmlns:p="http://schemas.openxmlformats.org/presentationml/2006/main">
+  <p:cSld>
+    <p:spTree>
+      <p:nvGrpSpPr>
+        <p:cNvPr id="1" name=""/>
+        <p:cNvGrpSpPr/>
+        <p:nvPr/>
+      </p:nvGrpSpPr>
+      <p:grpSpPr>
+        <a:xfrm>
+          <a:off x="0" y="0"/>
+          <a:ext cx="0" cy="0"/>
+          <a:chOff x="0" y="0"/>
+          <a:chExt cx="0" cy="0"/>
+        </a:xfrm>
+      </p:grpSpPr>
+      <p:sp>
+        <p:nvSpPr>
+          <p:cNvPr id="2" name="Espace réservé de l'image des diapositives 1"/>
+          <p:cNvSpPr>
+            <a:spLocks noGrp="1" noRot="1" noChangeAspect="1"/>
+          </p:cNvSpPr>
+          <p:nvPr>
+            <p:ph type="sldImg"/>
+          </p:nvPr>
+        </p:nvSpPr>
+        <p:spPr/>
+      </p:sp>
+      <p:sp>
+        <p:nvSpPr>
+          <p:cNvPr id="3" name="Espace réservé des notes 2"/>
+          <p:cNvSpPr>
+            <a:spLocks noGrp="1"/>
+          </p:cNvSpPr>
+          <p:nvPr>
+            <p:ph type="body" idx="1"/>
+          </p:nvPr>
+        </p:nvSpPr>
+        <p:spPr/>
+        <p:txBody>
+          <a:bodyPr/>
+          <a:lstStyle/>
+          <a:p>
+            <a:endParaRPr lang="fr-CH" dirty="0"/>
+          </a:p>
+        </p:txBody>
+      </p:sp>
+      <p:sp>
+        <p:nvSpPr>
+          <p:cNvPr id="4" name="Espace réservé du numéro de diapositive 3"/>
+          <p:cNvSpPr>
+            <a:spLocks noGrp="1"/>
+          </p:cNvSpPr>
+          <p:nvPr>
+            <p:ph type="sldNum" sz="quarter" idx="10"/>
+          </p:nvPr>
+        </p:nvSpPr>
+        <p:spPr/>
+        <p:txBody>
+          <a:bodyPr/>
+          <a:lstStyle/>
+          <a:p>
+            <a:fld id="{00E4C358-B2C9-4BAA-B825-EE7B48785BE7}" type="slidenum">
+              <a:rPr lang="fr-CH" smtClean="0"/>
+              <a:t>25</a:t>
+            </a:fld>
+            <a:endParaRPr lang="fr-CH"/>
+          </a:p>
+        </p:txBody>
+      </p:sp>
+    </p:spTree>
+    <p:extLst>
+      <p:ext uri="{BB962C8B-B14F-4D97-AF65-F5344CB8AC3E}">
+        <p14:creationId xmlns:p14="http://schemas.microsoft.com/office/powerpoint/2010/main" val="3834162128"/>
+      </p:ext>
+    </p:extLst>
+  </p:cSld>
+  <p:clrMapOvr>
+    <a:masterClrMapping/>
+  </p:clrMapOvr>
+</p:notes>
+</file>
+
+<file path=ppt/notesSlides/notesSlide26.xml><?xml version="1.0" encoding="utf-8"?>
+<p:notes xmlns:a="http://schemas.openxmlformats.org/drawingml/2006/main" xmlns:r="http://schemas.openxmlformats.org/officeDocument/2006/relationships" xmlns:p="http://schemas.openxmlformats.org/presentationml/2006/main">
+  <p:cSld>
+    <p:spTree>
+      <p:nvGrpSpPr>
+        <p:cNvPr id="1" name=""/>
+        <p:cNvGrpSpPr/>
+        <p:nvPr/>
+      </p:nvGrpSpPr>
+      <p:grpSpPr>
+        <a:xfrm>
+          <a:off x="0" y="0"/>
+          <a:ext cx="0" cy="0"/>
+          <a:chOff x="0" y="0"/>
+          <a:chExt cx="0" cy="0"/>
+        </a:xfrm>
+      </p:grpSpPr>
+      <p:sp>
+        <p:nvSpPr>
+          <p:cNvPr id="2" name="Espace réservé de l'image des diapositives 1"/>
+          <p:cNvSpPr>
+            <a:spLocks noGrp="1" noRot="1" noChangeAspect="1"/>
+          </p:cNvSpPr>
+          <p:nvPr>
+            <p:ph type="sldImg"/>
+          </p:nvPr>
+        </p:nvSpPr>
+        <p:spPr/>
+      </p:sp>
+      <p:sp>
+        <p:nvSpPr>
+          <p:cNvPr id="3" name="Espace réservé des notes 2"/>
+          <p:cNvSpPr>
+            <a:spLocks noGrp="1"/>
+          </p:cNvSpPr>
+          <p:nvPr>
+            <p:ph type="body" idx="1"/>
+          </p:nvPr>
+        </p:nvSpPr>
+        <p:spPr/>
+        <p:txBody>
+          <a:bodyPr/>
+          <a:lstStyle/>
+          <a:p>
+            <a:endParaRPr lang="fr-CH"/>
+          </a:p>
+        </p:txBody>
+      </p:sp>
+      <p:sp>
+        <p:nvSpPr>
+          <p:cNvPr id="4" name="Espace réservé du numéro de diapositive 3"/>
+          <p:cNvSpPr>
+            <a:spLocks noGrp="1"/>
+          </p:cNvSpPr>
+          <p:nvPr>
+            <p:ph type="sldNum" sz="quarter" idx="10"/>
+          </p:nvPr>
+        </p:nvSpPr>
+        <p:spPr/>
+        <p:txBody>
+          <a:bodyPr/>
+          <a:lstStyle/>
+          <a:p>
+            <a:fld id="{00E4C358-B2C9-4BAA-B825-EE7B48785BE7}" type="slidenum">
+              <a:rPr lang="fr-CH" smtClean="0"/>
+              <a:t>26</a:t>
+            </a:fld>
+            <a:endParaRPr lang="fr-CH"/>
+          </a:p>
+        </p:txBody>
+      </p:sp>
+    </p:spTree>
+    <p:extLst>
+      <p:ext uri="{BB962C8B-B14F-4D97-AF65-F5344CB8AC3E}">
+        <p14:creationId xmlns:p14="http://schemas.microsoft.com/office/powerpoint/2010/main" val="1274510950"/>
+      </p:ext>
+    </p:extLst>
+  </p:cSld>
+  <p:clrMapOvr>
+    <a:masterClrMapping/>
+  </p:clrMapOvr>
+</p:notes>
+</file>
+
+<file path=ppt/notesSlides/notesSlide27.xml><?xml version="1.0" encoding="utf-8"?>
+<p:notes xmlns:a="http://schemas.openxmlformats.org/drawingml/2006/main" xmlns:r="http://schemas.openxmlformats.org/officeDocument/2006/relationships" xmlns:p="http://schemas.openxmlformats.org/presentationml/2006/main">
+  <p:cSld>
+    <p:spTree>
+      <p:nvGrpSpPr>
+        <p:cNvPr id="1" name=""/>
+        <p:cNvGrpSpPr/>
+        <p:nvPr/>
+      </p:nvGrpSpPr>
+      <p:grpSpPr>
+        <a:xfrm>
+          <a:off x="0" y="0"/>
+          <a:ext cx="0" cy="0"/>
+          <a:chOff x="0" y="0"/>
+          <a:chExt cx="0" cy="0"/>
+        </a:xfrm>
+      </p:grpSpPr>
+      <p:sp>
+        <p:nvSpPr>
+          <p:cNvPr id="2" name="Espace réservé de l'image des diapositives 1"/>
+          <p:cNvSpPr>
+            <a:spLocks noGrp="1" noRot="1" noChangeAspect="1"/>
+          </p:cNvSpPr>
+          <p:nvPr>
+            <p:ph type="sldImg"/>
+          </p:nvPr>
+        </p:nvSpPr>
+        <p:spPr/>
+      </p:sp>
+      <p:sp>
+        <p:nvSpPr>
+          <p:cNvPr id="3" name="Espace réservé des notes 2"/>
+          <p:cNvSpPr>
+            <a:spLocks noGrp="1"/>
+          </p:cNvSpPr>
+          <p:nvPr>
+            <p:ph type="body" idx="1"/>
+          </p:nvPr>
+        </p:nvSpPr>
+        <p:spPr/>
+        <p:txBody>
+          <a:bodyPr/>
+          <a:lstStyle/>
+          <a:p>
+            <a:endParaRPr lang="fr-CH"/>
+          </a:p>
+        </p:txBody>
+      </p:sp>
+      <p:sp>
+        <p:nvSpPr>
+          <p:cNvPr id="4" name="Espace réservé du numéro de diapositive 3"/>
+          <p:cNvSpPr>
+            <a:spLocks noGrp="1"/>
+          </p:cNvSpPr>
+          <p:nvPr>
+            <p:ph type="sldNum" sz="quarter" idx="10"/>
+          </p:nvPr>
+        </p:nvSpPr>
+        <p:spPr/>
+        <p:txBody>
+          <a:bodyPr/>
+          <a:lstStyle/>
+          <a:p>
+            <a:fld id="{00E4C358-B2C9-4BAA-B825-EE7B48785BE7}" type="slidenum">
+              <a:rPr lang="fr-CH" smtClean="0"/>
+              <a:t>27</a:t>
+            </a:fld>
+            <a:endParaRPr lang="fr-CH"/>
+          </a:p>
+        </p:txBody>
+      </p:sp>
+    </p:spTree>
+    <p:extLst>
+      <p:ext uri="{BB962C8B-B14F-4D97-AF65-F5344CB8AC3E}">
+        <p14:creationId xmlns:p14="http://schemas.microsoft.com/office/powerpoint/2010/main" val="2478224727"/>
+      </p:ext>
+    </p:extLst>
+  </p:cSld>
+  <p:clrMapOvr>
+    <a:masterClrMapping/>
+  </p:clrMapOvr>
+</p:notes>
+</file>
+
+<file path=ppt/notesSlides/notesSlide28.xml><?xml version="1.0" encoding="utf-8"?>
+<p:notes xmlns:a="http://schemas.openxmlformats.org/drawingml/2006/main" xmlns:r="http://schemas.openxmlformats.org/officeDocument/2006/relationships" xmlns:p="http://schemas.openxmlformats.org/presentationml/2006/main">
+  <p:cSld>
+    <p:spTree>
+      <p:nvGrpSpPr>
+        <p:cNvPr id="1" name=""/>
+        <p:cNvGrpSpPr/>
+        <p:nvPr/>
+      </p:nvGrpSpPr>
+      <p:grpSpPr>
+        <a:xfrm>
+          <a:off x="0" y="0"/>
+          <a:ext cx="0" cy="0"/>
+          <a:chOff x="0" y="0"/>
+          <a:chExt cx="0" cy="0"/>
+        </a:xfrm>
+      </p:grpSpPr>
+      <p:sp>
+        <p:nvSpPr>
+          <p:cNvPr id="2" name="Espace réservé de l'image des diapositives 1"/>
+          <p:cNvSpPr>
+            <a:spLocks noGrp="1" noRot="1" noChangeAspect="1"/>
+          </p:cNvSpPr>
+          <p:nvPr>
+            <p:ph type="sldImg"/>
+          </p:nvPr>
+        </p:nvSpPr>
+        <p:spPr/>
+      </p:sp>
+      <p:sp>
+        <p:nvSpPr>
+          <p:cNvPr id="3" name="Espace réservé des notes 2"/>
+          <p:cNvSpPr>
+            <a:spLocks noGrp="1"/>
+          </p:cNvSpPr>
+          <p:nvPr>
+            <p:ph type="body" idx="1"/>
+          </p:nvPr>
+        </p:nvSpPr>
+        <p:spPr/>
+        <p:txBody>
+          <a:bodyPr/>
+          <a:lstStyle/>
+          <a:p>
+            <a:endParaRPr lang="fr-CH" dirty="0"/>
+          </a:p>
+        </p:txBody>
+      </p:sp>
+      <p:sp>
+        <p:nvSpPr>
+          <p:cNvPr id="4" name="Espace réservé du numéro de diapositive 3"/>
+          <p:cNvSpPr>
+            <a:spLocks noGrp="1"/>
+          </p:cNvSpPr>
+          <p:nvPr>
+            <p:ph type="sldNum" sz="quarter" idx="10"/>
+          </p:nvPr>
+        </p:nvSpPr>
+        <p:spPr/>
+        <p:txBody>
+          <a:bodyPr/>
+          <a:lstStyle/>
+          <a:p>
+            <a:fld id="{00E4C358-B2C9-4BAA-B825-EE7B48785BE7}" type="slidenum">
+              <a:rPr lang="fr-CH" smtClean="0"/>
+              <a:t>28</a:t>
+            </a:fld>
+            <a:endParaRPr lang="fr-CH"/>
+          </a:p>
+        </p:txBody>
+      </p:sp>
+    </p:spTree>
+    <p:extLst>
+      <p:ext uri="{BB962C8B-B14F-4D97-AF65-F5344CB8AC3E}">
+        <p14:creationId xmlns:p14="http://schemas.microsoft.com/office/powerpoint/2010/main" val="1006166898"/>
+      </p:ext>
+    </p:extLst>
+  </p:cSld>
+  <p:clrMapOvr>
+    <a:masterClrMapping/>
+  </p:clrMapOvr>
+</p:notes>
+</file>
+
+<file path=ppt/notesSlides/notesSlide29.xml><?xml version="1.0" encoding="utf-8"?>
+<p:notes xmlns:a="http://schemas.openxmlformats.org/drawingml/2006/main" xmlns:r="http://schemas.openxmlformats.org/officeDocument/2006/relationships" xmlns:p="http://schemas.openxmlformats.org/presentationml/2006/main">
+  <p:cSld>
+    <p:spTree>
+      <p:nvGrpSpPr>
+        <p:cNvPr id="1" name=""/>
+        <p:cNvGrpSpPr/>
+        <p:nvPr/>
+      </p:nvGrpSpPr>
+      <p:grpSpPr>
+        <a:xfrm>
+          <a:off x="0" y="0"/>
+          <a:ext cx="0" cy="0"/>
+          <a:chOff x="0" y="0"/>
+          <a:chExt cx="0" cy="0"/>
+        </a:xfrm>
+      </p:grpSpPr>
+      <p:sp>
+        <p:nvSpPr>
+          <p:cNvPr id="2" name="Espace réservé de l'image des diapositives 1"/>
+          <p:cNvSpPr>
+            <a:spLocks noGrp="1" noRot="1" noChangeAspect="1"/>
+          </p:cNvSpPr>
+          <p:nvPr>
+            <p:ph type="sldImg"/>
+          </p:nvPr>
+        </p:nvSpPr>
+        <p:spPr/>
+      </p:sp>
+      <p:sp>
+        <p:nvSpPr>
+          <p:cNvPr id="3" name="Espace réservé des notes 2"/>
+          <p:cNvSpPr>
+            <a:spLocks noGrp="1"/>
+          </p:cNvSpPr>
+          <p:nvPr>
+            <p:ph type="body" idx="1"/>
+          </p:nvPr>
+        </p:nvSpPr>
+        <p:spPr/>
+        <p:txBody>
+          <a:bodyPr/>
+          <a:lstStyle/>
+          <a:p>
+            <a:endParaRPr lang="fr-CH"/>
+          </a:p>
+        </p:txBody>
+      </p:sp>
+      <p:sp>
+        <p:nvSpPr>
+          <p:cNvPr id="4" name="Espace réservé du numéro de diapositive 3"/>
+          <p:cNvSpPr>
+            <a:spLocks noGrp="1"/>
+          </p:cNvSpPr>
+          <p:nvPr>
+            <p:ph type="sldNum" sz="quarter" idx="10"/>
+          </p:nvPr>
+        </p:nvSpPr>
+        <p:spPr/>
+        <p:txBody>
+          <a:bodyPr/>
+          <a:lstStyle/>
+          <a:p>
+            <a:fld id="{00E4C358-B2C9-4BAA-B825-EE7B48785BE7}" type="slidenum">
+              <a:rPr lang="fr-CH" smtClean="0"/>
+              <a:t>29</a:t>
+            </a:fld>
+            <a:endParaRPr lang="fr-CH"/>
+          </a:p>
+        </p:txBody>
+      </p:sp>
+    </p:spTree>
+    <p:extLst>
+      <p:ext uri="{BB962C8B-B14F-4D97-AF65-F5344CB8AC3E}">
+        <p14:creationId xmlns:p14="http://schemas.microsoft.com/office/powerpoint/2010/main" val="1139266986"/>
       </p:ext>
     </p:extLst>
   </p:cSld>
@@ -1159,11 +2795,22 @@
           <a:bodyPr/>
           <a:lstStyle/>
           <a:p>
-            <a:pPr marL="685800" lvl="1" indent="-228600">
-              <a:buFont typeface="+mj-lt"/>
-              <a:buAutoNum type="arabicPeriod"/>
-            </a:pPr>
-            <a:endParaRPr lang="fr-CH" dirty="0"/>
+            <a:r>
+              <a:rPr lang="fr-CH" dirty="0"/>
+              <a:t>Contexte</a:t>
+            </a:r>
+          </a:p>
+          <a:p>
+            <a:r>
+              <a:rPr lang="fr-CH" dirty="0"/>
+              <a:t>Cahier des charges</a:t>
+            </a:r>
+          </a:p>
+          <a:p>
+            <a:r>
+              <a:rPr lang="fr-CH" dirty="0"/>
+              <a:t>Gestion du projet</a:t>
+            </a:r>
           </a:p>
         </p:txBody>
       </p:sp>
@@ -1184,7 +2831,7 @@
           <a:p>
             <a:fld id="{00E4C358-B2C9-4BAA-B825-EE7B48785BE7}" type="slidenum">
               <a:rPr lang="fr-CH" smtClean="0"/>
-              <a:t>5</a:t>
+              <a:t>3</a:t>
             </a:fld>
             <a:endParaRPr lang="fr-CH"/>
           </a:p>
@@ -1193,7 +2840,7 @@
     </p:spTree>
     <p:extLst>
       <p:ext uri="{BB962C8B-B14F-4D97-AF65-F5344CB8AC3E}">
-        <p14:creationId xmlns:p14="http://schemas.microsoft.com/office/powerpoint/2010/main" val="566121233"/>
+        <p14:creationId xmlns:p14="http://schemas.microsoft.com/office/powerpoint/2010/main" val="2465121882"/>
       </p:ext>
     </p:extLst>
   </p:cSld>
@@ -1247,64 +2894,35 @@
           <a:bodyPr/>
           <a:lstStyle/>
           <a:p>
-            <a:pPr lvl="1"/>
-            <a:r>
-              <a:rPr lang="fr-CH" sz="1200" kern="1200" dirty="0">
-                <a:solidFill>
-                  <a:schemeClr val="tx1"/>
-                </a:solidFill>
-                <a:effectLst/>
-                <a:latin typeface="+mn-lt"/>
-                <a:ea typeface="+mn-ea"/>
-                <a:cs typeface="+mn-cs"/>
-              </a:rPr>
-              <a:t>Fonctionnement de OPC UA</a:t>
-            </a:r>
-          </a:p>
-          <a:p>
-            <a:pPr lvl="1"/>
-            <a:r>
-              <a:rPr lang="fr-CH" sz="1200" kern="1200" dirty="0">
-                <a:solidFill>
-                  <a:schemeClr val="tx1"/>
-                </a:solidFill>
-                <a:effectLst/>
-                <a:latin typeface="+mn-lt"/>
-                <a:ea typeface="+mn-ea"/>
-                <a:cs typeface="+mn-cs"/>
-              </a:rPr>
-              <a:t>Choix d’une implémentation</a:t>
-            </a:r>
-          </a:p>
-          <a:p>
-            <a:pPr lvl="1"/>
-            <a:r>
-              <a:rPr lang="fr-CH" sz="1200" kern="1200" dirty="0">
-                <a:solidFill>
-                  <a:schemeClr val="tx1"/>
-                </a:solidFill>
-                <a:effectLst/>
-                <a:latin typeface="+mn-lt"/>
-                <a:ea typeface="+mn-ea"/>
-                <a:cs typeface="+mn-cs"/>
-              </a:rPr>
-              <a:t>Utilisation de l’implémentation</a:t>
-            </a:r>
-          </a:p>
-          <a:p>
-            <a:pPr lvl="1"/>
-            <a:r>
-              <a:rPr lang="fr-CH" sz="1200" kern="1200" dirty="0">
-                <a:solidFill>
-                  <a:schemeClr val="tx1"/>
-                </a:solidFill>
-                <a:effectLst/>
-                <a:latin typeface="+mn-lt"/>
-                <a:ea typeface="+mn-ea"/>
-                <a:cs typeface="+mn-cs"/>
-              </a:rPr>
-              <a:t>Interfaçage sur les machines</a:t>
-            </a:r>
+            <a:pPr marL="722559" lvl="1" indent="-240853">
+              <a:buFont typeface="+mj-lt"/>
+              <a:buAutoNum type="arabicPeriod"/>
+            </a:pPr>
+            <a:r>
+              <a:rPr lang="fr-CH" sz="1300" dirty="0"/>
+              <a:t>Industrie 4.0</a:t>
+            </a:r>
+          </a:p>
+          <a:p>
+            <a:pPr marL="722559" lvl="1" indent="-240853">
+              <a:buFont typeface="+mj-lt"/>
+              <a:buAutoNum type="arabicPeriod"/>
+            </a:pPr>
+            <a:r>
+              <a:rPr lang="fr-CH" sz="1300" dirty="0"/>
+              <a:t>Automatisation à distance</a:t>
+            </a:r>
+          </a:p>
+          <a:p>
+            <a:pPr marL="722559" lvl="1" indent="-240853">
+              <a:buFont typeface="+mj-lt"/>
+              <a:buAutoNum type="arabicPeriod"/>
+            </a:pPr>
+            <a:r>
+              <a:rPr lang="fr-CH" sz="1300" dirty="0"/>
+              <a:t>Variété des machines et commandes</a:t>
+            </a:r>
+            <a:endParaRPr lang="fr-CH" dirty="0"/>
           </a:p>
         </p:txBody>
       </p:sp>
@@ -1325,7 +2943,7 @@
           <a:p>
             <a:fld id="{00E4C358-B2C9-4BAA-B825-EE7B48785BE7}" type="slidenum">
               <a:rPr lang="fr-CH" smtClean="0"/>
-              <a:t>6</a:t>
+              <a:t>4</a:t>
             </a:fld>
             <a:endParaRPr lang="fr-CH"/>
           </a:p>
@@ -1334,7 +2952,7 @@
     </p:spTree>
     <p:extLst>
       <p:ext uri="{BB962C8B-B14F-4D97-AF65-F5344CB8AC3E}">
-        <p14:creationId xmlns:p14="http://schemas.microsoft.com/office/powerpoint/2010/main" val="3692672005"/>
+        <p14:creationId xmlns:p14="http://schemas.microsoft.com/office/powerpoint/2010/main" val="1240659471"/>
       </p:ext>
     </p:extLst>
   </p:cSld>
@@ -1388,133 +3006,10 @@
           <a:bodyPr/>
           <a:lstStyle/>
           <a:p>
-            <a:r>
-              <a:rPr lang="fr-CH" dirty="0"/>
-              <a:t>Groupement</a:t>
-            </a:r>
-            <a:r>
-              <a:rPr lang="fr-CH" baseline="0" dirty="0"/>
-              <a:t> de spécifications développé par </a:t>
-            </a:r>
-          </a:p>
-          <a:p>
-            <a:endParaRPr lang="fr-CH" baseline="0" dirty="0"/>
-          </a:p>
-          <a:p>
-            <a:r>
-              <a:rPr lang="fr-CH" baseline="0" dirty="0"/>
-              <a:t>Opc est apparu au </a:t>
-            </a:r>
-            <a:r>
-              <a:rPr lang="fr-CH" baseline="0" dirty="0" err="1"/>
-              <a:t>millieu</a:t>
-            </a:r>
-            <a:r>
-              <a:rPr lang="fr-CH" baseline="0" dirty="0"/>
-              <a:t> de année 90 pour faire le lien entre la machine et le pc. </a:t>
-            </a:r>
-            <a:r>
-              <a:rPr lang="fr-CH" sz="1200" kern="1200" dirty="0">
-                <a:solidFill>
-                  <a:schemeClr val="tx1"/>
-                </a:solidFill>
-                <a:effectLst/>
-                <a:latin typeface="+mn-lt"/>
-                <a:ea typeface="+mn-ea"/>
-                <a:cs typeface="+mn-cs"/>
-              </a:rPr>
-              <a:t>Le but : s’affranchir des contraintes du </a:t>
-            </a:r>
-          </a:p>
-          <a:p>
-            <a:r>
-              <a:rPr lang="fr-CH" sz="1200" kern="1200" dirty="0">
-                <a:solidFill>
-                  <a:schemeClr val="tx1"/>
-                </a:solidFill>
-                <a:effectLst/>
-                <a:latin typeface="+mn-lt"/>
-                <a:ea typeface="+mn-ea"/>
-                <a:cs typeface="+mn-cs"/>
-              </a:rPr>
-              <a:t>développement des drivers en imaginant un concept d’abstraction des protocoles de </a:t>
-            </a:r>
-          </a:p>
-          <a:p>
-            <a:r>
-              <a:rPr lang="fr-CH" sz="1200" kern="1200" dirty="0">
-                <a:solidFill>
-                  <a:schemeClr val="tx1"/>
-                </a:solidFill>
-                <a:effectLst/>
-                <a:latin typeface="+mn-lt"/>
-                <a:ea typeface="+mn-ea"/>
-                <a:cs typeface="+mn-cs"/>
-              </a:rPr>
-              <a:t>communication. </a:t>
-            </a:r>
-          </a:p>
-          <a:p>
-            <a:endParaRPr lang="fr-CH" sz="1200" kern="1200" dirty="0">
-              <a:solidFill>
-                <a:schemeClr val="tx1"/>
-              </a:solidFill>
-              <a:effectLst/>
-              <a:latin typeface="+mn-lt"/>
-              <a:ea typeface="+mn-ea"/>
-              <a:cs typeface="+mn-cs"/>
-            </a:endParaRPr>
-          </a:p>
-          <a:p>
-            <a:r>
-              <a:rPr lang="fr-CH" sz="1200" kern="1200" dirty="0">
-                <a:solidFill>
-                  <a:schemeClr val="tx1"/>
-                </a:solidFill>
-                <a:effectLst/>
-                <a:latin typeface="+mn-lt"/>
-                <a:ea typeface="+mn-ea"/>
-                <a:cs typeface="+mn-cs"/>
-              </a:rPr>
-              <a:t>Opc =</a:t>
-            </a:r>
-            <a:r>
-              <a:rPr lang="fr-CH" sz="1200" kern="1200" baseline="0" dirty="0">
-                <a:solidFill>
-                  <a:schemeClr val="tx1"/>
-                </a:solidFill>
-                <a:effectLst/>
-                <a:latin typeface="+mn-lt"/>
-                <a:ea typeface="+mn-ea"/>
-                <a:cs typeface="+mn-cs"/>
-              </a:rPr>
-              <a:t> </a:t>
-            </a:r>
-            <a:r>
-              <a:rPr lang="en-US" sz="1200" kern="1200" dirty="0">
-                <a:solidFill>
-                  <a:schemeClr val="tx1"/>
-                </a:solidFill>
-                <a:effectLst/>
-                <a:latin typeface="+mn-lt"/>
-                <a:ea typeface="+mn-ea"/>
-                <a:cs typeface="+mn-cs"/>
-              </a:rPr>
-              <a:t>Object Linking and Embedding for Process Control</a:t>
-            </a:r>
-          </a:p>
-          <a:p>
-            <a:endParaRPr lang="fr-CH" sz="1200" kern="1200" dirty="0">
-              <a:solidFill>
-                <a:schemeClr val="tx1"/>
-              </a:solidFill>
-              <a:effectLst/>
-              <a:latin typeface="+mn-lt"/>
-              <a:ea typeface="+mn-ea"/>
-              <a:cs typeface="+mn-cs"/>
-            </a:endParaRPr>
-          </a:p>
-          <a:p>
+            <a:pPr marL="722559" lvl="1" indent="-240853">
+              <a:buFont typeface="+mj-lt"/>
+              <a:buAutoNum type="arabicPeriod"/>
+            </a:pPr>
             <a:endParaRPr lang="fr-CH" dirty="0"/>
           </a:p>
         </p:txBody>
@@ -1536,7 +3031,7 @@
           <a:p>
             <a:fld id="{00E4C358-B2C9-4BAA-B825-EE7B48785BE7}" type="slidenum">
               <a:rPr lang="fr-CH" smtClean="0"/>
-              <a:t>8</a:t>
+              <a:t>5</a:t>
             </a:fld>
             <a:endParaRPr lang="fr-CH"/>
           </a:p>
@@ -1545,7 +3040,7 @@
     </p:spTree>
     <p:extLst>
       <p:ext uri="{BB962C8B-B14F-4D97-AF65-F5344CB8AC3E}">
-        <p14:creationId xmlns:p14="http://schemas.microsoft.com/office/powerpoint/2010/main" val="179585208"/>
+        <p14:creationId xmlns:p14="http://schemas.microsoft.com/office/powerpoint/2010/main" val="566121233"/>
       </p:ext>
     </p:extLst>
   </p:cSld>
@@ -1599,7 +3094,44 @@
           <a:bodyPr/>
           <a:lstStyle/>
           <a:p>
-            <a:endParaRPr lang="fr-CH" dirty="0"/>
+            <a:pPr marL="722559" lvl="1" indent="-240853">
+              <a:buFont typeface="+mj-lt"/>
+              <a:buAutoNum type="arabicPeriod"/>
+            </a:pPr>
+            <a:r>
+              <a:rPr lang="fr-CH" sz="1300" dirty="0"/>
+              <a:t>Fonctionnement de OPC UA</a:t>
+            </a:r>
+          </a:p>
+          <a:p>
+            <a:pPr marL="722559" lvl="1" indent="-240853">
+              <a:buFont typeface="+mj-lt"/>
+              <a:buAutoNum type="arabicPeriod"/>
+            </a:pPr>
+            <a:r>
+              <a:rPr lang="fr-CH" sz="1300" dirty="0"/>
+              <a:t>Choix d’une implémentation</a:t>
+            </a:r>
+          </a:p>
+          <a:p>
+            <a:pPr marL="722559" lvl="1" indent="-240853">
+              <a:buFont typeface="+mj-lt"/>
+              <a:buAutoNum type="arabicPeriod"/>
+            </a:pPr>
+            <a:r>
+              <a:rPr lang="fr-CH" sz="1300" dirty="0"/>
+              <a:t>Utilisation de l’implémentation</a:t>
+            </a:r>
+          </a:p>
+          <a:p>
+            <a:pPr marL="722559" lvl="1" indent="-240853">
+              <a:buFont typeface="+mj-lt"/>
+              <a:buAutoNum type="arabicPeriod"/>
+            </a:pPr>
+            <a:r>
+              <a:rPr lang="fr-CH" sz="1300" dirty="0"/>
+              <a:t>Interfaçage sur les machines</a:t>
+            </a:r>
           </a:p>
         </p:txBody>
       </p:sp>
@@ -1620,7 +3152,7 @@
           <a:p>
             <a:fld id="{00E4C358-B2C9-4BAA-B825-EE7B48785BE7}" type="slidenum">
               <a:rPr lang="fr-CH" smtClean="0"/>
-              <a:t>9</a:t>
+              <a:t>6</a:t>
             </a:fld>
             <a:endParaRPr lang="fr-CH"/>
           </a:p>
@@ -1629,7 +3161,7 @@
     </p:spTree>
     <p:extLst>
       <p:ext uri="{BB962C8B-B14F-4D97-AF65-F5344CB8AC3E}">
-        <p14:creationId xmlns:p14="http://schemas.microsoft.com/office/powerpoint/2010/main" val="3538864033"/>
+        <p14:creationId xmlns:p14="http://schemas.microsoft.com/office/powerpoint/2010/main" val="3692672005"/>
       </p:ext>
     </p:extLst>
   </p:cSld>
@@ -1683,134 +3215,7 @@
           <a:bodyPr/>
           <a:lstStyle/>
           <a:p>
-            <a:r>
-              <a:rPr lang="fr-CH" dirty="0"/>
-              <a:t>Groupement</a:t>
-            </a:r>
-            <a:r>
-              <a:rPr lang="fr-CH" baseline="0" dirty="0"/>
-              <a:t> de spécifications développé par </a:t>
-            </a:r>
-          </a:p>
-          <a:p>
-            <a:endParaRPr lang="fr-CH" baseline="0" dirty="0"/>
-          </a:p>
-          <a:p>
-            <a:r>
-              <a:rPr lang="fr-CH" baseline="0" dirty="0"/>
-              <a:t>Opc est apparu au </a:t>
-            </a:r>
-            <a:r>
-              <a:rPr lang="fr-CH" baseline="0" dirty="0" err="1"/>
-              <a:t>millieu</a:t>
-            </a:r>
-            <a:r>
-              <a:rPr lang="fr-CH" baseline="0" dirty="0"/>
-              <a:t> de année 90 pour faire le lien entre la machine et le pc. </a:t>
-            </a:r>
-            <a:r>
-              <a:rPr lang="fr-CH" sz="1200" kern="1200" dirty="0">
-                <a:solidFill>
-                  <a:schemeClr val="tx1"/>
-                </a:solidFill>
-                <a:effectLst/>
-                <a:latin typeface="+mn-lt"/>
-                <a:ea typeface="+mn-ea"/>
-                <a:cs typeface="+mn-cs"/>
-              </a:rPr>
-              <a:t>Le but : s’affranchir des contraintes du </a:t>
-            </a:r>
-          </a:p>
-          <a:p>
-            <a:r>
-              <a:rPr lang="fr-CH" sz="1200" kern="1200" dirty="0">
-                <a:solidFill>
-                  <a:schemeClr val="tx1"/>
-                </a:solidFill>
-                <a:effectLst/>
-                <a:latin typeface="+mn-lt"/>
-                <a:ea typeface="+mn-ea"/>
-                <a:cs typeface="+mn-cs"/>
-              </a:rPr>
-              <a:t>développement des drivers en imaginant un concept d’abstraction des protocoles de </a:t>
-            </a:r>
-          </a:p>
-          <a:p>
-            <a:r>
-              <a:rPr lang="fr-CH" sz="1200" kern="1200" dirty="0">
-                <a:solidFill>
-                  <a:schemeClr val="tx1"/>
-                </a:solidFill>
-                <a:effectLst/>
-                <a:latin typeface="+mn-lt"/>
-                <a:ea typeface="+mn-ea"/>
-                <a:cs typeface="+mn-cs"/>
-              </a:rPr>
-              <a:t>communication. </a:t>
-            </a:r>
-          </a:p>
-          <a:p>
-            <a:endParaRPr lang="fr-CH" sz="1200" kern="1200" dirty="0">
-              <a:solidFill>
-                <a:schemeClr val="tx1"/>
-              </a:solidFill>
-              <a:effectLst/>
-              <a:latin typeface="+mn-lt"/>
-              <a:ea typeface="+mn-ea"/>
-              <a:cs typeface="+mn-cs"/>
-            </a:endParaRPr>
-          </a:p>
-          <a:p>
-            <a:r>
-              <a:rPr lang="fr-CH" sz="1200" kern="1200" dirty="0">
-                <a:solidFill>
-                  <a:schemeClr val="tx1"/>
-                </a:solidFill>
-                <a:effectLst/>
-                <a:latin typeface="+mn-lt"/>
-                <a:ea typeface="+mn-ea"/>
-                <a:cs typeface="+mn-cs"/>
-              </a:rPr>
-              <a:t>Opc =</a:t>
-            </a:r>
-            <a:r>
-              <a:rPr lang="fr-CH" sz="1200" kern="1200" baseline="0" dirty="0">
-                <a:solidFill>
-                  <a:schemeClr val="tx1"/>
-                </a:solidFill>
-                <a:effectLst/>
-                <a:latin typeface="+mn-lt"/>
-                <a:ea typeface="+mn-ea"/>
-                <a:cs typeface="+mn-cs"/>
-              </a:rPr>
-              <a:t> </a:t>
-            </a:r>
-            <a:r>
-              <a:rPr lang="en-US" sz="1200" kern="1200" dirty="0">
-                <a:solidFill>
-                  <a:schemeClr val="tx1"/>
-                </a:solidFill>
-                <a:effectLst/>
-                <a:latin typeface="+mn-lt"/>
-                <a:ea typeface="+mn-ea"/>
-                <a:cs typeface="+mn-cs"/>
-              </a:rPr>
-              <a:t>Object Linking and Embedding for Process Control</a:t>
-            </a:r>
-          </a:p>
-          <a:p>
-            <a:endParaRPr lang="fr-CH" sz="1200" kern="1200" dirty="0">
-              <a:solidFill>
-                <a:schemeClr val="tx1"/>
-              </a:solidFill>
-              <a:effectLst/>
-              <a:latin typeface="+mn-lt"/>
-              <a:ea typeface="+mn-ea"/>
-              <a:cs typeface="+mn-cs"/>
-            </a:endParaRPr>
-          </a:p>
-          <a:p>
-            <a:endParaRPr lang="fr-CH" dirty="0"/>
+            <a:endParaRPr lang="fr-CH"/>
           </a:p>
         </p:txBody>
       </p:sp>
@@ -1831,7 +3236,7 @@
           <a:p>
             <a:fld id="{00E4C358-B2C9-4BAA-B825-EE7B48785BE7}" type="slidenum">
               <a:rPr lang="fr-CH" smtClean="0"/>
-              <a:t>10</a:t>
+              <a:t>7</a:t>
             </a:fld>
             <a:endParaRPr lang="fr-CH"/>
           </a:p>
@@ -1840,7 +3245,7 @@
     </p:spTree>
     <p:extLst>
       <p:ext uri="{BB962C8B-B14F-4D97-AF65-F5344CB8AC3E}">
-        <p14:creationId xmlns:p14="http://schemas.microsoft.com/office/powerpoint/2010/main" val="4217294334"/>
+        <p14:creationId xmlns:p14="http://schemas.microsoft.com/office/powerpoint/2010/main" val="118819344"/>
       </p:ext>
     </p:extLst>
   </p:cSld>
@@ -1896,30 +3301,72 @@
           <a:p>
             <a:r>
               <a:rPr lang="fr-CH" dirty="0"/>
-              <a:t>Réflexion des types</a:t>
-            </a:r>
-          </a:p>
-          <a:p>
-            <a:r>
-              <a:rPr lang="fr-CH" dirty="0"/>
-              <a:t>Documentation</a:t>
+              <a:t>Groupement</a:t>
             </a:r>
             <a:r>
               <a:rPr lang="fr-CH" baseline="0" dirty="0"/>
-              <a:t> lacunaire</a:t>
-            </a:r>
+              <a:t> de spécifications développé par </a:t>
+            </a:r>
+          </a:p>
+          <a:p>
+            <a:endParaRPr lang="fr-CH" baseline="0" dirty="0"/>
           </a:p>
           <a:p>
             <a:r>
               <a:rPr lang="fr-CH" baseline="0" dirty="0"/>
-              <a:t>Implémentation incomplète</a:t>
-            </a:r>
-          </a:p>
-          <a:p>
+              <a:t>Opc est apparu au </a:t>
+            </a:r>
+            <a:r>
+              <a:rPr lang="fr-CH" baseline="0" dirty="0" err="1"/>
+              <a:t>millieu</a:t>
+            </a:r>
             <a:r>
               <a:rPr lang="fr-CH" baseline="0" dirty="0"/>
-              <a:t>N’est pas un langage orienté objet</a:t>
-            </a:r>
+              <a:t> de année 90 pour faire le lien entre la machine et le pc. </a:t>
+            </a:r>
+            <a:r>
+              <a:rPr lang="fr-CH" sz="1300" dirty="0"/>
+              <a:t>Le but : s’affranchir des contraintes du </a:t>
+            </a:r>
+          </a:p>
+          <a:p>
+            <a:r>
+              <a:rPr lang="fr-CH" sz="1300" dirty="0"/>
+              <a:t>développement des drivers en imaginant un concept d’abstraction des protocoles de </a:t>
+            </a:r>
+          </a:p>
+          <a:p>
+            <a:r>
+              <a:rPr lang="fr-CH" sz="1300" dirty="0"/>
+              <a:t>communication. </a:t>
+            </a:r>
+          </a:p>
+          <a:p>
+            <a:endParaRPr lang="fr-CH" sz="1300" dirty="0"/>
+          </a:p>
+          <a:p>
+            <a:r>
+              <a:rPr lang="fr-CH" sz="1300" dirty="0"/>
+              <a:t>Opc = </a:t>
+            </a:r>
+            <a:r>
+              <a:rPr lang="en-US" sz="1300" dirty="0"/>
+              <a:t>Object Linking and Embedding for Process Control</a:t>
+            </a:r>
+          </a:p>
+          <a:p>
+            <a:endParaRPr lang="en-US" sz="1300" dirty="0"/>
+          </a:p>
+          <a:p>
+            <a:r>
+              <a:rPr lang="en-US" sz="1300" dirty="0"/>
+              <a:t>Driver + machines</a:t>
+            </a:r>
+          </a:p>
+          <a:p>
+            <a:endParaRPr lang="fr-CH" sz="1300" dirty="0"/>
+          </a:p>
+          <a:p>
             <a:endParaRPr lang="fr-CH" dirty="0"/>
           </a:p>
         </p:txBody>
@@ -1941,7 +3388,7 @@
           <a:p>
             <a:fld id="{00E4C358-B2C9-4BAA-B825-EE7B48785BE7}" type="slidenum">
               <a:rPr lang="fr-CH" smtClean="0"/>
-              <a:t>15</a:t>
+              <a:t>8</a:t>
             </a:fld>
             <a:endParaRPr lang="fr-CH"/>
           </a:p>
@@ -1950,7 +3397,7 @@
     </p:spTree>
     <p:extLst>
       <p:ext uri="{BB962C8B-B14F-4D97-AF65-F5344CB8AC3E}">
-        <p14:creationId xmlns:p14="http://schemas.microsoft.com/office/powerpoint/2010/main" val="2677992071"/>
+        <p14:creationId xmlns:p14="http://schemas.microsoft.com/office/powerpoint/2010/main" val="4217294334"/>
       </p:ext>
     </p:extLst>
   </p:cSld>
@@ -2004,76 +3451,31 @@
           <a:bodyPr/>
           <a:lstStyle/>
           <a:p>
-            <a:pPr marL="0" marR="0" lvl="0" indent="0" algn="l" defTabSz="914400" rtl="0" eaLnBrk="1" fontAlgn="auto" latinLnBrk="0" hangingPunct="1">
-              <a:lnSpc>
-                <a:spcPct val="100000"/>
-              </a:lnSpc>
-              <a:spcBef>
-                <a:spcPts val="0"/>
-              </a:spcBef>
-              <a:spcAft>
-                <a:spcPts val="0"/>
-              </a:spcAft>
-              <a:buClrTx/>
-              <a:buSzTx/>
-              <a:buFontTx/>
-              <a:buNone/>
-              <a:tabLst/>
-              <a:defRPr/>
-            </a:pPr>
-            <a:r>
-              <a:rPr lang="fr-CH" sz="1200" kern="1200" dirty="0">
-                <a:solidFill>
-                  <a:schemeClr val="tx1"/>
-                </a:solidFill>
-                <a:effectLst/>
-                <a:latin typeface="+mn-lt"/>
-                <a:ea typeface="+mn-ea"/>
-                <a:cs typeface="+mn-cs"/>
-              </a:rPr>
-              <a:t>Aucune machine n’utilise ce protocole</a:t>
-            </a:r>
-          </a:p>
-          <a:p>
-            <a:pPr marL="0" marR="0" lvl="0" indent="0" algn="l" defTabSz="914400" rtl="0" eaLnBrk="1" fontAlgn="auto" latinLnBrk="0" hangingPunct="1">
-              <a:lnSpc>
-                <a:spcPct val="100000"/>
-              </a:lnSpc>
-              <a:spcBef>
-                <a:spcPts val="0"/>
-              </a:spcBef>
-              <a:spcAft>
-                <a:spcPts val="0"/>
-              </a:spcAft>
-              <a:buClrTx/>
-              <a:buSzTx/>
-              <a:buFontTx/>
-              <a:buNone/>
-              <a:tabLst/>
-              <a:defRPr/>
-            </a:pPr>
-            <a:r>
-              <a:rPr lang="fr-CH" sz="1200" kern="1200" dirty="0">
-                <a:solidFill>
-                  <a:schemeClr val="tx1"/>
-                </a:solidFill>
-                <a:effectLst/>
-                <a:latin typeface="+mn-lt"/>
-                <a:ea typeface="+mn-ea"/>
-                <a:cs typeface="+mn-cs"/>
-              </a:rPr>
-              <a:t>Même les machines de la nouvelle génération n’en sont pas dotées</a:t>
-            </a:r>
-          </a:p>
-          <a:p>
-            <a:r>
-              <a:rPr lang="fr-CH" dirty="0" err="1"/>
-              <a:t>Staubli</a:t>
-            </a:r>
+            <a:endParaRPr lang="fr-CH" sz="1300" dirty="0"/>
+          </a:p>
+          <a:p>
+            <a:r>
+              <a:rPr lang="fr-CH" sz="1300" dirty="0"/>
+              <a:t>«Liaison et intégration d'objets pour le gestion de processus dans une architecture unifiée</a:t>
+            </a:r>
+            <a:endParaRPr lang="en-US" sz="1300" dirty="0"/>
+          </a:p>
+          <a:p>
+            <a:endParaRPr lang="fr-CH" sz="1300" dirty="0"/>
+          </a:p>
+          <a:p>
+            <a:endParaRPr lang="fr-CH" sz="1300" dirty="0"/>
+          </a:p>
+          <a:p>
             <a:r>
               <a:rPr lang="fr-CH" dirty="0"/>
-              <a:t> CS9</a:t>
-            </a:r>
+              <a:t>Obligatoire et</a:t>
+            </a:r>
+            <a:r>
+              <a:rPr lang="fr-CH" baseline="0" dirty="0"/>
+              <a:t> optionnel</a:t>
+            </a:r>
+            <a:endParaRPr lang="fr-CH" dirty="0"/>
           </a:p>
         </p:txBody>
       </p:sp>
@@ -2094,7 +3496,7 @@
           <a:p>
             <a:fld id="{00E4C358-B2C9-4BAA-B825-EE7B48785BE7}" type="slidenum">
               <a:rPr lang="fr-CH" smtClean="0"/>
-              <a:t>16</a:t>
+              <a:t>9</a:t>
             </a:fld>
             <a:endParaRPr lang="fr-CH"/>
           </a:p>
@@ -2103,7 +3505,7 @@
     </p:spTree>
     <p:extLst>
       <p:ext uri="{BB962C8B-B14F-4D97-AF65-F5344CB8AC3E}">
-        <p14:creationId xmlns:p14="http://schemas.microsoft.com/office/powerpoint/2010/main" val="4277857266"/>
+        <p14:creationId xmlns:p14="http://schemas.microsoft.com/office/powerpoint/2010/main" val="179585208"/>
       </p:ext>
     </p:extLst>
   </p:cSld>
@@ -2170,7 +3572,7 @@
           <a:noFill/>
           <a:extLst>
             <a:ext uri="{909E8E84-426E-40dd-AFC4-6F175D3DCCD1}">
-              <a14:hiddenFill xmlns="" xmlns:a14="http://schemas.microsoft.com/office/drawing/2010/main">
+              <a14:hiddenFill xmlns:a14="http://schemas.microsoft.com/office/drawing/2010/main" xmlns="">
                 <a:solidFill>
                   <a:srgbClr val="FFFFFF"/>
                 </a:solidFill>
@@ -2229,7 +3631,7 @@
             </a:ln>
             <a:extLst>
               <a:ext uri="{91240B29-F687-4f45-9708-019B960494DF}">
-                <a14:hiddenLine xmlns="" xmlns:a14="http://schemas.microsoft.com/office/drawing/2010/main" w="9525">
+                <a14:hiddenLine xmlns:a14="http://schemas.microsoft.com/office/drawing/2010/main" xmlns="" w="9525">
                   <a:solidFill>
                     <a:srgbClr val="000000"/>
                   </a:solidFill>
@@ -2319,7 +3721,7 @@
             </a:ln>
             <a:extLst>
               <a:ext uri="{91240B29-F687-4f45-9708-019B960494DF}">
-                <a14:hiddenLine xmlns="" xmlns:a14="http://schemas.microsoft.com/office/drawing/2010/main" w="9525">
+                <a14:hiddenLine xmlns:a14="http://schemas.microsoft.com/office/drawing/2010/main" xmlns="" w="9525">
                   <a:solidFill>
                     <a:srgbClr val="000000"/>
                   </a:solidFill>
@@ -2409,7 +3811,7 @@
             </a:ln>
             <a:extLst>
               <a:ext uri="{91240B29-F687-4f45-9708-019B960494DF}">
-                <a14:hiddenLine xmlns="" xmlns:a14="http://schemas.microsoft.com/office/drawing/2010/main" w="9525">
+                <a14:hiddenLine xmlns:a14="http://schemas.microsoft.com/office/drawing/2010/main" xmlns="" w="9525">
                   <a:solidFill>
                     <a:srgbClr val="000000"/>
                   </a:solidFill>
@@ -2443,7 +3845,7 @@
             </a:ln>
             <a:extLst>
               <a:ext uri="{91240B29-F687-4f45-9708-019B960494DF}">
-                <a14:hiddenLine xmlns="" xmlns:a14="http://schemas.microsoft.com/office/drawing/2010/main" w="9525">
+                <a14:hiddenLine xmlns:a14="http://schemas.microsoft.com/office/drawing/2010/main" xmlns="" w="9525">
                   <a:solidFill>
                     <a:srgbClr val="000000"/>
                   </a:solidFill>
@@ -2533,7 +3935,7 @@
             </a:ln>
             <a:extLst>
               <a:ext uri="{91240B29-F687-4f45-9708-019B960494DF}">
-                <a14:hiddenLine xmlns="" xmlns:a14="http://schemas.microsoft.com/office/drawing/2010/main" w="9525">
+                <a14:hiddenLine xmlns:a14="http://schemas.microsoft.com/office/drawing/2010/main" xmlns="" w="9525">
                   <a:solidFill>
                     <a:srgbClr val="000000"/>
                   </a:solidFill>
@@ -2595,7 +3997,7 @@
             </a:ln>
             <a:extLst>
               <a:ext uri="{91240B29-F687-4f45-9708-019B960494DF}">
-                <a14:hiddenLine xmlns="" xmlns:a14="http://schemas.microsoft.com/office/drawing/2010/main" w="9525">
+                <a14:hiddenLine xmlns:a14="http://schemas.microsoft.com/office/drawing/2010/main" xmlns="" w="9525">
                   <a:solidFill>
                     <a:srgbClr val="000000"/>
                   </a:solidFill>
@@ -2657,7 +4059,7 @@
             </a:ln>
             <a:extLst>
               <a:ext uri="{91240B29-F687-4f45-9708-019B960494DF}">
-                <a14:hiddenLine xmlns="" xmlns:a14="http://schemas.microsoft.com/office/drawing/2010/main" w="9525">
+                <a14:hiddenLine xmlns:a14="http://schemas.microsoft.com/office/drawing/2010/main" xmlns="" w="9525">
                   <a:solidFill>
                     <a:srgbClr val="000000"/>
                   </a:solidFill>
@@ -2747,7 +4149,7 @@
             </a:ln>
             <a:extLst>
               <a:ext uri="{91240B29-F687-4f45-9708-019B960494DF}">
-                <a14:hiddenLine xmlns="" xmlns:a14="http://schemas.microsoft.com/office/drawing/2010/main" w="9525">
+                <a14:hiddenLine xmlns:a14="http://schemas.microsoft.com/office/drawing/2010/main" xmlns="" w="9525">
                   <a:solidFill>
                     <a:srgbClr val="000000"/>
                   </a:solidFill>
@@ -2809,7 +4211,7 @@
             </a:ln>
             <a:extLst>
               <a:ext uri="{91240B29-F687-4f45-9708-019B960494DF}">
-                <a14:hiddenLine xmlns="" xmlns:a14="http://schemas.microsoft.com/office/drawing/2010/main" w="9525">
+                <a14:hiddenLine xmlns:a14="http://schemas.microsoft.com/office/drawing/2010/main" xmlns="" w="9525">
                   <a:solidFill>
                     <a:srgbClr val="000000"/>
                   </a:solidFill>
@@ -2871,7 +4273,7 @@
             </a:ln>
             <a:extLst>
               <a:ext uri="{91240B29-F687-4f45-9708-019B960494DF}">
-                <a14:hiddenLine xmlns="" xmlns:a14="http://schemas.microsoft.com/office/drawing/2010/main" w="9525">
+                <a14:hiddenLine xmlns:a14="http://schemas.microsoft.com/office/drawing/2010/main" xmlns="" w="9525">
                   <a:solidFill>
                     <a:srgbClr val="000000"/>
                   </a:solidFill>
@@ -2961,7 +4363,7 @@
             </a:ln>
             <a:extLst>
               <a:ext uri="{91240B29-F687-4f45-9708-019B960494DF}">
-                <a14:hiddenLine xmlns="" xmlns:a14="http://schemas.microsoft.com/office/drawing/2010/main" w="9525">
+                <a14:hiddenLine xmlns:a14="http://schemas.microsoft.com/office/drawing/2010/main" xmlns="" w="9525">
                   <a:solidFill>
                     <a:srgbClr val="000000"/>
                   </a:solidFill>
@@ -3051,7 +4453,7 @@
             </a:ln>
             <a:extLst>
               <a:ext uri="{91240B29-F687-4f45-9708-019B960494DF}">
-                <a14:hiddenLine xmlns="" xmlns:a14="http://schemas.microsoft.com/office/drawing/2010/main" w="9525">
+                <a14:hiddenLine xmlns:a14="http://schemas.microsoft.com/office/drawing/2010/main" xmlns="" w="9525">
                   <a:solidFill>
                     <a:srgbClr val="000000"/>
                   </a:solidFill>
@@ -3113,7 +4515,7 @@
             </a:ln>
             <a:extLst>
               <a:ext uri="{91240B29-F687-4f45-9708-019B960494DF}">
-                <a14:hiddenLine xmlns="" xmlns:a14="http://schemas.microsoft.com/office/drawing/2010/main" w="9525">
+                <a14:hiddenLine xmlns:a14="http://schemas.microsoft.com/office/drawing/2010/main" xmlns="" w="9525">
                   <a:solidFill>
                     <a:srgbClr val="000000"/>
                   </a:solidFill>
@@ -3223,7 +4625,7 @@
             </a:ln>
             <a:extLst>
               <a:ext uri="{91240B29-F687-4f45-9708-019B960494DF}">
-                <a14:hiddenLine xmlns="" xmlns:a14="http://schemas.microsoft.com/office/drawing/2010/main" w="9525">
+                <a14:hiddenLine xmlns:a14="http://schemas.microsoft.com/office/drawing/2010/main" xmlns="" w="9525">
                   <a:solidFill>
                     <a:srgbClr val="000000"/>
                   </a:solidFill>
@@ -3285,7 +4687,7 @@
             </a:ln>
             <a:extLst>
               <a:ext uri="{91240B29-F687-4f45-9708-019B960494DF}">
-                <a14:hiddenLine xmlns="" xmlns:a14="http://schemas.microsoft.com/office/drawing/2010/main" w="9525">
+                <a14:hiddenLine xmlns:a14="http://schemas.microsoft.com/office/drawing/2010/main" xmlns="" w="9525">
                   <a:solidFill>
                     <a:srgbClr val="000000"/>
                   </a:solidFill>
@@ -3375,7 +4777,7 @@
             </a:ln>
             <a:extLst>
               <a:ext uri="{91240B29-F687-4f45-9708-019B960494DF}">
-                <a14:hiddenLine xmlns="" xmlns:a14="http://schemas.microsoft.com/office/drawing/2010/main" w="9525">
+                <a14:hiddenLine xmlns:a14="http://schemas.microsoft.com/office/drawing/2010/main" xmlns="" w="9525">
                   <a:solidFill>
                     <a:srgbClr val="000000"/>
                   </a:solidFill>
@@ -3465,7 +4867,7 @@
             </a:ln>
             <a:extLst>
               <a:ext uri="{91240B29-F687-4f45-9708-019B960494DF}">
-                <a14:hiddenLine xmlns="" xmlns:a14="http://schemas.microsoft.com/office/drawing/2010/main" w="9525">
+                <a14:hiddenLine xmlns:a14="http://schemas.microsoft.com/office/drawing/2010/main" xmlns="" w="9525">
                   <a:solidFill>
                     <a:srgbClr val="000000"/>
                   </a:solidFill>
@@ -3527,7 +4929,7 @@
             </a:ln>
             <a:extLst>
               <a:ext uri="{91240B29-F687-4f45-9708-019B960494DF}">
-                <a14:hiddenLine xmlns="" xmlns:a14="http://schemas.microsoft.com/office/drawing/2010/main" w="9525">
+                <a14:hiddenLine xmlns:a14="http://schemas.microsoft.com/office/drawing/2010/main" xmlns="" w="9525">
                   <a:solidFill>
                     <a:srgbClr val="000000"/>
                   </a:solidFill>
@@ -3617,7 +5019,7 @@
             </a:ln>
             <a:extLst>
               <a:ext uri="{91240B29-F687-4f45-9708-019B960494DF}">
-                <a14:hiddenLine xmlns="" xmlns:a14="http://schemas.microsoft.com/office/drawing/2010/main" w="9525">
+                <a14:hiddenLine xmlns:a14="http://schemas.microsoft.com/office/drawing/2010/main" xmlns="" w="9525">
                   <a:solidFill>
                     <a:srgbClr val="000000"/>
                   </a:solidFill>
@@ -3707,7 +5109,7 @@
             </a:ln>
             <a:extLst>
               <a:ext uri="{91240B29-F687-4f45-9708-019B960494DF}">
-                <a14:hiddenLine xmlns="" xmlns:a14="http://schemas.microsoft.com/office/drawing/2010/main" w="9525">
+                <a14:hiddenLine xmlns:a14="http://schemas.microsoft.com/office/drawing/2010/main" xmlns="" w="9525">
                   <a:solidFill>
                     <a:srgbClr val="000000"/>
                   </a:solidFill>
@@ -3763,7 +5165,7 @@
             </a:ln>
             <a:extLst>
               <a:ext uri="{91240B29-F687-4f45-9708-019B960494DF}">
-                <a14:hiddenLine xmlns="" xmlns:a14="http://schemas.microsoft.com/office/drawing/2010/main" w="9525">
+                <a14:hiddenLine xmlns:a14="http://schemas.microsoft.com/office/drawing/2010/main" xmlns="" w="9525">
                   <a:solidFill>
                     <a:srgbClr val="000000"/>
                   </a:solidFill>
@@ -3853,7 +5255,7 @@
             </a:ln>
             <a:extLst>
               <a:ext uri="{91240B29-F687-4f45-9708-019B960494DF}">
-                <a14:hiddenLine xmlns="" xmlns:a14="http://schemas.microsoft.com/office/drawing/2010/main" w="9525">
+                <a14:hiddenLine xmlns:a14="http://schemas.microsoft.com/office/drawing/2010/main" xmlns="" w="9525">
                   <a:solidFill>
                     <a:srgbClr val="000000"/>
                   </a:solidFill>
@@ -3909,7 +5311,7 @@
             </a:ln>
             <a:extLst>
               <a:ext uri="{91240B29-F687-4f45-9708-019B960494DF}">
-                <a14:hiddenLine xmlns="" xmlns:a14="http://schemas.microsoft.com/office/drawing/2010/main" w="9525">
+                <a14:hiddenLine xmlns:a14="http://schemas.microsoft.com/office/drawing/2010/main" xmlns="" w="9525">
                   <a:solidFill>
                     <a:srgbClr val="000000"/>
                   </a:solidFill>
@@ -3999,7 +5401,7 @@
             </a:ln>
             <a:extLst>
               <a:ext uri="{91240B29-F687-4f45-9708-019B960494DF}">
-                <a14:hiddenLine xmlns="" xmlns:a14="http://schemas.microsoft.com/office/drawing/2010/main" w="9525">
+                <a14:hiddenLine xmlns:a14="http://schemas.microsoft.com/office/drawing/2010/main" xmlns="" w="9525">
                   <a:solidFill>
                     <a:srgbClr val="000000"/>
                   </a:solidFill>
@@ -4067,7 +5469,7 @@
             </a:ln>
             <a:extLst>
               <a:ext uri="{91240B29-F687-4f45-9708-019B960494DF}">
-                <a14:hiddenLine xmlns="" xmlns:a14="http://schemas.microsoft.com/office/drawing/2010/main" w="9525">
+                <a14:hiddenLine xmlns:a14="http://schemas.microsoft.com/office/drawing/2010/main" xmlns="" w="9525">
                   <a:solidFill>
                     <a:srgbClr val="000000"/>
                   </a:solidFill>
@@ -4157,7 +5559,7 @@
             </a:ln>
             <a:extLst>
               <a:ext uri="{91240B29-F687-4f45-9708-019B960494DF}">
-                <a14:hiddenLine xmlns="" xmlns:a14="http://schemas.microsoft.com/office/drawing/2010/main" w="9525">
+                <a14:hiddenLine xmlns:a14="http://schemas.microsoft.com/office/drawing/2010/main" xmlns="" w="9525">
                   <a:solidFill>
                     <a:srgbClr val="000000"/>
                   </a:solidFill>
@@ -4225,7 +5627,7 @@
             </a:ln>
             <a:extLst>
               <a:ext uri="{91240B29-F687-4f45-9708-019B960494DF}">
-                <a14:hiddenLine xmlns="" xmlns:a14="http://schemas.microsoft.com/office/drawing/2010/main" w="9525">
+                <a14:hiddenLine xmlns:a14="http://schemas.microsoft.com/office/drawing/2010/main" xmlns="" w="9525">
                   <a:solidFill>
                     <a:srgbClr val="000000"/>
                   </a:solidFill>
@@ -4315,7 +5717,7 @@
             </a:ln>
             <a:extLst>
               <a:ext uri="{91240B29-F687-4f45-9708-019B960494DF}">
-                <a14:hiddenLine xmlns="" xmlns:a14="http://schemas.microsoft.com/office/drawing/2010/main" w="9525">
+                <a14:hiddenLine xmlns:a14="http://schemas.microsoft.com/office/drawing/2010/main" xmlns="" w="9525">
                   <a:solidFill>
                     <a:srgbClr val="000000"/>
                   </a:solidFill>
@@ -4349,7 +5751,7 @@
             </a:ln>
             <a:extLst>
               <a:ext uri="{91240B29-F687-4f45-9708-019B960494DF}">
-                <a14:hiddenLine xmlns="" xmlns:a14="http://schemas.microsoft.com/office/drawing/2010/main" w="9525">
+                <a14:hiddenLine xmlns:a14="http://schemas.microsoft.com/office/drawing/2010/main" xmlns="" w="9525">
                   <a:solidFill>
                     <a:srgbClr val="000000"/>
                   </a:solidFill>
@@ -4439,7 +5841,7 @@
             </a:ln>
             <a:extLst>
               <a:ext uri="{91240B29-F687-4f45-9708-019B960494DF}">
-                <a14:hiddenLine xmlns="" xmlns:a14="http://schemas.microsoft.com/office/drawing/2010/main" w="9525">
+                <a14:hiddenLine xmlns:a14="http://schemas.microsoft.com/office/drawing/2010/main" xmlns="" w="9525">
                   <a:solidFill>
                     <a:srgbClr val="000000"/>
                   </a:solidFill>
@@ -4501,7 +5903,7 @@
             </a:ln>
             <a:extLst>
               <a:ext uri="{91240B29-F687-4f45-9708-019B960494DF}">
-                <a14:hiddenLine xmlns="" xmlns:a14="http://schemas.microsoft.com/office/drawing/2010/main" w="9525">
+                <a14:hiddenLine xmlns:a14="http://schemas.microsoft.com/office/drawing/2010/main" xmlns="" w="9525">
                   <a:solidFill>
                     <a:srgbClr val="000000"/>
                   </a:solidFill>
@@ -4563,7 +5965,7 @@
             </a:ln>
             <a:extLst>
               <a:ext uri="{91240B29-F687-4f45-9708-019B960494DF}">
-                <a14:hiddenLine xmlns="" xmlns:a14="http://schemas.microsoft.com/office/drawing/2010/main" w="9525">
+                <a14:hiddenLine xmlns:a14="http://schemas.microsoft.com/office/drawing/2010/main" xmlns="" w="9525">
                   <a:solidFill>
                     <a:srgbClr val="000000"/>
                   </a:solidFill>
@@ -4653,7 +6055,7 @@
             </a:ln>
             <a:extLst>
               <a:ext uri="{91240B29-F687-4f45-9708-019B960494DF}">
-                <a14:hiddenLine xmlns="" xmlns:a14="http://schemas.microsoft.com/office/drawing/2010/main" w="9525">
+                <a14:hiddenLine xmlns:a14="http://schemas.microsoft.com/office/drawing/2010/main" xmlns="" w="9525">
                   <a:solidFill>
                     <a:srgbClr val="000000"/>
                   </a:solidFill>
@@ -4721,7 +6123,7 @@
             </a:ln>
             <a:extLst>
               <a:ext uri="{91240B29-F687-4f45-9708-019B960494DF}">
-                <a14:hiddenLine xmlns="" xmlns:a14="http://schemas.microsoft.com/office/drawing/2010/main" w="9525">
+                <a14:hiddenLine xmlns:a14="http://schemas.microsoft.com/office/drawing/2010/main" xmlns="" w="9525">
                   <a:solidFill>
                     <a:srgbClr val="000000"/>
                   </a:solidFill>
@@ -4783,7 +6185,7 @@
             </a:ln>
             <a:extLst>
               <a:ext uri="{91240B29-F687-4f45-9708-019B960494DF}">
-                <a14:hiddenLine xmlns="" xmlns:a14="http://schemas.microsoft.com/office/drawing/2010/main" w="9525">
+                <a14:hiddenLine xmlns:a14="http://schemas.microsoft.com/office/drawing/2010/main" xmlns="" w="9525">
                   <a:solidFill>
                     <a:srgbClr val="000000"/>
                   </a:solidFill>
@@ -4873,7 +6275,7 @@
             </a:ln>
             <a:extLst>
               <a:ext uri="{91240B29-F687-4f45-9708-019B960494DF}">
-                <a14:hiddenLine xmlns="" xmlns:a14="http://schemas.microsoft.com/office/drawing/2010/main" w="9525">
+                <a14:hiddenLine xmlns:a14="http://schemas.microsoft.com/office/drawing/2010/main" xmlns="" w="9525">
                   <a:solidFill>
                     <a:srgbClr val="000000"/>
                   </a:solidFill>
@@ -4935,7 +6337,7 @@
             </a:ln>
             <a:extLst>
               <a:ext uri="{91240B29-F687-4f45-9708-019B960494DF}">
-                <a14:hiddenLine xmlns="" xmlns:a14="http://schemas.microsoft.com/office/drawing/2010/main" w="9525">
+                <a14:hiddenLine xmlns:a14="http://schemas.microsoft.com/office/drawing/2010/main" xmlns="" w="9525">
                   <a:solidFill>
                     <a:srgbClr val="000000"/>
                   </a:solidFill>
@@ -5025,7 +6427,7 @@
             </a:ln>
             <a:extLst>
               <a:ext uri="{91240B29-F687-4f45-9708-019B960494DF}">
-                <a14:hiddenLine xmlns="" xmlns:a14="http://schemas.microsoft.com/office/drawing/2010/main" w="9525">
+                <a14:hiddenLine xmlns:a14="http://schemas.microsoft.com/office/drawing/2010/main" xmlns="" w="9525">
                   <a:solidFill>
                     <a:srgbClr val="000000"/>
                   </a:solidFill>
@@ -5087,7 +6489,7 @@
             </a:ln>
             <a:extLst>
               <a:ext uri="{91240B29-F687-4f45-9708-019B960494DF}">
-                <a14:hiddenLine xmlns="" xmlns:a14="http://schemas.microsoft.com/office/drawing/2010/main" w="9525">
+                <a14:hiddenLine xmlns:a14="http://schemas.microsoft.com/office/drawing/2010/main" xmlns="" w="9525">
                   <a:solidFill>
                     <a:srgbClr val="000000"/>
                   </a:solidFill>
@@ -5177,7 +6579,7 @@
             </a:ln>
             <a:extLst>
               <a:ext uri="{91240B29-F687-4f45-9708-019B960494DF}">
-                <a14:hiddenLine xmlns="" xmlns:a14="http://schemas.microsoft.com/office/drawing/2010/main" w="9525">
+                <a14:hiddenLine xmlns:a14="http://schemas.microsoft.com/office/drawing/2010/main" xmlns="" w="9525">
                   <a:solidFill>
                     <a:srgbClr val="000000"/>
                   </a:solidFill>
@@ -5211,7 +6613,7 @@
             </a:ln>
             <a:extLst>
               <a:ext uri="{91240B29-F687-4f45-9708-019B960494DF}">
-                <a14:hiddenLine xmlns="" xmlns:a14="http://schemas.microsoft.com/office/drawing/2010/main" w="9525">
+                <a14:hiddenLine xmlns:a14="http://schemas.microsoft.com/office/drawing/2010/main" xmlns="" w="9525">
                   <a:solidFill>
                     <a:srgbClr val="000000"/>
                   </a:solidFill>
@@ -5276,7 +6678,7 @@
             </a:ln>
             <a:extLst>
               <a:ext uri="{91240B29-F687-4f45-9708-019B960494DF}">
-                <a14:hiddenLine xmlns="" xmlns:a14="http://schemas.microsoft.com/office/drawing/2010/main" w="9525">
+                <a14:hiddenLine xmlns:a14="http://schemas.microsoft.com/office/drawing/2010/main" xmlns="" w="9525">
                   <a:solidFill>
                     <a:srgbClr val="000000"/>
                   </a:solidFill>
@@ -5366,7 +6768,7 @@
             </a:ln>
             <a:extLst>
               <a:ext uri="{91240B29-F687-4f45-9708-019B960494DF}">
-                <a14:hiddenLine xmlns="" xmlns:a14="http://schemas.microsoft.com/office/drawing/2010/main" w="9525">
+                <a14:hiddenLine xmlns:a14="http://schemas.microsoft.com/office/drawing/2010/main" xmlns="" w="9525">
                   <a:solidFill>
                     <a:srgbClr val="000000"/>
                   </a:solidFill>
@@ -5428,7 +6830,7 @@
             </a:ln>
             <a:extLst>
               <a:ext uri="{91240B29-F687-4f45-9708-019B960494DF}">
-                <a14:hiddenLine xmlns="" xmlns:a14="http://schemas.microsoft.com/office/drawing/2010/main" w="9525">
+                <a14:hiddenLine xmlns:a14="http://schemas.microsoft.com/office/drawing/2010/main" xmlns="" w="9525">
                   <a:solidFill>
                     <a:srgbClr val="000000"/>
                   </a:solidFill>
@@ -5518,7 +6920,7 @@
             </a:ln>
             <a:extLst>
               <a:ext uri="{91240B29-F687-4f45-9708-019B960494DF}">
-                <a14:hiddenLine xmlns="" xmlns:a14="http://schemas.microsoft.com/office/drawing/2010/main" w="9525">
+                <a14:hiddenLine xmlns:a14="http://schemas.microsoft.com/office/drawing/2010/main" xmlns="" w="9525">
                   <a:solidFill>
                     <a:srgbClr val="000000"/>
                   </a:solidFill>
@@ -5608,7 +7010,7 @@
             </a:ln>
             <a:extLst>
               <a:ext uri="{91240B29-F687-4f45-9708-019B960494DF}">
-                <a14:hiddenLine xmlns="" xmlns:a14="http://schemas.microsoft.com/office/drawing/2010/main" w="9525">
+                <a14:hiddenLine xmlns:a14="http://schemas.microsoft.com/office/drawing/2010/main" xmlns="" w="9525">
                   <a:solidFill>
                     <a:srgbClr val="000000"/>
                   </a:solidFill>
@@ -5673,7 +7075,7 @@
             </a:ln>
             <a:extLst>
               <a:ext uri="{91240B29-F687-4f45-9708-019B960494DF}">
-                <a14:hiddenLine xmlns="" xmlns:a14="http://schemas.microsoft.com/office/drawing/2010/main" w="9525">
+                <a14:hiddenLine xmlns:a14="http://schemas.microsoft.com/office/drawing/2010/main" xmlns="" w="9525">
                   <a:solidFill>
                     <a:srgbClr val="000000"/>
                   </a:solidFill>
@@ -5735,7 +7137,7 @@
             </a:ln>
             <a:extLst>
               <a:ext uri="{91240B29-F687-4f45-9708-019B960494DF}">
-                <a14:hiddenLine xmlns="" xmlns:a14="http://schemas.microsoft.com/office/drawing/2010/main" w="9525">
+                <a14:hiddenLine xmlns:a14="http://schemas.microsoft.com/office/drawing/2010/main" xmlns="" w="9525">
                   <a:solidFill>
                     <a:srgbClr val="000000"/>
                   </a:solidFill>
@@ -5825,7 +7227,7 @@
             </a:ln>
             <a:extLst>
               <a:ext uri="{91240B29-F687-4f45-9708-019B960494DF}">
-                <a14:hiddenLine xmlns="" xmlns:a14="http://schemas.microsoft.com/office/drawing/2010/main" w="9525">
+                <a14:hiddenLine xmlns:a14="http://schemas.microsoft.com/office/drawing/2010/main" xmlns="" w="9525">
                   <a:solidFill>
                     <a:srgbClr val="000000"/>
                   </a:solidFill>
@@ -5915,7 +7317,7 @@
             </a:ln>
             <a:extLst>
               <a:ext uri="{91240B29-F687-4f45-9708-019B960494DF}">
-                <a14:hiddenLine xmlns="" xmlns:a14="http://schemas.microsoft.com/office/drawing/2010/main" w="9525">
+                <a14:hiddenLine xmlns:a14="http://schemas.microsoft.com/office/drawing/2010/main" xmlns="" w="9525">
                   <a:solidFill>
                     <a:srgbClr val="000000"/>
                   </a:solidFill>
@@ -5977,7 +7379,7 @@
             </a:ln>
             <a:extLst>
               <a:ext uri="{91240B29-F687-4f45-9708-019B960494DF}">
-                <a14:hiddenLine xmlns="" xmlns:a14="http://schemas.microsoft.com/office/drawing/2010/main" w="9525">
+                <a14:hiddenLine xmlns:a14="http://schemas.microsoft.com/office/drawing/2010/main" xmlns="" w="9525">
                   <a:solidFill>
                     <a:srgbClr val="000000"/>
                   </a:solidFill>
@@ -6097,7 +7499,7 @@
             </a:ln>
             <a:extLst>
               <a:ext uri="{91240B29-F687-4f45-9708-019B960494DF}">
-                <a14:hiddenLine xmlns="" xmlns:a14="http://schemas.microsoft.com/office/drawing/2010/main" w="9525">
+                <a14:hiddenLine xmlns:a14="http://schemas.microsoft.com/office/drawing/2010/main" xmlns="" w="9525">
                   <a:solidFill>
                     <a:srgbClr val="000000"/>
                   </a:solidFill>
@@ -6165,7 +7567,7 @@
             </a:ln>
             <a:extLst>
               <a:ext uri="{91240B29-F687-4f45-9708-019B960494DF}">
-                <a14:hiddenLine xmlns="" xmlns:a14="http://schemas.microsoft.com/office/drawing/2010/main" w="9525">
+                <a14:hiddenLine xmlns:a14="http://schemas.microsoft.com/office/drawing/2010/main" xmlns="" w="9525">
                   <a:solidFill>
                     <a:srgbClr val="000000"/>
                   </a:solidFill>
@@ -6255,7 +7657,7 @@
             </a:ln>
             <a:extLst>
               <a:ext uri="{91240B29-F687-4f45-9708-019B960494DF}">
-                <a14:hiddenLine xmlns="" xmlns:a14="http://schemas.microsoft.com/office/drawing/2010/main" w="9525">
+                <a14:hiddenLine xmlns:a14="http://schemas.microsoft.com/office/drawing/2010/main" xmlns="" w="9525">
                   <a:solidFill>
                     <a:srgbClr val="000000"/>
                   </a:solidFill>
@@ -6403,11 +7805,6 @@
             </a:lvl1pPr>
           </a:lstStyle>
           <a:p>
-            <a:fld id="{501833B6-5A7B-4024-81D2-47C87F14DD3D}" type="datetime1">
-              <a:rPr lang="en-US" smtClean="0"/>
-              <a:pPr/>
-              <a:t>2/1/2017</a:t>
-            </a:fld>
             <a:endParaRPr lang="en-US" dirty="0"/>
           </a:p>
         </p:txBody>
@@ -6684,10 +8081,6 @@
           <a:bodyPr/>
           <a:lstStyle/>
           <a:p>
-            <a:fld id="{4C918982-1745-4405-8FF8-1492996CA6AC}" type="datetime1">
-              <a:rPr lang="en-US" smtClean="0"/>
-              <a:t>2/1/2017</a:t>
-            </a:fld>
             <a:endParaRPr lang="en-US" dirty="0"/>
           </a:p>
         </p:txBody>
@@ -6884,10 +8277,6 @@
           <a:bodyPr/>
           <a:lstStyle/>
           <a:p>
-            <a:fld id="{14692BCF-EC4E-465D-AC1E-92C48ECAE4CC}" type="datetime1">
-              <a:rPr lang="en-US" smtClean="0"/>
-              <a:t>2/1/2017</a:t>
-            </a:fld>
             <a:endParaRPr lang="en-US" dirty="0"/>
           </a:p>
         </p:txBody>
@@ -7151,10 +8540,6 @@
           <a:bodyPr/>
           <a:lstStyle/>
           <a:p>
-            <a:fld id="{3A16F8BA-A6C9-4EE9-B76B-5DD3245E50CD}" type="datetime1">
-              <a:rPr lang="en-US" smtClean="0"/>
-              <a:t>2/1/2017</a:t>
-            </a:fld>
             <a:endParaRPr lang="en-US" dirty="0"/>
           </a:p>
         </p:txBody>
@@ -7589,10 +8974,6 @@
           <a:bodyPr/>
           <a:lstStyle/>
           <a:p>
-            <a:fld id="{78B59932-A267-46D4-837A-27683F654605}" type="datetime1">
-              <a:rPr lang="en-US" smtClean="0"/>
-              <a:t>2/1/2017</a:t>
-            </a:fld>
             <a:endParaRPr lang="en-US" dirty="0"/>
           </a:p>
         </p:txBody>
@@ -8139,10 +9520,6 @@
           <a:bodyPr/>
           <a:lstStyle/>
           <a:p>
-            <a:fld id="{C3098D94-8664-4CEB-BB2D-089CC09DA246}" type="datetime1">
-              <a:rPr lang="en-US" smtClean="0"/>
-              <a:t>2/1/2017</a:t>
-            </a:fld>
             <a:endParaRPr lang="en-US" dirty="0"/>
           </a:p>
         </p:txBody>
@@ -8863,10 +10240,6 @@
           <a:bodyPr/>
           <a:lstStyle/>
           <a:p>
-            <a:fld id="{E7BC225B-AE31-4064-B411-EEB8FBAE4E9D}" type="datetime1">
-              <a:rPr lang="en-US" smtClean="0"/>
-              <a:t>2/1/2017</a:t>
-            </a:fld>
             <a:endParaRPr lang="en-US" dirty="0"/>
           </a:p>
         </p:txBody>
@@ -9041,10 +10414,6 @@
           <a:bodyPr/>
           <a:lstStyle/>
           <a:p>
-            <a:fld id="{0A228A66-DB7F-4083-A7DB-10643C94E63B}" type="datetime1">
-              <a:rPr lang="en-US" smtClean="0"/>
-              <a:t>2/1/2017</a:t>
-            </a:fld>
             <a:endParaRPr lang="en-US" dirty="0"/>
           </a:p>
         </p:txBody>
@@ -9225,10 +10594,6 @@
           <a:bodyPr/>
           <a:lstStyle/>
           <a:p>
-            <a:fld id="{0F24B187-489F-43BB-AD42-4C147235D684}" type="datetime1">
-              <a:rPr lang="en-US" smtClean="0"/>
-              <a:t>2/1/2017</a:t>
-            </a:fld>
             <a:endParaRPr lang="en-US" dirty="0"/>
           </a:p>
         </p:txBody>
@@ -9413,10 +10778,6 @@
           <a:bodyPr/>
           <a:lstStyle/>
           <a:p>
-            <a:fld id="{ABA87A73-CC08-4D66-8BAC-66B2570C9A75}" type="datetime1">
-              <a:rPr lang="en-US" smtClean="0"/>
-              <a:t>2/1/2017</a:t>
-            </a:fld>
             <a:endParaRPr lang="en-US" dirty="0"/>
           </a:p>
         </p:txBody>
@@ -9447,9 +10808,10 @@
           </a:lstStyle>
           <a:p>
             <a:r>
-              <a:rPr lang="en-US" dirty="0"/>
+              <a:rPr lang="en-US"/>
               <a:t>Connected Factory</a:t>
             </a:r>
+            <a:endParaRPr lang="en-US" dirty="0"/>
           </a:p>
         </p:txBody>
       </p:sp>
@@ -9677,10 +11039,6 @@
           <a:bodyPr/>
           <a:lstStyle/>
           <a:p>
-            <a:fld id="{0826CE02-7410-449F-947B-CDD9925AF066}" type="datetime1">
-              <a:rPr lang="en-US" smtClean="0"/>
-              <a:t>2/1/2017</a:t>
-            </a:fld>
             <a:endParaRPr lang="en-US" dirty="0"/>
           </a:p>
         </p:txBody>
@@ -9913,10 +11271,6 @@
           <a:bodyPr/>
           <a:lstStyle/>
           <a:p>
-            <a:fld id="{5E19F53C-BED6-45C4-9471-1D9DB073BA02}" type="datetime1">
-              <a:rPr lang="en-US" smtClean="0"/>
-              <a:t>2/1/2017</a:t>
-            </a:fld>
             <a:endParaRPr lang="en-US" dirty="0"/>
           </a:p>
         </p:txBody>
@@ -10298,10 +11652,6 @@
           <a:bodyPr/>
           <a:lstStyle/>
           <a:p>
-            <a:fld id="{84A9B2D2-2BF2-4BF5-9EB6-3D75292259E0}" type="datetime1">
-              <a:rPr lang="en-US" smtClean="0"/>
-              <a:t>2/1/2017</a:t>
-            </a:fld>
             <a:endParaRPr lang="en-US" dirty="0"/>
           </a:p>
         </p:txBody>
@@ -10431,10 +11781,6 @@
           <a:bodyPr/>
           <a:lstStyle/>
           <a:p>
-            <a:fld id="{63ABA6BE-8FD6-4C0E-8A43-14A82E0036D6}" type="datetime1">
-              <a:rPr lang="en-US" smtClean="0"/>
-              <a:t>2/1/2017</a:t>
-            </a:fld>
             <a:endParaRPr lang="en-US" dirty="0"/>
           </a:p>
         </p:txBody>
@@ -10530,10 +11876,6 @@
           <a:bodyPr/>
           <a:lstStyle/>
           <a:p>
-            <a:fld id="{AD3C9549-3365-409B-B57E-FBDCC297CA3B}" type="datetime1">
-              <a:rPr lang="en-US" smtClean="0"/>
-              <a:t>2/1/2017</a:t>
-            </a:fld>
             <a:endParaRPr lang="en-US" dirty="0"/>
           </a:p>
         </p:txBody>
@@ -10783,10 +12125,6 @@
           <a:bodyPr/>
           <a:lstStyle/>
           <a:p>
-            <a:fld id="{9CB38E86-036B-44A2-95F2-6AA3B684E2AF}" type="datetime1">
-              <a:rPr lang="en-US" smtClean="0"/>
-              <a:t>2/1/2017</a:t>
-            </a:fld>
             <a:endParaRPr lang="en-US" dirty="0"/>
           </a:p>
         </p:txBody>
@@ -11039,10 +12377,6 @@
           <a:bodyPr/>
           <a:lstStyle/>
           <a:p>
-            <a:fld id="{CFE064FC-7B16-43C9-8ED9-300088FE31D9}" type="datetime1">
-              <a:rPr lang="en-US" smtClean="0"/>
-              <a:t>2/1/2017</a:t>
-            </a:fld>
             <a:endParaRPr lang="en-US" dirty="0"/>
           </a:p>
         </p:txBody>
@@ -11168,7 +12502,7 @@
           <a:noFill/>
           <a:extLst>
             <a:ext uri="{909E8E84-426E-40dd-AFC4-6F175D3DCCD1}">
-              <a14:hiddenFill xmlns="" xmlns:a14="http://schemas.microsoft.com/office/drawing/2010/main">
+              <a14:hiddenFill xmlns:a14="http://schemas.microsoft.com/office/drawing/2010/main" xmlns="">
                 <a:solidFill>
                   <a:srgbClr val="FFFFFF"/>
                 </a:solidFill>
@@ -11242,7 +12576,7 @@
               </a:ln>
               <a:extLst>
                 <a:ext uri="{91240B29-F687-4f45-9708-019B960494DF}">
-                  <a14:hiddenLine xmlns="" xmlns:a14="http://schemas.microsoft.com/office/drawing/2010/main" w="9525">
+                  <a14:hiddenLine xmlns:a14="http://schemas.microsoft.com/office/drawing/2010/main" xmlns="" w="9525">
                     <a:solidFill>
                       <a:srgbClr val="000000"/>
                     </a:solidFill>
@@ -11332,7 +12666,7 @@
               </a:ln>
               <a:extLst>
                 <a:ext uri="{91240B29-F687-4f45-9708-019B960494DF}">
-                  <a14:hiddenLine xmlns="" xmlns:a14="http://schemas.microsoft.com/office/drawing/2010/main" w="9525">
+                  <a14:hiddenLine xmlns:a14="http://schemas.microsoft.com/office/drawing/2010/main" xmlns="" w="9525">
                     <a:solidFill>
                       <a:srgbClr val="000000"/>
                     </a:solidFill>
@@ -11422,7 +12756,7 @@
               </a:ln>
               <a:extLst>
                 <a:ext uri="{91240B29-F687-4f45-9708-019B960494DF}">
-                  <a14:hiddenLine xmlns="" xmlns:a14="http://schemas.microsoft.com/office/drawing/2010/main" w="9525">
+                  <a14:hiddenLine xmlns:a14="http://schemas.microsoft.com/office/drawing/2010/main" xmlns="" w="9525">
                     <a:solidFill>
                       <a:srgbClr val="000000"/>
                     </a:solidFill>
@@ -11484,7 +12818,7 @@
               </a:ln>
               <a:extLst>
                 <a:ext uri="{91240B29-F687-4f45-9708-019B960494DF}">
-                  <a14:hiddenLine xmlns="" xmlns:a14="http://schemas.microsoft.com/office/drawing/2010/main" w="9525">
+                  <a14:hiddenLine xmlns:a14="http://schemas.microsoft.com/office/drawing/2010/main" xmlns="" w="9525">
                     <a:solidFill>
                       <a:srgbClr val="000000"/>
                     </a:solidFill>
@@ -11574,7 +12908,7 @@
               </a:ln>
               <a:extLst>
                 <a:ext uri="{91240B29-F687-4f45-9708-019B960494DF}">
-                  <a14:hiddenLine xmlns="" xmlns:a14="http://schemas.microsoft.com/office/drawing/2010/main" w="9525">
+                  <a14:hiddenLine xmlns:a14="http://schemas.microsoft.com/office/drawing/2010/main" xmlns="" w="9525">
                     <a:solidFill>
                       <a:srgbClr val="000000"/>
                     </a:solidFill>
@@ -11636,7 +12970,7 @@
               </a:ln>
               <a:extLst>
                 <a:ext uri="{91240B29-F687-4f45-9708-019B960494DF}">
-                  <a14:hiddenLine xmlns="" xmlns:a14="http://schemas.microsoft.com/office/drawing/2010/main" w="9525">
+                  <a14:hiddenLine xmlns:a14="http://schemas.microsoft.com/office/drawing/2010/main" xmlns="" w="9525">
                     <a:solidFill>
                       <a:srgbClr val="000000"/>
                     </a:solidFill>
@@ -11698,7 +13032,7 @@
               </a:ln>
               <a:extLst>
                 <a:ext uri="{91240B29-F687-4f45-9708-019B960494DF}">
-                  <a14:hiddenLine xmlns="" xmlns:a14="http://schemas.microsoft.com/office/drawing/2010/main" w="9525">
+                  <a14:hiddenLine xmlns:a14="http://schemas.microsoft.com/office/drawing/2010/main" xmlns="" w="9525">
                     <a:solidFill>
                       <a:srgbClr val="000000"/>
                     </a:solidFill>
@@ -11788,7 +13122,7 @@
               </a:ln>
               <a:extLst>
                 <a:ext uri="{91240B29-F687-4f45-9708-019B960494DF}">
-                  <a14:hiddenLine xmlns="" xmlns:a14="http://schemas.microsoft.com/office/drawing/2010/main" w="9525">
+                  <a14:hiddenLine xmlns:a14="http://schemas.microsoft.com/office/drawing/2010/main" xmlns="" w="9525">
                     <a:solidFill>
                       <a:srgbClr val="000000"/>
                     </a:solidFill>
@@ -11878,7 +13212,7 @@
               </a:ln>
               <a:extLst>
                 <a:ext uri="{91240B29-F687-4f45-9708-019B960494DF}">
-                  <a14:hiddenLine xmlns="" xmlns:a14="http://schemas.microsoft.com/office/drawing/2010/main" w="9525">
+                  <a14:hiddenLine xmlns:a14="http://schemas.microsoft.com/office/drawing/2010/main" xmlns="" w="9525">
                     <a:solidFill>
                       <a:srgbClr val="000000"/>
                     </a:solidFill>
@@ -11940,7 +13274,7 @@
               </a:ln>
               <a:extLst>
                 <a:ext uri="{91240B29-F687-4f45-9708-019B960494DF}">
-                  <a14:hiddenLine xmlns="" xmlns:a14="http://schemas.microsoft.com/office/drawing/2010/main" w="9525">
+                  <a14:hiddenLine xmlns:a14="http://schemas.microsoft.com/office/drawing/2010/main" xmlns="" w="9525">
                     <a:solidFill>
                       <a:srgbClr val="000000"/>
                     </a:solidFill>
@@ -12050,7 +13384,7 @@
               </a:ln>
               <a:extLst>
                 <a:ext uri="{91240B29-F687-4f45-9708-019B960494DF}">
-                  <a14:hiddenLine xmlns="" xmlns:a14="http://schemas.microsoft.com/office/drawing/2010/main" w="9525">
+                  <a14:hiddenLine xmlns:a14="http://schemas.microsoft.com/office/drawing/2010/main" xmlns="" w="9525">
                     <a:solidFill>
                       <a:srgbClr val="000000"/>
                     </a:solidFill>
@@ -12134,7 +13468,7 @@
               </a:ln>
               <a:extLst>
                 <a:ext uri="{91240B29-F687-4f45-9708-019B960494DF}">
-                  <a14:hiddenLine xmlns="" xmlns:a14="http://schemas.microsoft.com/office/drawing/2010/main" w="9525">
+                  <a14:hiddenLine xmlns:a14="http://schemas.microsoft.com/office/drawing/2010/main" xmlns="" w="9525">
                     <a:solidFill>
                       <a:srgbClr val="000000"/>
                     </a:solidFill>
@@ -12196,7 +13530,7 @@
               </a:ln>
               <a:extLst>
                 <a:ext uri="{91240B29-F687-4f45-9708-019B960494DF}">
-                  <a14:hiddenLine xmlns="" xmlns:a14="http://schemas.microsoft.com/office/drawing/2010/main" w="9525">
+                  <a14:hiddenLine xmlns:a14="http://schemas.microsoft.com/office/drawing/2010/main" xmlns="" w="9525">
                     <a:solidFill>
                       <a:srgbClr val="000000"/>
                     </a:solidFill>
@@ -12258,7 +13592,7 @@
               </a:ln>
               <a:extLst>
                 <a:ext uri="{91240B29-F687-4f45-9708-019B960494DF}">
-                  <a14:hiddenLine xmlns="" xmlns:a14="http://schemas.microsoft.com/office/drawing/2010/main" w="9525">
+                  <a14:hiddenLine xmlns:a14="http://schemas.microsoft.com/office/drawing/2010/main" xmlns="" w="9525">
                     <a:solidFill>
                       <a:srgbClr val="000000"/>
                     </a:solidFill>
@@ -12348,7 +13682,7 @@
               </a:ln>
               <a:extLst>
                 <a:ext uri="{91240B29-F687-4f45-9708-019B960494DF}">
-                  <a14:hiddenLine xmlns="" xmlns:a14="http://schemas.microsoft.com/office/drawing/2010/main" w="9525">
+                  <a14:hiddenLine xmlns:a14="http://schemas.microsoft.com/office/drawing/2010/main" xmlns="" w="9525">
                     <a:solidFill>
                       <a:srgbClr val="000000"/>
                     </a:solidFill>
@@ -12382,7 +13716,7 @@
               </a:ln>
               <a:extLst>
                 <a:ext uri="{91240B29-F687-4f45-9708-019B960494DF}">
-                  <a14:hiddenLine xmlns="" xmlns:a14="http://schemas.microsoft.com/office/drawing/2010/main" w="9525">
+                  <a14:hiddenLine xmlns:a14="http://schemas.microsoft.com/office/drawing/2010/main" xmlns="" w="9525">
                     <a:solidFill>
                       <a:srgbClr val="000000"/>
                     </a:solidFill>
@@ -12447,7 +13781,7 @@
               </a:ln>
               <a:extLst>
                 <a:ext uri="{91240B29-F687-4f45-9708-019B960494DF}">
-                  <a14:hiddenLine xmlns="" xmlns:a14="http://schemas.microsoft.com/office/drawing/2010/main" w="9525">
+                  <a14:hiddenLine xmlns:a14="http://schemas.microsoft.com/office/drawing/2010/main" xmlns="" w="9525">
                     <a:solidFill>
                       <a:srgbClr val="000000"/>
                     </a:solidFill>
@@ -12537,7 +13871,7 @@
               </a:ln>
               <a:extLst>
                 <a:ext uri="{91240B29-F687-4f45-9708-019B960494DF}">
-                  <a14:hiddenLine xmlns="" xmlns:a14="http://schemas.microsoft.com/office/drawing/2010/main" w="9525">
+                  <a14:hiddenLine xmlns:a14="http://schemas.microsoft.com/office/drawing/2010/main" xmlns="" w="9525">
                     <a:solidFill>
                       <a:srgbClr val="000000"/>
                     </a:solidFill>
@@ -12599,7 +13933,7 @@
               </a:ln>
               <a:extLst>
                 <a:ext uri="{91240B29-F687-4f45-9708-019B960494DF}">
-                  <a14:hiddenLine xmlns="" xmlns:a14="http://schemas.microsoft.com/office/drawing/2010/main" w="9525">
+                  <a14:hiddenLine xmlns:a14="http://schemas.microsoft.com/office/drawing/2010/main" xmlns="" w="9525">
                     <a:solidFill>
                       <a:srgbClr val="000000"/>
                     </a:solidFill>
@@ -12689,7 +14023,7 @@
               </a:ln>
               <a:extLst>
                 <a:ext uri="{91240B29-F687-4f45-9708-019B960494DF}">
-                  <a14:hiddenLine xmlns="" xmlns:a14="http://schemas.microsoft.com/office/drawing/2010/main" w="9525">
+                  <a14:hiddenLine xmlns:a14="http://schemas.microsoft.com/office/drawing/2010/main" xmlns="" w="9525">
                     <a:solidFill>
                       <a:srgbClr val="000000"/>
                     </a:solidFill>
@@ -12754,7 +14088,7 @@
               </a:ln>
               <a:extLst>
                 <a:ext uri="{91240B29-F687-4f45-9708-019B960494DF}">
-                  <a14:hiddenLine xmlns="" xmlns:a14="http://schemas.microsoft.com/office/drawing/2010/main" w="9525">
+                  <a14:hiddenLine xmlns:a14="http://schemas.microsoft.com/office/drawing/2010/main" xmlns="" w="9525">
                     <a:solidFill>
                       <a:srgbClr val="000000"/>
                     </a:solidFill>
@@ -12816,7 +14150,7 @@
               </a:ln>
               <a:extLst>
                 <a:ext uri="{91240B29-F687-4f45-9708-019B960494DF}">
-                  <a14:hiddenLine xmlns="" xmlns:a14="http://schemas.microsoft.com/office/drawing/2010/main" w="9525">
+                  <a14:hiddenLine xmlns:a14="http://schemas.microsoft.com/office/drawing/2010/main" xmlns="" w="9525">
                     <a:solidFill>
                       <a:srgbClr val="000000"/>
                     </a:solidFill>
@@ -12906,7 +14240,7 @@
               </a:ln>
               <a:extLst>
                 <a:ext uri="{91240B29-F687-4f45-9708-019B960494DF}">
-                  <a14:hiddenLine xmlns="" xmlns:a14="http://schemas.microsoft.com/office/drawing/2010/main" w="9525">
+                  <a14:hiddenLine xmlns:a14="http://schemas.microsoft.com/office/drawing/2010/main" xmlns="" w="9525">
                     <a:solidFill>
                       <a:srgbClr val="000000"/>
                     </a:solidFill>
@@ -12996,7 +14330,7 @@
               </a:ln>
               <a:extLst>
                 <a:ext uri="{91240B29-F687-4f45-9708-019B960494DF}">
-                  <a14:hiddenLine xmlns="" xmlns:a14="http://schemas.microsoft.com/office/drawing/2010/main" w="9525">
+                  <a14:hiddenLine xmlns:a14="http://schemas.microsoft.com/office/drawing/2010/main" xmlns="" w="9525">
                     <a:solidFill>
                       <a:srgbClr val="000000"/>
                     </a:solidFill>
@@ -13061,7 +14395,7 @@
               </a:ln>
               <a:extLst>
                 <a:ext uri="{91240B29-F687-4f45-9708-019B960494DF}">
-                  <a14:hiddenLine xmlns="" xmlns:a14="http://schemas.microsoft.com/office/drawing/2010/main" w="9525">
+                  <a14:hiddenLine xmlns:a14="http://schemas.microsoft.com/office/drawing/2010/main" xmlns="" w="9525">
                     <a:solidFill>
                       <a:srgbClr val="000000"/>
                     </a:solidFill>
@@ -13181,7 +14515,7 @@
               </a:ln>
               <a:extLst>
                 <a:ext uri="{91240B29-F687-4f45-9708-019B960494DF}">
-                  <a14:hiddenLine xmlns="" xmlns:a14="http://schemas.microsoft.com/office/drawing/2010/main" w="9525">
+                  <a14:hiddenLine xmlns:a14="http://schemas.microsoft.com/office/drawing/2010/main" xmlns="" w="9525">
                     <a:solidFill>
                       <a:srgbClr val="000000"/>
                     </a:solidFill>
@@ -13262,7 +14596,7 @@
               </a:ln>
               <a:extLst>
                 <a:ext uri="{91240B29-F687-4f45-9708-019B960494DF}">
-                  <a14:hiddenLine xmlns="" xmlns:a14="http://schemas.microsoft.com/office/drawing/2010/main" w="9525">
+                  <a14:hiddenLine xmlns:a14="http://schemas.microsoft.com/office/drawing/2010/main" xmlns="" w="9525">
                     <a:solidFill>
                       <a:srgbClr val="000000"/>
                     </a:solidFill>
@@ -13377,7 +14711,7 @@
               </a:ln>
               <a:extLst>
                 <a:ext uri="{91240B29-F687-4f45-9708-019B960494DF}">
-                  <a14:hiddenLine xmlns="" xmlns:a14="http://schemas.microsoft.com/office/drawing/2010/main" w="9525">
+                  <a14:hiddenLine xmlns:a14="http://schemas.microsoft.com/office/drawing/2010/main" xmlns="" w="9525">
                     <a:solidFill>
                       <a:srgbClr val="000000"/>
                     </a:solidFill>
@@ -13467,7 +14801,7 @@
               </a:ln>
               <a:extLst>
                 <a:ext uri="{91240B29-F687-4f45-9708-019B960494DF}">
-                  <a14:hiddenLine xmlns="" xmlns:a14="http://schemas.microsoft.com/office/drawing/2010/main" w="9525">
+                  <a14:hiddenLine xmlns:a14="http://schemas.microsoft.com/office/drawing/2010/main" xmlns="" w="9525">
                     <a:solidFill>
                       <a:srgbClr val="000000"/>
                     </a:solidFill>
@@ -13532,7 +14866,7 @@
               </a:ln>
               <a:extLst>
                 <a:ext uri="{91240B29-F687-4f45-9708-019B960494DF}">
-                  <a14:hiddenLine xmlns="" xmlns:a14="http://schemas.microsoft.com/office/drawing/2010/main" w="9525">
+                  <a14:hiddenLine xmlns:a14="http://schemas.microsoft.com/office/drawing/2010/main" xmlns="" w="9525">
                     <a:solidFill>
                       <a:srgbClr val="000000"/>
                     </a:solidFill>
@@ -13622,7 +14956,7 @@
               </a:ln>
               <a:extLst>
                 <a:ext uri="{91240B29-F687-4f45-9708-019B960494DF}">
-                  <a14:hiddenLine xmlns="" xmlns:a14="http://schemas.microsoft.com/office/drawing/2010/main" w="9525">
+                  <a14:hiddenLine xmlns:a14="http://schemas.microsoft.com/office/drawing/2010/main" xmlns="" w="9525">
                     <a:solidFill>
                       <a:srgbClr val="000000"/>
                     </a:solidFill>
@@ -13690,7 +15024,7 @@
               </a:ln>
               <a:extLst>
                 <a:ext uri="{91240B29-F687-4f45-9708-019B960494DF}">
-                  <a14:hiddenLine xmlns="" xmlns:a14="http://schemas.microsoft.com/office/drawing/2010/main" w="9525">
+                  <a14:hiddenLine xmlns:a14="http://schemas.microsoft.com/office/drawing/2010/main" xmlns="" w="9525">
                     <a:solidFill>
                       <a:srgbClr val="000000"/>
                     </a:solidFill>
@@ -13780,7 +15114,7 @@
               </a:ln>
               <a:extLst>
                 <a:ext uri="{91240B29-F687-4f45-9708-019B960494DF}">
-                  <a14:hiddenLine xmlns="" xmlns:a14="http://schemas.microsoft.com/office/drawing/2010/main" w="9525">
+                  <a14:hiddenLine xmlns:a14="http://schemas.microsoft.com/office/drawing/2010/main" xmlns="" w="9525">
                     <a:solidFill>
                       <a:srgbClr val="000000"/>
                     </a:solidFill>
@@ -13848,7 +15182,7 @@
               </a:ln>
               <a:extLst>
                 <a:ext uri="{91240B29-F687-4f45-9708-019B960494DF}">
-                  <a14:hiddenLine xmlns="" xmlns:a14="http://schemas.microsoft.com/office/drawing/2010/main" w="9525">
+                  <a14:hiddenLine xmlns:a14="http://schemas.microsoft.com/office/drawing/2010/main" xmlns="" w="9525">
                     <a:solidFill>
                       <a:srgbClr val="000000"/>
                     </a:solidFill>
@@ -13938,7 +15272,7 @@
               </a:ln>
               <a:extLst>
                 <a:ext uri="{91240B29-F687-4f45-9708-019B960494DF}">
-                  <a14:hiddenLine xmlns="" xmlns:a14="http://schemas.microsoft.com/office/drawing/2010/main" w="9525">
+                  <a14:hiddenLine xmlns:a14="http://schemas.microsoft.com/office/drawing/2010/main" xmlns="" w="9525">
                     <a:solidFill>
                       <a:srgbClr val="000000"/>
                     </a:solidFill>
@@ -13972,7 +15306,7 @@
               </a:ln>
               <a:extLst>
                 <a:ext uri="{91240B29-F687-4f45-9708-019B960494DF}">
-                  <a14:hiddenLine xmlns="" xmlns:a14="http://schemas.microsoft.com/office/drawing/2010/main" w="9525">
+                  <a14:hiddenLine xmlns:a14="http://schemas.microsoft.com/office/drawing/2010/main" xmlns="" w="9525">
                     <a:solidFill>
                       <a:srgbClr val="000000"/>
                     </a:solidFill>
@@ -14110,10 +15444,6 @@
             </a:lvl1pPr>
           </a:lstStyle>
           <a:p>
-            <a:fld id="{51AC9BEF-F16E-48FF-BE02-ECC7D8359562}" type="datetime1">
-              <a:rPr lang="en-US" smtClean="0"/>
-              <a:t>2/1/2017</a:t>
-            </a:fld>
             <a:endParaRPr lang="en-US" dirty="0"/>
           </a:p>
         </p:txBody>
@@ -14228,7 +15558,7 @@
     <p:sldLayoutId id="2147483685" r:id="rId16"/>
     <p:sldLayoutId id="2147483686" r:id="rId17"/>
   </p:sldLayoutIdLst>
-  <p:hf hdr="0" dt="0"/>
+  <p:hf sldNum="0" hdr="0" ftr="0" dt="0"/>
   <p:txStyles>
     <p:titleStyle>
       <a:lvl1pPr algn="l" defTabSz="914400" rtl="0" eaLnBrk="1" latinLnBrk="0" hangingPunct="1">
@@ -14604,65 +15934,14 @@
         </p:blipFill>
         <p:spPr>
           <a:xfrm>
-            <a:off x="6012086" y="697391"/>
-            <a:ext cx="2481833" cy="424972"/>
+            <a:off x="5496148" y="0"/>
+            <a:ext cx="3647852" cy="624633"/>
           </a:xfrm>
           <a:prstGeom prst="rect">
             <a:avLst/>
           </a:prstGeom>
         </p:spPr>
       </p:pic>
-      <p:sp>
-        <p:nvSpPr>
-          <p:cNvPr id="5" name="Espace réservé du pied de page 4"/>
-          <p:cNvSpPr>
-            <a:spLocks noGrp="1"/>
-          </p:cNvSpPr>
-          <p:nvPr>
-            <p:ph type="ftr" sz="quarter" idx="11"/>
-          </p:nvPr>
-        </p:nvSpPr>
-        <p:spPr/>
-        <p:txBody>
-          <a:bodyPr/>
-          <a:lstStyle/>
-          <a:p>
-            <a:r>
-              <a:rPr lang="en-US" dirty="0">
-                <a:solidFill>
-                  <a:schemeClr val="tx1">
-                    <a:lumMod val="85000"/>
-                  </a:schemeClr>
-                </a:solidFill>
-              </a:rPr>
-              <a:t>Connected Factory</a:t>
-            </a:r>
-          </a:p>
-        </p:txBody>
-      </p:sp>
-      <p:sp>
-        <p:nvSpPr>
-          <p:cNvPr id="6" name="Espace réservé du numéro de diapositive 5"/>
-          <p:cNvSpPr>
-            <a:spLocks noGrp="1"/>
-          </p:cNvSpPr>
-          <p:nvPr>
-            <p:ph type="sldNum" sz="quarter" idx="12"/>
-          </p:nvPr>
-        </p:nvSpPr>
-        <p:spPr/>
-        <p:txBody>
-          <a:bodyPr/>
-          <a:lstStyle/>
-          <a:p>
-            <a:fld id="{6D22F896-40B5-4ADD-8801-0D06FADFA095}" type="slidenum">
-              <a:rPr lang="en-US" smtClean="0"/>
-              <a:t>1</a:t>
-            </a:fld>
-            <a:endParaRPr lang="en-US" dirty="0"/>
-          </a:p>
-        </p:txBody>
-      </p:sp>
     </p:spTree>
     <p:extLst>
       <p:ext uri="{BB962C8B-B14F-4D97-AF65-F5344CB8AC3E}">
@@ -14693,118 +15972,9 @@
           <a:chExt cx="0" cy="0"/>
         </a:xfrm>
       </p:grpSpPr>
-      <p:sp>
-        <p:nvSpPr>
-          <p:cNvPr id="3" name="Titre 2"/>
-          <p:cNvSpPr>
-            <a:spLocks noGrp="1"/>
-          </p:cNvSpPr>
-          <p:nvPr>
-            <p:ph type="title"/>
-          </p:nvPr>
-        </p:nvSpPr>
-        <p:spPr/>
-        <p:txBody>
-          <a:bodyPr/>
-          <a:lstStyle/>
-          <a:p>
-            <a:r>
-              <a:rPr lang="fr-CH" dirty="0"/>
-              <a:t>Vue d’ensemble</a:t>
-            </a:r>
-          </a:p>
-        </p:txBody>
-      </p:sp>
-      <p:sp>
-        <p:nvSpPr>
-          <p:cNvPr id="4" name="Espace réservé du contenu 3"/>
-          <p:cNvSpPr>
-            <a:spLocks noGrp="1"/>
-          </p:cNvSpPr>
-          <p:nvPr>
-            <p:ph idx="1"/>
-          </p:nvPr>
-        </p:nvSpPr>
-        <p:spPr>
-          <a:xfrm>
-            <a:off x="856060" y="2249487"/>
-            <a:ext cx="7429499" cy="1573366"/>
-          </a:xfrm>
-        </p:spPr>
-        <p:txBody>
-          <a:bodyPr/>
-          <a:lstStyle/>
-          <a:p>
-            <a:r>
-              <a:rPr lang="fr-CH" dirty="0"/>
-              <a:t>Spécification</a:t>
-            </a:r>
-          </a:p>
-          <a:p>
-            <a:pPr lvl="1"/>
-            <a:r>
-              <a:rPr lang="fr-CH" dirty="0"/>
-              <a:t>ensemble explicite d'exigences à satisfaire</a:t>
-            </a:r>
-          </a:p>
-          <a:p>
-            <a:r>
-              <a:rPr lang="fr-CH" dirty="0"/>
-              <a:t>Succède à OPC</a:t>
-            </a:r>
-          </a:p>
-        </p:txBody>
-      </p:sp>
-      <p:sp>
-        <p:nvSpPr>
-          <p:cNvPr id="5" name="Espace réservé du pied de page 4"/>
-          <p:cNvSpPr>
-            <a:spLocks noGrp="1"/>
-          </p:cNvSpPr>
-          <p:nvPr>
-            <p:ph type="ftr" sz="quarter" idx="11"/>
-          </p:nvPr>
-        </p:nvSpPr>
-        <p:spPr/>
-        <p:txBody>
-          <a:bodyPr/>
-          <a:lstStyle/>
-          <a:p>
-            <a:r>
-              <a:rPr lang="en-US"/>
-              <a:t>Connected Factory</a:t>
-            </a:r>
-            <a:endParaRPr lang="en-US" dirty="0"/>
-          </a:p>
-        </p:txBody>
-      </p:sp>
-      <p:sp>
-        <p:nvSpPr>
-          <p:cNvPr id="6" name="Espace réservé du numéro de diapositive 5"/>
-          <p:cNvSpPr>
-            <a:spLocks noGrp="1"/>
-          </p:cNvSpPr>
-          <p:nvPr>
-            <p:ph type="sldNum" sz="quarter" idx="12"/>
-          </p:nvPr>
-        </p:nvSpPr>
-        <p:spPr/>
-        <p:txBody>
-          <a:bodyPr/>
-          <a:lstStyle/>
-          <a:p>
-            <a:fld id="{6D22F896-40B5-4ADD-8801-0D06FADFA095}" type="slidenum">
-              <a:rPr lang="en-US" smtClean="0"/>
-              <a:pPr/>
-              <a:t>10</a:t>
-            </a:fld>
-            <a:endParaRPr lang="en-US" dirty="0"/>
-          </a:p>
-        </p:txBody>
-      </p:sp>
       <p:pic>
         <p:nvPicPr>
-          <p:cNvPr id="7" name="Image 6"/>
+          <p:cNvPr id="6" name="Image 5"/>
           <p:cNvPicPr>
             <a:picLocks noChangeAspect="1"/>
           </p:cNvPicPr>
@@ -14818,56 +15988,8 @@
         </p:blipFill>
         <p:spPr>
           <a:xfrm>
-            <a:off x="658964" y="3933423"/>
-            <a:ext cx="3562350" cy="1171575"/>
-          </a:xfrm>
-          <a:prstGeom prst="rect">
-            <a:avLst/>
-          </a:prstGeom>
-        </p:spPr>
-      </p:pic>
-      <p:pic>
-        <p:nvPicPr>
-          <p:cNvPr id="9" name="Image 8"/>
-          <p:cNvPicPr>
-            <a:picLocks noChangeAspect="1"/>
-          </p:cNvPicPr>
-          <p:nvPr/>
-        </p:nvPicPr>
-        <p:blipFill>
-          <a:blip r:embed="rId4"/>
-          <a:stretch>
-            <a:fillRect/>
-          </a:stretch>
-        </p:blipFill>
-        <p:spPr>
-          <a:xfrm>
-            <a:off x="5675708" y="4000097"/>
-            <a:ext cx="2609850" cy="1038225"/>
-          </a:xfrm>
-          <a:prstGeom prst="rect">
-            <a:avLst/>
-          </a:prstGeom>
-        </p:spPr>
-      </p:pic>
-      <p:pic>
-        <p:nvPicPr>
-          <p:cNvPr id="10" name="Image 9"/>
-          <p:cNvPicPr>
-            <a:picLocks noChangeAspect="1"/>
-          </p:cNvPicPr>
-          <p:nvPr/>
-        </p:nvPicPr>
-        <p:blipFill>
-          <a:blip r:embed="rId5"/>
-          <a:stretch>
-            <a:fillRect/>
-          </a:stretch>
-        </p:blipFill>
-        <p:spPr>
-          <a:xfrm>
-            <a:off x="4181510" y="3551256"/>
-            <a:ext cx="1534003" cy="1534003"/>
+            <a:off x="1186821" y="911646"/>
+            <a:ext cx="6770358" cy="5034708"/>
           </a:xfrm>
           <a:prstGeom prst="rect">
             <a:avLst/>
@@ -14877,7 +15999,7 @@
     </p:spTree>
     <p:extLst>
       <p:ext uri="{BB962C8B-B14F-4D97-AF65-F5344CB8AC3E}">
-        <p14:creationId xmlns:p14="http://schemas.microsoft.com/office/powerpoint/2010/main" val="930634986"/>
+        <p14:creationId xmlns:p14="http://schemas.microsoft.com/office/powerpoint/2010/main" val="4153433904"/>
       </p:ext>
     </p:extLst>
   </p:cSld>
@@ -14896,6 +16018,9 @@
                     <p:cTn id="3" fill="hold">
                       <p:stCondLst>
                         <p:cond delay="indefinite"/>
+                        <p:cond evt="onBegin" delay="0">
+                          <p:tn val="2"/>
+                        </p:cond>
                       </p:stCondLst>
                       <p:childTnLst>
                         <p:par>
@@ -14905,7 +16030,7 @@
                             </p:stCondLst>
                             <p:childTnLst>
                               <p:par>
-                                <p:cTn id="5" presetID="1" presetClass="entr" presetSubtype="0" fill="hold" nodeType="clickEffect">
+                                <p:cTn id="5" presetID="10" presetClass="entr" presetSubtype="0" fill="hold" nodeType="withEffect">
                                   <p:stCondLst>
                                     <p:cond delay="0"/>
                                   </p:stCondLst>
@@ -14918,7 +16043,7 @@
                                           </p:stCondLst>
                                         </p:cTn>
                                         <p:tgtEl>
-                                          <p:spTgt spid="7"/>
+                                          <p:spTgt spid="6"/>
                                         </p:tgtEl>
                                         <p:attrNameLst>
                                           <p:attrName>style.visibility</p:attrName>
@@ -14928,60 +16053,14 @@
                                         <p:strVal val="visible"/>
                                       </p:to>
                                     </p:set>
-                                  </p:childTnLst>
-                                </p:cTn>
-                              </p:par>
-                              <p:par>
-                                <p:cTn id="7" presetID="1" presetClass="entr" presetSubtype="0" fill="hold" nodeType="withEffect">
-                                  <p:stCondLst>
-                                    <p:cond delay="0"/>
-                                  </p:stCondLst>
-                                  <p:childTnLst>
-                                    <p:set>
+                                    <p:animEffect transition="in" filter="fade">
                                       <p:cBhvr>
-                                        <p:cTn id="8" dur="1" fill="hold">
-                                          <p:stCondLst>
-                                            <p:cond delay="0"/>
-                                          </p:stCondLst>
-                                        </p:cTn>
+                                        <p:cTn id="7" dur="500"/>
                                         <p:tgtEl>
-                                          <p:spTgt spid="9"/>
+                                          <p:spTgt spid="6"/>
                                         </p:tgtEl>
-                                        <p:attrNameLst>
-                                          <p:attrName>style.visibility</p:attrName>
-                                        </p:attrNameLst>
                                       </p:cBhvr>
-                                      <p:to>
-                                        <p:strVal val="visible"/>
-                                      </p:to>
-                                    </p:set>
-                                  </p:childTnLst>
-                                </p:cTn>
-                              </p:par>
-                              <p:par>
-                                <p:cTn id="9" presetID="1" presetClass="entr" presetSubtype="0" fill="hold" nodeType="withEffect">
-                                  <p:stCondLst>
-                                    <p:cond delay="0"/>
-                                  </p:stCondLst>
-                                  <p:childTnLst>
-                                    <p:set>
-                                      <p:cBhvr>
-                                        <p:cTn id="10" dur="1" fill="hold">
-                                          <p:stCondLst>
-                                            <p:cond delay="0"/>
-                                          </p:stCondLst>
-                                        </p:cTn>
-                                        <p:tgtEl>
-                                          <p:spTgt spid="10"/>
-                                        </p:tgtEl>
-                                        <p:attrNameLst>
-                                          <p:attrName>style.visibility</p:attrName>
-                                        </p:attrNameLst>
-                                      </p:cBhvr>
-                                      <p:to>
-                                        <p:strVal val="visible"/>
-                                      </p:to>
-                                    </p:set>
+                                    </p:animEffect>
                                   </p:childTnLst>
                                 </p:cTn>
                               </p:par>
@@ -15093,59 +16172,6 @@
               <a:t>Abonnement sur une donnée</a:t>
             </a:r>
           </a:p>
-          <a:p>
-            <a:r>
-              <a:rPr lang="fr-CH" dirty="0"/>
-              <a:t>Réponse en paquet de données</a:t>
-            </a:r>
-          </a:p>
-        </p:txBody>
-      </p:sp>
-      <p:sp>
-        <p:nvSpPr>
-          <p:cNvPr id="4" name="Espace réservé du pied de page 3"/>
-          <p:cNvSpPr>
-            <a:spLocks noGrp="1"/>
-          </p:cNvSpPr>
-          <p:nvPr>
-            <p:ph type="ftr" sz="quarter" idx="11"/>
-          </p:nvPr>
-        </p:nvSpPr>
-        <p:spPr/>
-        <p:txBody>
-          <a:bodyPr/>
-          <a:lstStyle/>
-          <a:p>
-            <a:r>
-              <a:rPr lang="en-US"/>
-              <a:t>Connected Factory</a:t>
-            </a:r>
-            <a:endParaRPr lang="en-US" dirty="0"/>
-          </a:p>
-        </p:txBody>
-      </p:sp>
-      <p:sp>
-        <p:nvSpPr>
-          <p:cNvPr id="5" name="Espace réservé du numéro de diapositive 4"/>
-          <p:cNvSpPr>
-            <a:spLocks noGrp="1"/>
-          </p:cNvSpPr>
-          <p:nvPr>
-            <p:ph type="sldNum" sz="quarter" idx="12"/>
-          </p:nvPr>
-        </p:nvSpPr>
-        <p:spPr/>
-        <p:txBody>
-          <a:bodyPr/>
-          <a:lstStyle/>
-          <a:p>
-            <a:fld id="{6D22F896-40B5-4ADD-8801-0D06FADFA095}" type="slidenum">
-              <a:rPr lang="en-US" smtClean="0"/>
-              <a:pPr/>
-              <a:t>11</a:t>
-            </a:fld>
-            <a:endParaRPr lang="en-US" dirty="0"/>
-          </a:p>
         </p:txBody>
       </p:sp>
     </p:spTree>
@@ -15202,12 +16228,12 @@
       </p:sp>
       <p:sp>
         <p:nvSpPr>
-          <p:cNvPr id="4" name="Espace réservé du pied de page 3"/>
+          <p:cNvPr id="6" name="Espace réservé du contenu 5"/>
           <p:cNvSpPr>
             <a:spLocks noGrp="1"/>
           </p:cNvSpPr>
           <p:nvPr>
-            <p:ph type="ftr" sz="quarter" idx="11"/>
+            <p:ph idx="1"/>
           </p:nvPr>
         </p:nvSpPr>
         <p:spPr/>
@@ -15216,53 +16242,6 @@
           <a:lstStyle/>
           <a:p>
             <a:r>
-              <a:rPr lang="en-US"/>
-              <a:t>Connected Factory</a:t>
-            </a:r>
-            <a:endParaRPr lang="en-US" dirty="0"/>
-          </a:p>
-        </p:txBody>
-      </p:sp>
-      <p:sp>
-        <p:nvSpPr>
-          <p:cNvPr id="5" name="Espace réservé du numéro de diapositive 4"/>
-          <p:cNvSpPr>
-            <a:spLocks noGrp="1"/>
-          </p:cNvSpPr>
-          <p:nvPr>
-            <p:ph type="sldNum" sz="quarter" idx="12"/>
-          </p:nvPr>
-        </p:nvSpPr>
-        <p:spPr/>
-        <p:txBody>
-          <a:bodyPr/>
-          <a:lstStyle/>
-          <a:p>
-            <a:fld id="{6D22F896-40B5-4ADD-8801-0D06FADFA095}" type="slidenum">
-              <a:rPr lang="en-US" smtClean="0"/>
-              <a:pPr/>
-              <a:t>12</a:t>
-            </a:fld>
-            <a:endParaRPr lang="en-US" dirty="0"/>
-          </a:p>
-        </p:txBody>
-      </p:sp>
-      <p:sp>
-        <p:nvSpPr>
-          <p:cNvPr id="6" name="Espace réservé du contenu 5"/>
-          <p:cNvSpPr>
-            <a:spLocks noGrp="1"/>
-          </p:cNvSpPr>
-          <p:nvPr>
-            <p:ph idx="1"/>
-          </p:nvPr>
-        </p:nvSpPr>
-        <p:spPr/>
-        <p:txBody>
-          <a:bodyPr/>
-          <a:lstStyle/>
-          <a:p>
-            <a:r>
               <a:rPr lang="fr-CH" dirty="0"/>
               <a:t>Indépendance</a:t>
             </a:r>
@@ -15278,9 +16257,6 @@
               <a:rPr lang="fr-CH" dirty="0"/>
               <a:t>Sécurité</a:t>
             </a:r>
-          </a:p>
-          <a:p>
-            <a:endParaRPr lang="fr-CH" dirty="0"/>
           </a:p>
         </p:txBody>
       </p:sp>
@@ -15293,7 +16269,7 @@
           <p:nvPr/>
         </p:nvPicPr>
         <p:blipFill>
-          <a:blip r:embed="rId2"/>
+          <a:blip r:embed="rId3"/>
           <a:stretch>
             <a:fillRect/>
           </a:stretch>
@@ -15317,7 +16293,7 @@
           <p:nvPr/>
         </p:nvPicPr>
         <p:blipFill>
-          <a:blip r:embed="rId3"/>
+          <a:blip r:embed="rId4"/>
           <a:stretch>
             <a:fillRect/>
           </a:stretch>
@@ -15341,7 +16317,7 @@
           <p:nvPr/>
         </p:nvPicPr>
         <p:blipFill>
-          <a:blip r:embed="rId4"/>
+          <a:blip r:embed="rId5"/>
           <a:stretch>
             <a:fillRect/>
           </a:stretch>
@@ -15649,7 +16625,7 @@
       </p:grpSpPr>
       <p:sp>
         <p:nvSpPr>
-          <p:cNvPr id="2" name="Titre 1"/>
+          <p:cNvPr id="5" name="Titre 4"/>
           <p:cNvSpPr>
             <a:spLocks noGrp="1"/>
           </p:cNvSpPr>
@@ -15669,76 +16645,60 @@
           </a:p>
         </p:txBody>
       </p:sp>
+    </p:spTree>
+    <p:extLst>
+      <p:ext uri="{BB962C8B-B14F-4D97-AF65-F5344CB8AC3E}">
+        <p14:creationId xmlns:p14="http://schemas.microsoft.com/office/powerpoint/2010/main" val="167967476"/>
+      </p:ext>
+    </p:extLst>
+  </p:cSld>
+  <p:clrMapOvr>
+    <a:masterClrMapping/>
+  </p:clrMapOvr>
+</p:sld>
+</file>
+
+<file path=ppt/slides/slide14.xml><?xml version="1.0" encoding="utf-8"?>
+<p:sld xmlns:a="http://schemas.openxmlformats.org/drawingml/2006/main" xmlns:r="http://schemas.openxmlformats.org/officeDocument/2006/relationships" xmlns:p="http://schemas.openxmlformats.org/presentationml/2006/main">
+  <p:cSld>
+    <p:spTree>
+      <p:nvGrpSpPr>
+        <p:cNvPr id="1" name=""/>
+        <p:cNvGrpSpPr/>
+        <p:nvPr/>
+      </p:nvGrpSpPr>
+      <p:grpSpPr>
+        <a:xfrm>
+          <a:off x="0" y="0"/>
+          <a:ext cx="0" cy="0"/>
+          <a:chOff x="0" y="0"/>
+          <a:chExt cx="0" cy="0"/>
+        </a:xfrm>
+      </p:grpSpPr>
       <p:pic>
         <p:nvPicPr>
-          <p:cNvPr id="8" name="Espace réservé du contenu 7"/>
+          <p:cNvPr id="3" name="Image 2"/>
           <p:cNvPicPr>
-            <a:picLocks noGrp="1" noChangeAspect="1"/>
+            <a:picLocks noChangeAspect="1"/>
           </p:cNvPicPr>
-          <p:nvPr>
-            <p:ph idx="1"/>
-          </p:nvPr>
+          <p:nvPr/>
         </p:nvPicPr>
         <p:blipFill>
-          <a:blip r:embed="rId2"/>
+          <a:blip r:embed="rId3"/>
           <a:stretch>
             <a:fillRect/>
           </a:stretch>
         </p:blipFill>
         <p:spPr>
           <a:xfrm>
-            <a:off x="1509605" y="2249487"/>
-            <a:ext cx="6280762" cy="3633787"/>
+            <a:off x="2322707" y="1215986"/>
+            <a:ext cx="4498586" cy="4426028"/>
           </a:xfrm>
+          <a:prstGeom prst="rect">
+            <a:avLst/>
+          </a:prstGeom>
         </p:spPr>
       </p:pic>
-      <p:sp>
-        <p:nvSpPr>
-          <p:cNvPr id="4" name="Espace réservé du pied de page 3"/>
-          <p:cNvSpPr>
-            <a:spLocks noGrp="1"/>
-          </p:cNvSpPr>
-          <p:nvPr>
-            <p:ph type="ftr" sz="quarter" idx="11"/>
-          </p:nvPr>
-        </p:nvSpPr>
-        <p:spPr/>
-        <p:txBody>
-          <a:bodyPr/>
-          <a:lstStyle/>
-          <a:p>
-            <a:r>
-              <a:rPr lang="en-US"/>
-              <a:t>Connected Factory</a:t>
-            </a:r>
-            <a:endParaRPr lang="en-US" dirty="0"/>
-          </a:p>
-        </p:txBody>
-      </p:sp>
-      <p:sp>
-        <p:nvSpPr>
-          <p:cNvPr id="5" name="Espace réservé du numéro de diapositive 4"/>
-          <p:cNvSpPr>
-            <a:spLocks noGrp="1"/>
-          </p:cNvSpPr>
-          <p:nvPr>
-            <p:ph type="sldNum" sz="quarter" idx="12"/>
-          </p:nvPr>
-        </p:nvSpPr>
-        <p:spPr/>
-        <p:txBody>
-          <a:bodyPr/>
-          <a:lstStyle/>
-          <a:p>
-            <a:fld id="{6D22F896-40B5-4ADD-8801-0D06FADFA095}" type="slidenum">
-              <a:rPr lang="en-US" smtClean="0"/>
-              <a:pPr/>
-              <a:t>13</a:t>
-            </a:fld>
-            <a:endParaRPr lang="en-US" dirty="0"/>
-          </a:p>
-        </p:txBody>
-      </p:sp>
     </p:spTree>
     <p:extLst>
       <p:ext uri="{BB962C8B-B14F-4D97-AF65-F5344CB8AC3E}">
@@ -15761,6 +16721,9 @@
                     <p:cTn id="3" fill="hold">
                       <p:stCondLst>
                         <p:cond delay="indefinite"/>
+                        <p:cond evt="onBegin" delay="0">
+                          <p:tn val="2"/>
+                        </p:cond>
                       </p:stCondLst>
                       <p:childTnLst>
                         <p:par>
@@ -15770,7 +16733,7 @@
                             </p:stCondLst>
                             <p:childTnLst>
                               <p:par>
-                                <p:cTn id="5" presetID="1" presetClass="entr" presetSubtype="0" fill="hold" nodeType="clickEffect">
+                                <p:cTn id="5" presetID="10" presetClass="entr" presetSubtype="0" fill="hold" nodeType="withEffect">
                                   <p:stCondLst>
                                     <p:cond delay="0"/>
                                   </p:stCondLst>
@@ -15783,7 +16746,7 @@
                                           </p:stCondLst>
                                         </p:cTn>
                                         <p:tgtEl>
-                                          <p:spTgt spid="8"/>
+                                          <p:spTgt spid="3"/>
                                         </p:tgtEl>
                                         <p:attrNameLst>
                                           <p:attrName>style.visibility</p:attrName>
@@ -15793,6 +16756,14 @@
                                         <p:strVal val="visible"/>
                                       </p:to>
                                     </p:set>
+                                    <p:animEffect transition="in" filter="fade">
+                                      <p:cBhvr>
+                                        <p:cTn id="7" dur="500"/>
+                                        <p:tgtEl>
+                                          <p:spTgt spid="3"/>
+                                        </p:tgtEl>
+                                      </p:cBhvr>
+                                    </p:animEffect>
                                   </p:childTnLst>
                                 </p:cTn>
                               </p:par>
@@ -15827,104 +16798,6 @@
 </p:sld>
 </file>
 
-<file path=ppt/slides/slide14.xml><?xml version="1.0" encoding="utf-8"?>
-<p:sld xmlns:a="http://schemas.openxmlformats.org/drawingml/2006/main" xmlns:r="http://schemas.openxmlformats.org/officeDocument/2006/relationships" xmlns:p="http://schemas.openxmlformats.org/presentationml/2006/main">
-  <p:cSld>
-    <p:spTree>
-      <p:nvGrpSpPr>
-        <p:cNvPr id="1" name=""/>
-        <p:cNvGrpSpPr/>
-        <p:nvPr/>
-      </p:nvGrpSpPr>
-      <p:grpSpPr>
-        <a:xfrm>
-          <a:off x="0" y="0"/>
-          <a:ext cx="0" cy="0"/>
-          <a:chOff x="0" y="0"/>
-          <a:chExt cx="0" cy="0"/>
-        </a:xfrm>
-      </p:grpSpPr>
-      <p:sp>
-        <p:nvSpPr>
-          <p:cNvPr id="4" name="Titre 3"/>
-          <p:cNvSpPr>
-            <a:spLocks noGrp="1"/>
-          </p:cNvSpPr>
-          <p:nvPr>
-            <p:ph type="title"/>
-          </p:nvPr>
-        </p:nvSpPr>
-        <p:spPr/>
-        <p:txBody>
-          <a:bodyPr/>
-          <a:lstStyle/>
-          <a:p>
-            <a:r>
-              <a:rPr lang="fr-CH" dirty="0"/>
-              <a:t>Complications</a:t>
-            </a:r>
-          </a:p>
-        </p:txBody>
-      </p:sp>
-      <p:sp>
-        <p:nvSpPr>
-          <p:cNvPr id="5" name="Espace réservé du pied de page 4"/>
-          <p:cNvSpPr>
-            <a:spLocks noGrp="1"/>
-          </p:cNvSpPr>
-          <p:nvPr>
-            <p:ph type="ftr" sz="quarter" idx="11"/>
-          </p:nvPr>
-        </p:nvSpPr>
-        <p:spPr/>
-        <p:txBody>
-          <a:bodyPr/>
-          <a:lstStyle/>
-          <a:p>
-            <a:r>
-              <a:rPr lang="en-US"/>
-              <a:t>Connected Factory</a:t>
-            </a:r>
-            <a:endParaRPr lang="en-US" dirty="0"/>
-          </a:p>
-        </p:txBody>
-      </p:sp>
-      <p:sp>
-        <p:nvSpPr>
-          <p:cNvPr id="6" name="Espace réservé du numéro de diapositive 5"/>
-          <p:cNvSpPr>
-            <a:spLocks noGrp="1"/>
-          </p:cNvSpPr>
-          <p:nvPr>
-            <p:ph type="sldNum" sz="quarter" idx="12"/>
-          </p:nvPr>
-        </p:nvSpPr>
-        <p:spPr/>
-        <p:txBody>
-          <a:bodyPr/>
-          <a:lstStyle/>
-          <a:p>
-            <a:fld id="{6D22F896-40B5-4ADD-8801-0D06FADFA095}" type="slidenum">
-              <a:rPr lang="en-US" smtClean="0"/>
-              <a:t>14</a:t>
-            </a:fld>
-            <a:endParaRPr lang="en-US" dirty="0"/>
-          </a:p>
-        </p:txBody>
-      </p:sp>
-    </p:spTree>
-    <p:extLst>
-      <p:ext uri="{BB962C8B-B14F-4D97-AF65-F5344CB8AC3E}">
-        <p14:creationId xmlns:p14="http://schemas.microsoft.com/office/powerpoint/2010/main" val="247153491"/>
-      </p:ext>
-    </p:extLst>
-  </p:cSld>
-  <p:clrMapOvr>
-    <a:masterClrMapping/>
-  </p:clrMapOvr>
-</p:sld>
-</file>
-
 <file path=ppt/slides/slide15.xml><?xml version="1.0" encoding="utf-8"?>
 <p:sld xmlns:a="http://schemas.openxmlformats.org/drawingml/2006/main" xmlns:r="http://schemas.openxmlformats.org/officeDocument/2006/relationships" xmlns:p="http://schemas.openxmlformats.org/presentationml/2006/main">
   <p:cSld>
@@ -15942,59 +16815,15 @@
           <a:chExt cx="0" cy="0"/>
         </a:xfrm>
       </p:grpSpPr>
-      <p:sp>
-        <p:nvSpPr>
-          <p:cNvPr id="3" name="Espace réservé du pied de page 2"/>
-          <p:cNvSpPr>
-            <a:spLocks noGrp="1"/>
-          </p:cNvSpPr>
-          <p:nvPr>
-            <p:ph type="ftr" sz="quarter" idx="11"/>
-          </p:nvPr>
-        </p:nvSpPr>
-        <p:spPr/>
-        <p:txBody>
-          <a:bodyPr/>
-          <a:lstStyle/>
-          <a:p>
-            <a:r>
-              <a:rPr lang="en-US"/>
-              <a:t>Connected Factory</a:t>
-            </a:r>
-            <a:endParaRPr lang="en-US" dirty="0"/>
-          </a:p>
-        </p:txBody>
-      </p:sp>
-      <p:sp>
-        <p:nvSpPr>
-          <p:cNvPr id="4" name="Espace réservé du numéro de diapositive 3"/>
-          <p:cNvSpPr>
-            <a:spLocks noGrp="1"/>
-          </p:cNvSpPr>
-          <p:nvPr>
-            <p:ph type="sldNum" sz="quarter" idx="12"/>
-          </p:nvPr>
-        </p:nvSpPr>
-        <p:spPr/>
-        <p:txBody>
-          <a:bodyPr/>
-          <a:lstStyle/>
-          <a:p>
-            <a:fld id="{6D22F896-40B5-4ADD-8801-0D06FADFA095}" type="slidenum">
-              <a:rPr lang="en-US" smtClean="0"/>
-              <a:t>15</a:t>
-            </a:fld>
-            <a:endParaRPr lang="en-US" dirty="0"/>
-          </a:p>
-        </p:txBody>
-      </p:sp>
       <p:pic>
         <p:nvPicPr>
-          <p:cNvPr id="5" name="Image 4"/>
+          <p:cNvPr id="8" name="Espace réservé du contenu 7"/>
           <p:cNvPicPr>
-            <a:picLocks noChangeAspect="1"/>
+            <a:picLocks noGrp="1" noChangeAspect="1"/>
           </p:cNvPicPr>
-          <p:nvPr/>
+          <p:nvPr>
+            <p:ph idx="1"/>
+          </p:nvPr>
         </p:nvPicPr>
         <p:blipFill>
           <a:blip r:embed="rId3"/>
@@ -16004,24 +16833,107 @@
         </p:blipFill>
         <p:spPr>
           <a:xfrm>
-            <a:off x="3195800" y="2065026"/>
-            <a:ext cx="2621106" cy="2621106"/>
+            <a:off x="1163264" y="1377109"/>
+            <a:ext cx="6817472" cy="3944305"/>
           </a:xfrm>
-          <a:prstGeom prst="rect">
-            <a:avLst/>
-          </a:prstGeom>
         </p:spPr>
       </p:pic>
     </p:spTree>
     <p:extLst>
       <p:ext uri="{BB962C8B-B14F-4D97-AF65-F5344CB8AC3E}">
-        <p14:creationId xmlns:p14="http://schemas.microsoft.com/office/powerpoint/2010/main" val="3275746396"/>
+        <p14:creationId xmlns:p14="http://schemas.microsoft.com/office/powerpoint/2010/main" val="2616687883"/>
       </p:ext>
     </p:extLst>
   </p:cSld>
   <p:clrMapOvr>
     <a:masterClrMapping/>
   </p:clrMapOvr>
+  <p:timing>
+    <p:tnLst>
+      <p:par>
+        <p:cTn id="1" dur="indefinite" restart="never" nodeType="tmRoot">
+          <p:childTnLst>
+            <p:seq concurrent="1" nextAc="seek">
+              <p:cTn id="2" dur="indefinite" nodeType="mainSeq">
+                <p:childTnLst>
+                  <p:par>
+                    <p:cTn id="3" fill="hold">
+                      <p:stCondLst>
+                        <p:cond delay="indefinite"/>
+                        <p:cond evt="onBegin" delay="0">
+                          <p:tn val="2"/>
+                        </p:cond>
+                      </p:stCondLst>
+                      <p:childTnLst>
+                        <p:par>
+                          <p:cTn id="4" fill="hold">
+                            <p:stCondLst>
+                              <p:cond delay="0"/>
+                            </p:stCondLst>
+                            <p:childTnLst>
+                              <p:par>
+                                <p:cTn id="5" presetID="10" presetClass="entr" presetSubtype="0" fill="hold" nodeType="withEffect">
+                                  <p:stCondLst>
+                                    <p:cond delay="0"/>
+                                  </p:stCondLst>
+                                  <p:childTnLst>
+                                    <p:set>
+                                      <p:cBhvr>
+                                        <p:cTn id="6" dur="1" fill="hold">
+                                          <p:stCondLst>
+                                            <p:cond delay="0"/>
+                                          </p:stCondLst>
+                                        </p:cTn>
+                                        <p:tgtEl>
+                                          <p:spTgt spid="8"/>
+                                        </p:tgtEl>
+                                        <p:attrNameLst>
+                                          <p:attrName>style.visibility</p:attrName>
+                                        </p:attrNameLst>
+                                      </p:cBhvr>
+                                      <p:to>
+                                        <p:strVal val="visible"/>
+                                      </p:to>
+                                    </p:set>
+                                    <p:animEffect transition="in" filter="fade">
+                                      <p:cBhvr>
+                                        <p:cTn id="7" dur="500"/>
+                                        <p:tgtEl>
+                                          <p:spTgt spid="8"/>
+                                        </p:tgtEl>
+                                      </p:cBhvr>
+                                    </p:animEffect>
+                                  </p:childTnLst>
+                                </p:cTn>
+                              </p:par>
+                            </p:childTnLst>
+                          </p:cTn>
+                        </p:par>
+                      </p:childTnLst>
+                    </p:cTn>
+                  </p:par>
+                </p:childTnLst>
+              </p:cTn>
+              <p:prevCondLst>
+                <p:cond evt="onPrev" delay="0">
+                  <p:tgtEl>
+                    <p:sldTgt/>
+                  </p:tgtEl>
+                </p:cond>
+              </p:prevCondLst>
+              <p:nextCondLst>
+                <p:cond evt="onNext" delay="0">
+                  <p:tgtEl>
+                    <p:sldTgt/>
+                  </p:tgtEl>
+                </p:cond>
+              </p:nextCondLst>
+            </p:seq>
+          </p:childTnLst>
+        </p:cTn>
+      </p:par>
+    </p:tnLst>
+  </p:timing>
 </p:sld>
 </file>
 
@@ -16044,7 +16956,7 @@
       </p:grpSpPr>
       <p:sp>
         <p:nvSpPr>
-          <p:cNvPr id="5" name="Titre 4"/>
+          <p:cNvPr id="4" name="Titre 3"/>
           <p:cNvSpPr>
             <a:spLocks noGrp="1"/>
           </p:cNvSpPr>
@@ -16059,19 +16971,103 @@
           <a:p>
             <a:r>
               <a:rPr lang="fr-CH" dirty="0"/>
-              <a:t>Interfaçage avec les machines</a:t>
-            </a:r>
-          </a:p>
-        </p:txBody>
-      </p:sp>
-      <p:sp>
-        <p:nvSpPr>
-          <p:cNvPr id="6" name="Espace réservé du contenu 5"/>
+              <a:t>Complications</a:t>
+            </a:r>
+          </a:p>
+        </p:txBody>
+      </p:sp>
+    </p:spTree>
+    <p:extLst>
+      <p:ext uri="{BB962C8B-B14F-4D97-AF65-F5344CB8AC3E}">
+        <p14:creationId xmlns:p14="http://schemas.microsoft.com/office/powerpoint/2010/main" val="247153491"/>
+      </p:ext>
+    </p:extLst>
+  </p:cSld>
+  <p:clrMapOvr>
+    <a:masterClrMapping/>
+  </p:clrMapOvr>
+</p:sld>
+</file>
+
+<file path=ppt/slides/slide17.xml><?xml version="1.0" encoding="utf-8"?>
+<p:sld xmlns:a="http://schemas.openxmlformats.org/drawingml/2006/main" xmlns:r="http://schemas.openxmlformats.org/officeDocument/2006/relationships" xmlns:p="http://schemas.openxmlformats.org/presentationml/2006/main">
+  <p:cSld>
+    <p:spTree>
+      <p:nvGrpSpPr>
+        <p:cNvPr id="1" name=""/>
+        <p:cNvGrpSpPr/>
+        <p:nvPr/>
+      </p:nvGrpSpPr>
+      <p:grpSpPr>
+        <a:xfrm>
+          <a:off x="0" y="0"/>
+          <a:ext cx="0" cy="0"/>
+          <a:chOff x="0" y="0"/>
+          <a:chExt cx="0" cy="0"/>
+        </a:xfrm>
+      </p:grpSpPr>
+      <p:pic>
+        <p:nvPicPr>
+          <p:cNvPr id="5" name="Image 4"/>
+          <p:cNvPicPr>
+            <a:picLocks noChangeAspect="1"/>
+          </p:cNvPicPr>
+          <p:nvPr/>
+        </p:nvPicPr>
+        <p:blipFill>
+          <a:blip r:embed="rId3"/>
+          <a:stretch>
+            <a:fillRect/>
+          </a:stretch>
+        </p:blipFill>
+        <p:spPr>
+          <a:xfrm>
+            <a:off x="2666536" y="1523536"/>
+            <a:ext cx="3810928" cy="3810928"/>
+          </a:xfrm>
+          <a:prstGeom prst="rect">
+            <a:avLst/>
+          </a:prstGeom>
+        </p:spPr>
+      </p:pic>
+    </p:spTree>
+    <p:extLst>
+      <p:ext uri="{BB962C8B-B14F-4D97-AF65-F5344CB8AC3E}">
+        <p14:creationId xmlns:p14="http://schemas.microsoft.com/office/powerpoint/2010/main" val="3275746396"/>
+      </p:ext>
+    </p:extLst>
+  </p:cSld>
+  <p:clrMapOvr>
+    <a:masterClrMapping/>
+  </p:clrMapOvr>
+</p:sld>
+</file>
+
+<file path=ppt/slides/slide18.xml><?xml version="1.0" encoding="utf-8"?>
+<p:sld xmlns:a="http://schemas.openxmlformats.org/drawingml/2006/main" xmlns:r="http://schemas.openxmlformats.org/officeDocument/2006/relationships" xmlns:p="http://schemas.openxmlformats.org/presentationml/2006/main">
+  <p:cSld>
+    <p:spTree>
+      <p:nvGrpSpPr>
+        <p:cNvPr id="1" name=""/>
+        <p:cNvGrpSpPr/>
+        <p:nvPr/>
+      </p:nvGrpSpPr>
+      <p:grpSpPr>
+        <a:xfrm>
+          <a:off x="0" y="0"/>
+          <a:ext cx="0" cy="0"/>
+          <a:chOff x="0" y="0"/>
+          <a:chExt cx="0" cy="0"/>
+        </a:xfrm>
+      </p:grpSpPr>
+      <p:sp>
+        <p:nvSpPr>
+          <p:cNvPr id="5" name="Titre 4"/>
           <p:cNvSpPr>
             <a:spLocks noGrp="1"/>
           </p:cNvSpPr>
           <p:nvPr>
-            <p:ph idx="1"/>
+            <p:ph type="title"/>
           </p:nvPr>
         </p:nvSpPr>
         <p:spPr/>
@@ -16081,6 +17077,28 @@
           <a:p>
             <a:r>
               <a:rPr lang="fr-CH" dirty="0"/>
+              <a:t>Interfaçage avec les machines</a:t>
+            </a:r>
+          </a:p>
+        </p:txBody>
+      </p:sp>
+      <p:sp>
+        <p:nvSpPr>
+          <p:cNvPr id="6" name="Espace réservé du contenu 5"/>
+          <p:cNvSpPr>
+            <a:spLocks noGrp="1"/>
+          </p:cNvSpPr>
+          <p:nvPr>
+            <p:ph idx="1"/>
+          </p:nvPr>
+        </p:nvSpPr>
+        <p:spPr/>
+        <p:txBody>
+          <a:bodyPr/>
+          <a:lstStyle/>
+          <a:p>
+            <a:r>
+              <a:rPr lang="fr-CH" dirty="0"/>
               <a:t>Aucune machine utilise OPC UA!</a:t>
             </a:r>
           </a:p>
@@ -16089,52 +17107,6 @@
               <a:rPr lang="fr-CH" dirty="0"/>
               <a:t>Contrôleur nouvelle génération?</a:t>
             </a:r>
-          </a:p>
-        </p:txBody>
-      </p:sp>
-      <p:sp>
-        <p:nvSpPr>
-          <p:cNvPr id="3" name="Espace réservé du pied de page 2"/>
-          <p:cNvSpPr>
-            <a:spLocks noGrp="1"/>
-          </p:cNvSpPr>
-          <p:nvPr>
-            <p:ph type="ftr" sz="quarter" idx="11"/>
-          </p:nvPr>
-        </p:nvSpPr>
-        <p:spPr/>
-        <p:txBody>
-          <a:bodyPr/>
-          <a:lstStyle/>
-          <a:p>
-            <a:r>
-              <a:rPr lang="en-US"/>
-              <a:t>Connected Factory</a:t>
-            </a:r>
-            <a:endParaRPr lang="en-US" dirty="0"/>
-          </a:p>
-        </p:txBody>
-      </p:sp>
-      <p:sp>
-        <p:nvSpPr>
-          <p:cNvPr id="4" name="Espace réservé du numéro de diapositive 3"/>
-          <p:cNvSpPr>
-            <a:spLocks noGrp="1"/>
-          </p:cNvSpPr>
-          <p:nvPr>
-            <p:ph type="sldNum" sz="quarter" idx="12"/>
-          </p:nvPr>
-        </p:nvSpPr>
-        <p:spPr/>
-        <p:txBody>
-          <a:bodyPr/>
-          <a:lstStyle/>
-          <a:p>
-            <a:fld id="{6D22F896-40B5-4ADD-8801-0D06FADFA095}" type="slidenum">
-              <a:rPr lang="en-US" smtClean="0"/>
-              <a:t>16</a:t>
-            </a:fld>
-            <a:endParaRPr lang="en-US" dirty="0"/>
           </a:p>
         </p:txBody>
       </p:sp>
@@ -16267,7 +17239,7 @@
 </p:sld>
 </file>
 
-<file path=ppt/slides/slide17.xml><?xml version="1.0" encoding="utf-8"?>
+<file path=ppt/slides/slide19.xml><?xml version="1.0" encoding="utf-8"?>
 <p:sld xmlns:a="http://schemas.openxmlformats.org/drawingml/2006/main" xmlns:r="http://schemas.openxmlformats.org/officeDocument/2006/relationships" xmlns:p="http://schemas.openxmlformats.org/presentationml/2006/main">
   <p:cSld>
     <p:spTree>
@@ -16301,7 +17273,7 @@
           <a:p>
             <a:r>
               <a:rPr lang="fr-CH" dirty="0"/>
-              <a:t>Rebondissement</a:t>
+              <a:t>Nouveaux objectifs</a:t>
             </a:r>
           </a:p>
         </p:txBody>
@@ -16323,60 +17295,14 @@
           <a:p>
             <a:r>
               <a:rPr lang="fr-CH" dirty="0"/>
-              <a:t>Démonstration</a:t>
+              <a:t>Démonstration des fonctionnalités</a:t>
             </a:r>
           </a:p>
           <a:p>
             <a:r>
               <a:rPr lang="fr-CH" dirty="0"/>
-              <a:t>Guide d’utilisateur</a:t>
-            </a:r>
-          </a:p>
-        </p:txBody>
-      </p:sp>
-      <p:sp>
-        <p:nvSpPr>
-          <p:cNvPr id="3" name="Espace réservé du pied de page 2"/>
-          <p:cNvSpPr>
-            <a:spLocks noGrp="1"/>
-          </p:cNvSpPr>
-          <p:nvPr>
-            <p:ph type="ftr" sz="quarter" idx="11"/>
-          </p:nvPr>
-        </p:nvSpPr>
-        <p:spPr/>
-        <p:txBody>
-          <a:bodyPr/>
-          <a:lstStyle/>
-          <a:p>
-            <a:r>
-              <a:rPr lang="en-US"/>
-              <a:t>Connected Factory</a:t>
-            </a:r>
-            <a:endParaRPr lang="en-US" dirty="0"/>
-          </a:p>
-        </p:txBody>
-      </p:sp>
-      <p:sp>
-        <p:nvSpPr>
-          <p:cNvPr id="4" name="Espace réservé du numéro de diapositive 3"/>
-          <p:cNvSpPr>
-            <a:spLocks noGrp="1"/>
-          </p:cNvSpPr>
-          <p:nvPr>
-            <p:ph type="sldNum" sz="quarter" idx="12"/>
-          </p:nvPr>
-        </p:nvSpPr>
-        <p:spPr/>
-        <p:txBody>
-          <a:bodyPr/>
-          <a:lstStyle/>
-          <a:p>
-            <a:fld id="{6D22F896-40B5-4ADD-8801-0D06FADFA095}" type="slidenum">
-              <a:rPr lang="en-US" smtClean="0"/>
-              <a:t>17</a:t>
-            </a:fld>
-            <a:endParaRPr lang="en-US" dirty="0"/>
+              <a:t>Guide développeur</a:t>
+            </a:r>
           </a:p>
         </p:txBody>
       </p:sp>
@@ -16503,7 +17429,7 @@
 </p:sld>
 </file>
 
-<file path=ppt/slides/slide18.xml><?xml version="1.0" encoding="utf-8"?>
+<file path=ppt/slides/slide2.xml><?xml version="1.0" encoding="utf-8"?>
 <p:sld xmlns:a="http://schemas.openxmlformats.org/drawingml/2006/main" xmlns:r="http://schemas.openxmlformats.org/officeDocument/2006/relationships" xmlns:p="http://schemas.openxmlformats.org/presentationml/2006/main">
   <p:cSld>
     <p:spTree>
@@ -16522,7 +17448,7 @@
       </p:grpSpPr>
       <p:sp>
         <p:nvSpPr>
-          <p:cNvPr id="4" name="Titre 3"/>
+          <p:cNvPr id="6" name="Titre 5"/>
           <p:cNvSpPr>
             <a:spLocks noGrp="1"/>
           </p:cNvSpPr>
@@ -16530,68 +17456,88 @@
             <p:ph type="title"/>
           </p:nvPr>
         </p:nvSpPr>
-        <p:spPr/>
+        <p:spPr>
+          <a:xfrm>
+            <a:off x="856060" y="1365046"/>
+            <a:ext cx="7429499" cy="689707"/>
+          </a:xfrm>
+        </p:spPr>
         <p:txBody>
           <a:bodyPr/>
           <a:lstStyle/>
           <a:p>
             <a:r>
+              <a:rPr lang="fr-CH" cap="none" dirty="0"/>
+              <a:t>Sommaire</a:t>
+            </a:r>
+            <a:endParaRPr lang="fr-CH" dirty="0"/>
+          </a:p>
+        </p:txBody>
+      </p:sp>
+      <p:sp>
+        <p:nvSpPr>
+          <p:cNvPr id="7" name="Espace réservé du contenu 6"/>
+          <p:cNvSpPr>
+            <a:spLocks noGrp="1"/>
+          </p:cNvSpPr>
+          <p:nvPr>
+            <p:ph idx="1"/>
+          </p:nvPr>
+        </p:nvSpPr>
+        <p:spPr/>
+        <p:txBody>
+          <a:bodyPr>
+            <a:normAutofit fontScale="92500" lnSpcReduction="10000"/>
+          </a:bodyPr>
+          <a:lstStyle/>
+          <a:p>
+            <a:r>
+              <a:rPr lang="fr-CH" dirty="0"/>
+              <a:t>Présentation du projet</a:t>
+            </a:r>
+          </a:p>
+          <a:p>
+            <a:r>
+              <a:rPr lang="fr-CH" dirty="0"/>
+              <a:t>Présentation de OPC UA</a:t>
+            </a:r>
+          </a:p>
+          <a:p>
+            <a:r>
+              <a:rPr lang="fr-CH" dirty="0"/>
+              <a:t>Complications</a:t>
+            </a:r>
+          </a:p>
+          <a:p>
+            <a:r>
               <a:rPr lang="fr-CH" dirty="0"/>
               <a:t>Implémentation</a:t>
             </a:r>
           </a:p>
-        </p:txBody>
-      </p:sp>
-      <p:sp>
-        <p:nvSpPr>
-          <p:cNvPr id="5" name="Espace réservé du pied de page 4"/>
-          <p:cNvSpPr>
-            <a:spLocks noGrp="1"/>
-          </p:cNvSpPr>
-          <p:nvPr>
-            <p:ph type="ftr" sz="quarter" idx="11"/>
-          </p:nvPr>
-        </p:nvSpPr>
-        <p:spPr/>
-        <p:txBody>
-          <a:bodyPr/>
-          <a:lstStyle/>
-          <a:p>
-            <a:r>
-              <a:rPr lang="en-US"/>
-              <a:t>Connected Factory</a:t>
-            </a:r>
-            <a:endParaRPr lang="en-US" dirty="0"/>
-          </a:p>
-        </p:txBody>
-      </p:sp>
-      <p:sp>
-        <p:nvSpPr>
-          <p:cNvPr id="6" name="Espace réservé du numéro de diapositive 5"/>
-          <p:cNvSpPr>
-            <a:spLocks noGrp="1"/>
-          </p:cNvSpPr>
-          <p:nvPr>
-            <p:ph type="sldNum" sz="quarter" idx="12"/>
-          </p:nvPr>
-        </p:nvSpPr>
-        <p:spPr/>
-        <p:txBody>
-          <a:bodyPr/>
-          <a:lstStyle/>
-          <a:p>
-            <a:fld id="{6D22F896-40B5-4ADD-8801-0D06FADFA095}" type="slidenum">
-              <a:rPr lang="en-US" smtClean="0"/>
-              <a:t>18</a:t>
-            </a:fld>
-            <a:endParaRPr lang="en-US" dirty="0"/>
+          <a:p>
+            <a:r>
+              <a:rPr lang="fr-CH" dirty="0"/>
+              <a:t>Conclusion</a:t>
+            </a:r>
+          </a:p>
+          <a:p>
+            <a:r>
+              <a:rPr lang="fr-CH" dirty="0"/>
+              <a:t>Démonstration</a:t>
+            </a:r>
+          </a:p>
+          <a:p>
+            <a:r>
+              <a:rPr lang="fr-CH" dirty="0"/>
+              <a:t>Questions</a:t>
+            </a:r>
           </a:p>
         </p:txBody>
       </p:sp>
     </p:spTree>
     <p:extLst>
       <p:ext uri="{BB962C8B-B14F-4D97-AF65-F5344CB8AC3E}">
-        <p14:creationId xmlns:p14="http://schemas.microsoft.com/office/powerpoint/2010/main" val="55171867"/>
+        <p14:creationId xmlns:p14="http://schemas.microsoft.com/office/powerpoint/2010/main" val="398041696"/>
       </p:ext>
     </p:extLst>
   </p:cSld>
@@ -16601,7 +17547,7 @@
 </p:sld>
 </file>
 
-<file path=ppt/slides/slide19.xml><?xml version="1.0" encoding="utf-8"?>
+<file path=ppt/slides/slide20.xml><?xml version="1.0" encoding="utf-8"?>
 <p:sld xmlns:a="http://schemas.openxmlformats.org/drawingml/2006/main" xmlns:r="http://schemas.openxmlformats.org/officeDocument/2006/relationships" xmlns:p="http://schemas.openxmlformats.org/presentationml/2006/main">
   <p:cSld>
     <p:spTree>
@@ -16620,7 +17566,7 @@
       </p:grpSpPr>
       <p:sp>
         <p:nvSpPr>
-          <p:cNvPr id="5" name="Titre 4"/>
+          <p:cNvPr id="4" name="Titre 3"/>
           <p:cNvSpPr>
             <a:spLocks noGrp="1"/>
           </p:cNvSpPr>
@@ -16635,19 +17581,49 @@
           <a:p>
             <a:r>
               <a:rPr lang="fr-CH" dirty="0"/>
-              <a:t>Client</a:t>
-            </a:r>
-          </a:p>
-        </p:txBody>
-      </p:sp>
-      <p:sp>
-        <p:nvSpPr>
-          <p:cNvPr id="6" name="Espace réservé du contenu 5"/>
+              <a:t>Implémentation</a:t>
+            </a:r>
+          </a:p>
+        </p:txBody>
+      </p:sp>
+    </p:spTree>
+    <p:extLst>
+      <p:ext uri="{BB962C8B-B14F-4D97-AF65-F5344CB8AC3E}">
+        <p14:creationId xmlns:p14="http://schemas.microsoft.com/office/powerpoint/2010/main" val="55171867"/>
+      </p:ext>
+    </p:extLst>
+  </p:cSld>
+  <p:clrMapOvr>
+    <a:masterClrMapping/>
+  </p:clrMapOvr>
+</p:sld>
+</file>
+
+<file path=ppt/slides/slide21.xml><?xml version="1.0" encoding="utf-8"?>
+<p:sld xmlns:a="http://schemas.openxmlformats.org/drawingml/2006/main" xmlns:r="http://schemas.openxmlformats.org/officeDocument/2006/relationships" xmlns:p="http://schemas.openxmlformats.org/presentationml/2006/main">
+  <p:cSld>
+    <p:spTree>
+      <p:nvGrpSpPr>
+        <p:cNvPr id="1" name=""/>
+        <p:cNvGrpSpPr/>
+        <p:nvPr/>
+      </p:nvGrpSpPr>
+      <p:grpSpPr>
+        <a:xfrm>
+          <a:off x="0" y="0"/>
+          <a:ext cx="0" cy="0"/>
+          <a:chOff x="0" y="0"/>
+          <a:chExt cx="0" cy="0"/>
+        </a:xfrm>
+      </p:grpSpPr>
+      <p:sp>
+        <p:nvSpPr>
+          <p:cNvPr id="5" name="Titre 4"/>
           <p:cNvSpPr>
             <a:spLocks noGrp="1"/>
           </p:cNvSpPr>
           <p:nvPr>
-            <p:ph idx="1"/>
+            <p:ph type="title"/>
           </p:nvPr>
         </p:nvSpPr>
         <p:spPr/>
@@ -16657,6 +17633,28 @@
           <a:p>
             <a:r>
               <a:rPr lang="fr-CH" dirty="0"/>
+              <a:t>Client</a:t>
+            </a:r>
+          </a:p>
+        </p:txBody>
+      </p:sp>
+      <p:sp>
+        <p:nvSpPr>
+          <p:cNvPr id="6" name="Espace réservé du contenu 5"/>
+          <p:cNvSpPr>
+            <a:spLocks noGrp="1"/>
+          </p:cNvSpPr>
+          <p:nvPr>
+            <p:ph idx="1"/>
+          </p:nvPr>
+        </p:nvSpPr>
+        <p:spPr/>
+        <p:txBody>
+          <a:bodyPr/>
+          <a:lstStyle/>
+          <a:p>
+            <a:r>
+              <a:rPr lang="fr-CH" dirty="0"/>
               <a:t>Modification d’un nœud</a:t>
             </a:r>
           </a:p>
@@ -16683,52 +17681,6 @@
               <a:rPr lang="fr-CH" dirty="0"/>
               <a:t>Appel de fonctions serveurs</a:t>
             </a:r>
-          </a:p>
-        </p:txBody>
-      </p:sp>
-      <p:sp>
-        <p:nvSpPr>
-          <p:cNvPr id="3" name="Espace réservé du pied de page 2"/>
-          <p:cNvSpPr>
-            <a:spLocks noGrp="1"/>
-          </p:cNvSpPr>
-          <p:nvPr>
-            <p:ph type="ftr" sz="quarter" idx="11"/>
-          </p:nvPr>
-        </p:nvSpPr>
-        <p:spPr/>
-        <p:txBody>
-          <a:bodyPr/>
-          <a:lstStyle/>
-          <a:p>
-            <a:r>
-              <a:rPr lang="en-US"/>
-              <a:t>Connected Factory</a:t>
-            </a:r>
-            <a:endParaRPr lang="en-US" dirty="0"/>
-          </a:p>
-        </p:txBody>
-      </p:sp>
-      <p:sp>
-        <p:nvSpPr>
-          <p:cNvPr id="4" name="Espace réservé du numéro de diapositive 3"/>
-          <p:cNvSpPr>
-            <a:spLocks noGrp="1"/>
-          </p:cNvSpPr>
-          <p:nvPr>
-            <p:ph type="sldNum" sz="quarter" idx="12"/>
-          </p:nvPr>
-        </p:nvSpPr>
-        <p:spPr/>
-        <p:txBody>
-          <a:bodyPr/>
-          <a:lstStyle/>
-          <a:p>
-            <a:fld id="{6D22F896-40B5-4ADD-8801-0D06FADFA095}" type="slidenum">
-              <a:rPr lang="en-US" smtClean="0"/>
-              <a:t>19</a:t>
-            </a:fld>
-            <a:endParaRPr lang="en-US" dirty="0"/>
           </a:p>
         </p:txBody>
       </p:sp>
@@ -17047,422 +17999,6 @@
 </p:sld>
 </file>
 
-<file path=ppt/slides/slide2.xml><?xml version="1.0" encoding="utf-8"?>
-<p:sld xmlns:a="http://schemas.openxmlformats.org/drawingml/2006/main" xmlns:r="http://schemas.openxmlformats.org/officeDocument/2006/relationships" xmlns:p="http://schemas.openxmlformats.org/presentationml/2006/main">
-  <p:cSld>
-    <p:spTree>
-      <p:nvGrpSpPr>
-        <p:cNvPr id="1" name=""/>
-        <p:cNvGrpSpPr/>
-        <p:nvPr/>
-      </p:nvGrpSpPr>
-      <p:grpSpPr>
-        <a:xfrm>
-          <a:off x="0" y="0"/>
-          <a:ext cx="0" cy="0"/>
-          <a:chOff x="0" y="0"/>
-          <a:chExt cx="0" cy="0"/>
-        </a:xfrm>
-      </p:grpSpPr>
-      <p:sp>
-        <p:nvSpPr>
-          <p:cNvPr id="6" name="Titre 5"/>
-          <p:cNvSpPr>
-            <a:spLocks noGrp="1"/>
-          </p:cNvSpPr>
-          <p:nvPr>
-            <p:ph type="title"/>
-          </p:nvPr>
-        </p:nvSpPr>
-        <p:spPr>
-          <a:xfrm>
-            <a:off x="856060" y="1365046"/>
-            <a:ext cx="7429499" cy="689707"/>
-          </a:xfrm>
-        </p:spPr>
-        <p:txBody>
-          <a:bodyPr/>
-          <a:lstStyle/>
-          <a:p>
-            <a:r>
-              <a:rPr lang="fr-CH" cap="none" dirty="0"/>
-              <a:t>Sommaire</a:t>
-            </a:r>
-            <a:endParaRPr lang="fr-CH" dirty="0"/>
-          </a:p>
-        </p:txBody>
-      </p:sp>
-      <p:sp>
-        <p:nvSpPr>
-          <p:cNvPr id="7" name="Espace réservé du contenu 6"/>
-          <p:cNvSpPr>
-            <a:spLocks noGrp="1"/>
-          </p:cNvSpPr>
-          <p:nvPr>
-            <p:ph idx="1"/>
-          </p:nvPr>
-        </p:nvSpPr>
-        <p:spPr/>
-        <p:txBody>
-          <a:bodyPr>
-            <a:normAutofit fontScale="92500" lnSpcReduction="10000"/>
-          </a:bodyPr>
-          <a:lstStyle/>
-          <a:p>
-            <a:r>
-              <a:rPr lang="fr-CH" dirty="0"/>
-              <a:t>Présentation du projet</a:t>
-            </a:r>
-          </a:p>
-          <a:p>
-            <a:r>
-              <a:rPr lang="fr-CH" dirty="0"/>
-              <a:t>Présentation de OPC UA</a:t>
-            </a:r>
-          </a:p>
-          <a:p>
-            <a:r>
-              <a:rPr lang="fr-CH" dirty="0"/>
-              <a:t>Complications</a:t>
-            </a:r>
-          </a:p>
-          <a:p>
-            <a:r>
-              <a:rPr lang="fr-CH" dirty="0"/>
-              <a:t>Implémentation</a:t>
-            </a:r>
-          </a:p>
-          <a:p>
-            <a:r>
-              <a:rPr lang="fr-CH" dirty="0"/>
-              <a:t>Conclusion</a:t>
-            </a:r>
-          </a:p>
-          <a:p>
-            <a:r>
-              <a:rPr lang="fr-CH" dirty="0"/>
-              <a:t>Démonstration</a:t>
-            </a:r>
-          </a:p>
-          <a:p>
-            <a:r>
-              <a:rPr lang="fr-CH" dirty="0"/>
-              <a:t>Questions</a:t>
-            </a:r>
-          </a:p>
-          <a:p>
-            <a:endParaRPr lang="fr-CH" dirty="0"/>
-          </a:p>
-          <a:p>
-            <a:endParaRPr lang="fr-CH" dirty="0"/>
-          </a:p>
-        </p:txBody>
-      </p:sp>
-      <p:sp>
-        <p:nvSpPr>
-          <p:cNvPr id="8" name="Espace réservé du pied de page 7"/>
-          <p:cNvSpPr>
-            <a:spLocks noGrp="1"/>
-          </p:cNvSpPr>
-          <p:nvPr>
-            <p:ph type="ftr" sz="quarter" idx="11"/>
-          </p:nvPr>
-        </p:nvSpPr>
-        <p:spPr/>
-        <p:txBody>
-          <a:bodyPr/>
-          <a:lstStyle/>
-          <a:p>
-            <a:r>
-              <a:rPr lang="en-US"/>
-              <a:t>Connected Factory</a:t>
-            </a:r>
-            <a:endParaRPr lang="en-US" dirty="0"/>
-          </a:p>
-        </p:txBody>
-      </p:sp>
-      <p:sp>
-        <p:nvSpPr>
-          <p:cNvPr id="9" name="Espace réservé du numéro de diapositive 8"/>
-          <p:cNvSpPr>
-            <a:spLocks noGrp="1"/>
-          </p:cNvSpPr>
-          <p:nvPr>
-            <p:ph type="sldNum" sz="quarter" idx="12"/>
-          </p:nvPr>
-        </p:nvSpPr>
-        <p:spPr/>
-        <p:txBody>
-          <a:bodyPr/>
-          <a:lstStyle/>
-          <a:p>
-            <a:fld id="{6D22F896-40B5-4ADD-8801-0D06FADFA095}" type="slidenum">
-              <a:rPr lang="en-US" smtClean="0"/>
-              <a:pPr/>
-              <a:t>2</a:t>
-            </a:fld>
-            <a:endParaRPr lang="en-US" dirty="0"/>
-          </a:p>
-        </p:txBody>
-      </p:sp>
-    </p:spTree>
-    <p:extLst>
-      <p:ext uri="{BB962C8B-B14F-4D97-AF65-F5344CB8AC3E}">
-        <p14:creationId xmlns:p14="http://schemas.microsoft.com/office/powerpoint/2010/main" val="398041696"/>
-      </p:ext>
-    </p:extLst>
-  </p:cSld>
-  <p:clrMapOvr>
-    <a:masterClrMapping/>
-  </p:clrMapOvr>
-</p:sld>
-</file>
-
-<file path=ppt/slides/slide20.xml><?xml version="1.0" encoding="utf-8"?>
-<p:sld xmlns:a="http://schemas.openxmlformats.org/drawingml/2006/main" xmlns:r="http://schemas.openxmlformats.org/officeDocument/2006/relationships" xmlns:p="http://schemas.openxmlformats.org/presentationml/2006/main">
-  <p:cSld>
-    <p:spTree>
-      <p:nvGrpSpPr>
-        <p:cNvPr id="1" name=""/>
-        <p:cNvGrpSpPr/>
-        <p:nvPr/>
-      </p:nvGrpSpPr>
-      <p:grpSpPr>
-        <a:xfrm>
-          <a:off x="0" y="0"/>
-          <a:ext cx="0" cy="0"/>
-          <a:chOff x="0" y="0"/>
-          <a:chExt cx="0" cy="0"/>
-        </a:xfrm>
-      </p:grpSpPr>
-      <p:sp>
-        <p:nvSpPr>
-          <p:cNvPr id="2" name="Titre 1"/>
-          <p:cNvSpPr>
-            <a:spLocks noGrp="1"/>
-          </p:cNvSpPr>
-          <p:nvPr>
-            <p:ph type="title"/>
-          </p:nvPr>
-        </p:nvSpPr>
-        <p:spPr/>
-        <p:txBody>
-          <a:bodyPr/>
-          <a:lstStyle/>
-          <a:p>
-            <a:r>
-              <a:rPr lang="fr-CH" dirty="0"/>
-              <a:t>Serveur</a:t>
-            </a:r>
-          </a:p>
-        </p:txBody>
-      </p:sp>
-      <p:sp>
-        <p:nvSpPr>
-          <p:cNvPr id="3" name="Espace réservé du contenu 2"/>
-          <p:cNvSpPr>
-            <a:spLocks noGrp="1"/>
-          </p:cNvSpPr>
-          <p:nvPr>
-            <p:ph idx="1"/>
-          </p:nvPr>
-        </p:nvSpPr>
-        <p:spPr/>
-        <p:txBody>
-          <a:bodyPr/>
-          <a:lstStyle/>
-          <a:p>
-            <a:r>
-              <a:rPr lang="fr-CH" dirty="0"/>
-              <a:t>Idem que le client</a:t>
-            </a:r>
-          </a:p>
-          <a:p>
-            <a:r>
-              <a:rPr lang="fr-CH" dirty="0"/>
-              <a:t>Instanciation des nœuds à la main</a:t>
-            </a:r>
-          </a:p>
-        </p:txBody>
-      </p:sp>
-      <p:sp>
-        <p:nvSpPr>
-          <p:cNvPr id="4" name="Espace réservé du pied de page 3"/>
-          <p:cNvSpPr>
-            <a:spLocks noGrp="1"/>
-          </p:cNvSpPr>
-          <p:nvPr>
-            <p:ph type="ftr" sz="quarter" idx="11"/>
-          </p:nvPr>
-        </p:nvSpPr>
-        <p:spPr/>
-        <p:txBody>
-          <a:bodyPr/>
-          <a:lstStyle/>
-          <a:p>
-            <a:r>
-              <a:rPr lang="en-US"/>
-              <a:t>Connected Factory</a:t>
-            </a:r>
-            <a:endParaRPr lang="en-US" dirty="0"/>
-          </a:p>
-        </p:txBody>
-      </p:sp>
-      <p:sp>
-        <p:nvSpPr>
-          <p:cNvPr id="5" name="Espace réservé du numéro de diapositive 4"/>
-          <p:cNvSpPr>
-            <a:spLocks noGrp="1"/>
-          </p:cNvSpPr>
-          <p:nvPr>
-            <p:ph type="sldNum" sz="quarter" idx="12"/>
-          </p:nvPr>
-        </p:nvSpPr>
-        <p:spPr/>
-        <p:txBody>
-          <a:bodyPr/>
-          <a:lstStyle/>
-          <a:p>
-            <a:fld id="{6D22F896-40B5-4ADD-8801-0D06FADFA095}" type="slidenum">
-              <a:rPr lang="en-US" smtClean="0"/>
-              <a:pPr/>
-              <a:t>20</a:t>
-            </a:fld>
-            <a:endParaRPr lang="en-US" dirty="0"/>
-          </a:p>
-        </p:txBody>
-      </p:sp>
-    </p:spTree>
-    <p:extLst>
-      <p:ext uri="{BB962C8B-B14F-4D97-AF65-F5344CB8AC3E}">
-        <p14:creationId xmlns:p14="http://schemas.microsoft.com/office/powerpoint/2010/main" val="1639442962"/>
-      </p:ext>
-    </p:extLst>
-  </p:cSld>
-  <p:clrMapOvr>
-    <a:masterClrMapping/>
-  </p:clrMapOvr>
-</p:sld>
-</file>
-
-<file path=ppt/slides/slide21.xml><?xml version="1.0" encoding="utf-8"?>
-<p:sld xmlns:a="http://schemas.openxmlformats.org/drawingml/2006/main" xmlns:r="http://schemas.openxmlformats.org/officeDocument/2006/relationships" xmlns:p="http://schemas.openxmlformats.org/presentationml/2006/main">
-  <p:cSld>
-    <p:spTree>
-      <p:nvGrpSpPr>
-        <p:cNvPr id="1" name=""/>
-        <p:cNvGrpSpPr/>
-        <p:nvPr/>
-      </p:nvGrpSpPr>
-      <p:grpSpPr>
-        <a:xfrm>
-          <a:off x="0" y="0"/>
-          <a:ext cx="0" cy="0"/>
-          <a:chOff x="0" y="0"/>
-          <a:chExt cx="0" cy="0"/>
-        </a:xfrm>
-      </p:grpSpPr>
-      <p:sp>
-        <p:nvSpPr>
-          <p:cNvPr id="2" name="Titre 1"/>
-          <p:cNvSpPr>
-            <a:spLocks noGrp="1"/>
-          </p:cNvSpPr>
-          <p:nvPr>
-            <p:ph type="title"/>
-          </p:nvPr>
-        </p:nvSpPr>
-        <p:spPr/>
-        <p:txBody>
-          <a:bodyPr/>
-          <a:lstStyle/>
-          <a:p>
-            <a:r>
-              <a:rPr lang="fr-CH" dirty="0"/>
-              <a:t>Cas d’utilisation réel</a:t>
-            </a:r>
-          </a:p>
-        </p:txBody>
-      </p:sp>
-      <p:sp>
-        <p:nvSpPr>
-          <p:cNvPr id="3" name="Espace réservé du contenu 2"/>
-          <p:cNvSpPr>
-            <a:spLocks noGrp="1"/>
-          </p:cNvSpPr>
-          <p:nvPr>
-            <p:ph idx="1"/>
-          </p:nvPr>
-        </p:nvSpPr>
-        <p:spPr/>
-        <p:txBody>
-          <a:bodyPr/>
-          <a:lstStyle/>
-          <a:p>
-            <a:endParaRPr lang="fr-CH" dirty="0"/>
-          </a:p>
-        </p:txBody>
-      </p:sp>
-      <p:sp>
-        <p:nvSpPr>
-          <p:cNvPr id="4" name="Espace réservé du pied de page 3"/>
-          <p:cNvSpPr>
-            <a:spLocks noGrp="1"/>
-          </p:cNvSpPr>
-          <p:nvPr>
-            <p:ph type="ftr" sz="quarter" idx="11"/>
-          </p:nvPr>
-        </p:nvSpPr>
-        <p:spPr/>
-        <p:txBody>
-          <a:bodyPr/>
-          <a:lstStyle/>
-          <a:p>
-            <a:r>
-              <a:rPr lang="en-US"/>
-              <a:t>Connected Factory</a:t>
-            </a:r>
-            <a:endParaRPr lang="en-US" dirty="0"/>
-          </a:p>
-        </p:txBody>
-      </p:sp>
-      <p:sp>
-        <p:nvSpPr>
-          <p:cNvPr id="5" name="Espace réservé du numéro de diapositive 4"/>
-          <p:cNvSpPr>
-            <a:spLocks noGrp="1"/>
-          </p:cNvSpPr>
-          <p:nvPr>
-            <p:ph type="sldNum" sz="quarter" idx="12"/>
-          </p:nvPr>
-        </p:nvSpPr>
-        <p:spPr/>
-        <p:txBody>
-          <a:bodyPr/>
-          <a:lstStyle/>
-          <a:p>
-            <a:fld id="{6D22F896-40B5-4ADD-8801-0D06FADFA095}" type="slidenum">
-              <a:rPr lang="en-US" smtClean="0"/>
-              <a:pPr/>
-              <a:t>21</a:t>
-            </a:fld>
-            <a:endParaRPr lang="en-US" dirty="0"/>
-          </a:p>
-        </p:txBody>
-      </p:sp>
-    </p:spTree>
-    <p:extLst>
-      <p:ext uri="{BB962C8B-B14F-4D97-AF65-F5344CB8AC3E}">
-        <p14:creationId xmlns:p14="http://schemas.microsoft.com/office/powerpoint/2010/main" val="2110019749"/>
-      </p:ext>
-    </p:extLst>
-  </p:cSld>
-  <p:clrMapOvr>
-    <a:masterClrMapping/>
-  </p:clrMapOvr>
-</p:sld>
-</file>
-
 <file path=ppt/slides/slide22.xml><?xml version="1.0" encoding="utf-8"?>
 <p:sld xmlns:a="http://schemas.openxmlformats.org/drawingml/2006/main" xmlns:r="http://schemas.openxmlformats.org/officeDocument/2006/relationships" xmlns:p="http://schemas.openxmlformats.org/presentationml/2006/main">
   <p:cSld>
@@ -17482,12 +18018,12 @@
       </p:grpSpPr>
       <p:sp>
         <p:nvSpPr>
-          <p:cNvPr id="4" name="Espace réservé du pied de page 3"/>
+          <p:cNvPr id="2" name="Titre 1"/>
           <p:cNvSpPr>
             <a:spLocks noGrp="1"/>
           </p:cNvSpPr>
           <p:nvPr>
-            <p:ph type="ftr" sz="quarter" idx="11"/>
+            <p:ph type="title"/>
           </p:nvPr>
         </p:nvSpPr>
         <p:spPr/>
@@ -17496,21 +18032,20 @@
           <a:lstStyle/>
           <a:p>
             <a:r>
-              <a:rPr lang="en-US"/>
-              <a:t>Connected Factory</a:t>
-            </a:r>
-            <a:endParaRPr lang="en-US" dirty="0"/>
-          </a:p>
-        </p:txBody>
-      </p:sp>
-      <p:sp>
-        <p:nvSpPr>
-          <p:cNvPr id="5" name="Espace réservé du numéro de diapositive 4"/>
+              <a:rPr lang="fr-CH" dirty="0"/>
+              <a:t>Serveur</a:t>
+            </a:r>
+          </a:p>
+        </p:txBody>
+      </p:sp>
+      <p:sp>
+        <p:nvSpPr>
+          <p:cNvPr id="3" name="Espace réservé du contenu 2"/>
           <p:cNvSpPr>
             <a:spLocks noGrp="1"/>
           </p:cNvSpPr>
           <p:nvPr>
-            <p:ph type="sldNum" sz="quarter" idx="12"/>
+            <p:ph idx="1"/>
           </p:nvPr>
         </p:nvSpPr>
         <p:spPr/>
@@ -17518,15 +18053,201 @@
           <a:bodyPr/>
           <a:lstStyle/>
           <a:p>
-            <a:fld id="{6D22F896-40B5-4ADD-8801-0D06FADFA095}" type="slidenum">
-              <a:rPr lang="en-US" smtClean="0"/>
-              <a:pPr/>
-              <a:t>22</a:t>
-            </a:fld>
-            <a:endParaRPr lang="en-US" dirty="0"/>
-          </a:p>
-        </p:txBody>
-      </p:sp>
+            <a:r>
+              <a:rPr lang="fr-CH" dirty="0"/>
+              <a:t>Idem que le client</a:t>
+            </a:r>
+          </a:p>
+          <a:p>
+            <a:r>
+              <a:rPr lang="fr-CH" dirty="0"/>
+              <a:t>Instanciation des nœuds à la main</a:t>
+            </a:r>
+          </a:p>
+        </p:txBody>
+      </p:sp>
+    </p:spTree>
+    <p:extLst>
+      <p:ext uri="{BB962C8B-B14F-4D97-AF65-F5344CB8AC3E}">
+        <p14:creationId xmlns:p14="http://schemas.microsoft.com/office/powerpoint/2010/main" val="1639442962"/>
+      </p:ext>
+    </p:extLst>
+  </p:cSld>
+  <p:clrMapOvr>
+    <a:masterClrMapping/>
+  </p:clrMapOvr>
+</p:sld>
+</file>
+
+<file path=ppt/slides/slide23.xml><?xml version="1.0" encoding="utf-8"?>
+<p:sld xmlns:a="http://schemas.openxmlformats.org/drawingml/2006/main" xmlns:r="http://schemas.openxmlformats.org/officeDocument/2006/relationships" xmlns:p="http://schemas.openxmlformats.org/presentationml/2006/main">
+  <p:cSld>
+    <p:spTree>
+      <p:nvGrpSpPr>
+        <p:cNvPr id="1" name=""/>
+        <p:cNvGrpSpPr/>
+        <p:nvPr/>
+      </p:nvGrpSpPr>
+      <p:grpSpPr>
+        <a:xfrm>
+          <a:off x="0" y="0"/>
+          <a:ext cx="0" cy="0"/>
+          <a:chOff x="0" y="0"/>
+          <a:chExt cx="0" cy="0"/>
+        </a:xfrm>
+      </p:grpSpPr>
+      <p:sp>
+        <p:nvSpPr>
+          <p:cNvPr id="2" name="Titre 1"/>
+          <p:cNvSpPr>
+            <a:spLocks noGrp="1"/>
+          </p:cNvSpPr>
+          <p:nvPr>
+            <p:ph type="title"/>
+          </p:nvPr>
+        </p:nvSpPr>
+        <p:spPr/>
+        <p:txBody>
+          <a:bodyPr/>
+          <a:lstStyle/>
+          <a:p>
+            <a:r>
+              <a:rPr lang="fr-CH" dirty="0"/>
+              <a:t>Cas d’utilisation réel</a:t>
+            </a:r>
+          </a:p>
+        </p:txBody>
+      </p:sp>
+      <p:sp>
+        <p:nvSpPr>
+          <p:cNvPr id="3" name="Espace réservé du contenu 2"/>
+          <p:cNvSpPr>
+            <a:spLocks noGrp="1"/>
+          </p:cNvSpPr>
+          <p:nvPr>
+            <p:ph idx="1"/>
+          </p:nvPr>
+        </p:nvSpPr>
+        <p:spPr/>
+        <p:txBody>
+          <a:bodyPr/>
+          <a:lstStyle/>
+          <a:p>
+            <a:endParaRPr lang="fr-CH" dirty="0"/>
+          </a:p>
+        </p:txBody>
+      </p:sp>
+    </p:spTree>
+    <p:extLst>
+      <p:ext uri="{BB962C8B-B14F-4D97-AF65-F5344CB8AC3E}">
+        <p14:creationId xmlns:p14="http://schemas.microsoft.com/office/powerpoint/2010/main" val="2110019749"/>
+      </p:ext>
+    </p:extLst>
+  </p:cSld>
+  <p:clrMapOvr>
+    <a:masterClrMapping/>
+  </p:clrMapOvr>
+</p:sld>
+</file>
+
+<file path=ppt/slides/slide24.xml><?xml version="1.0" encoding="utf-8"?>
+<p:sld xmlns:a="http://schemas.openxmlformats.org/drawingml/2006/main" xmlns:r="http://schemas.openxmlformats.org/officeDocument/2006/relationships" xmlns:p="http://schemas.openxmlformats.org/presentationml/2006/main">
+  <p:cSld>
+    <p:spTree>
+      <p:nvGrpSpPr>
+        <p:cNvPr id="1" name=""/>
+        <p:cNvGrpSpPr/>
+        <p:nvPr/>
+      </p:nvGrpSpPr>
+      <p:grpSpPr>
+        <a:xfrm>
+          <a:off x="0" y="0"/>
+          <a:ext cx="0" cy="0"/>
+          <a:chOff x="0" y="0"/>
+          <a:chExt cx="0" cy="0"/>
+        </a:xfrm>
+      </p:grpSpPr>
+      <p:sp>
+        <p:nvSpPr>
+          <p:cNvPr id="4" name="Titre 3"/>
+          <p:cNvSpPr>
+            <a:spLocks noGrp="1"/>
+          </p:cNvSpPr>
+          <p:nvPr>
+            <p:ph type="title"/>
+          </p:nvPr>
+        </p:nvSpPr>
+        <p:spPr>
+          <a:xfrm>
+            <a:off x="856058" y="486411"/>
+            <a:ext cx="7429499" cy="1478570"/>
+          </a:xfrm>
+        </p:spPr>
+        <p:txBody>
+          <a:bodyPr/>
+          <a:lstStyle/>
+          <a:p>
+            <a:r>
+              <a:rPr lang="fr-CH" dirty="0"/>
+              <a:t>Démonstration</a:t>
+            </a:r>
+          </a:p>
+        </p:txBody>
+      </p:sp>
+      <p:pic>
+        <p:nvPicPr>
+          <p:cNvPr id="8" name="Image 7"/>
+          <p:cNvPicPr>
+            <a:picLocks noChangeAspect="1"/>
+          </p:cNvPicPr>
+          <p:nvPr/>
+        </p:nvPicPr>
+        <p:blipFill>
+          <a:blip r:embed="rId3"/>
+          <a:stretch>
+            <a:fillRect/>
+          </a:stretch>
+        </p:blipFill>
+        <p:spPr>
+          <a:xfrm>
+            <a:off x="942522" y="1866611"/>
+            <a:ext cx="7256570" cy="3663856"/>
+          </a:xfrm>
+          <a:prstGeom prst="rect">
+            <a:avLst/>
+          </a:prstGeom>
+        </p:spPr>
+      </p:pic>
+    </p:spTree>
+    <p:extLst>
+      <p:ext uri="{BB962C8B-B14F-4D97-AF65-F5344CB8AC3E}">
+        <p14:creationId xmlns:p14="http://schemas.microsoft.com/office/powerpoint/2010/main" val="4015029402"/>
+      </p:ext>
+    </p:extLst>
+  </p:cSld>
+  <p:clrMapOvr>
+    <a:masterClrMapping/>
+  </p:clrMapOvr>
+</p:sld>
+</file>
+
+<file path=ppt/slides/slide25.xml><?xml version="1.0" encoding="utf-8"?>
+<p:sld xmlns:a="http://schemas.openxmlformats.org/drawingml/2006/main" xmlns:r="http://schemas.openxmlformats.org/officeDocument/2006/relationships" xmlns:p="http://schemas.openxmlformats.org/presentationml/2006/main">
+  <p:cSld>
+    <p:spTree>
+      <p:nvGrpSpPr>
+        <p:cNvPr id="1" name=""/>
+        <p:cNvGrpSpPr/>
+        <p:nvPr/>
+      </p:nvGrpSpPr>
+      <p:grpSpPr>
+        <a:xfrm>
+          <a:off x="0" y="0"/>
+          <a:ext cx="0" cy="0"/>
+          <a:chOff x="0" y="0"/>
+          <a:chExt cx="0" cy="0"/>
+        </a:xfrm>
+      </p:grpSpPr>
       <p:pic>
         <p:nvPicPr>
           <p:cNvPr id="6" name="Image 5"/>
@@ -17543,7 +18264,7 @@
         </p:blipFill>
         <p:spPr>
           <a:xfrm>
-            <a:off x="2379644" y="143220"/>
+            <a:off x="2148289" y="138582"/>
             <a:ext cx="4847422" cy="6580836"/>
           </a:xfrm>
           <a:prstGeom prst="rect">
@@ -17650,7 +18371,7 @@
 </p:sld>
 </file>
 
-<file path=ppt/slides/slide23.xml><?xml version="1.0" encoding="utf-8"?>
+<file path=ppt/slides/slide26.xml><?xml version="1.0" encoding="utf-8"?>
 <p:sld xmlns:a="http://schemas.openxmlformats.org/drawingml/2006/main" xmlns:r="http://schemas.openxmlformats.org/officeDocument/2006/relationships" xmlns:p="http://schemas.openxmlformats.org/presentationml/2006/main">
   <p:cSld>
     <p:spTree>
@@ -17677,97 +18398,22 @@
             <p:ph type="title"/>
           </p:nvPr>
         </p:nvSpPr>
-        <p:spPr>
-          <a:xfrm>
-            <a:off x="856058" y="486411"/>
-            <a:ext cx="7429499" cy="1478570"/>
-          </a:xfrm>
-        </p:spPr>
+        <p:spPr/>
         <p:txBody>
           <a:bodyPr/>
           <a:lstStyle/>
           <a:p>
             <a:r>
               <a:rPr lang="fr-CH" dirty="0"/>
-              <a:t>Démonstration</a:t>
-            </a:r>
-          </a:p>
-        </p:txBody>
-      </p:sp>
-      <p:sp>
-        <p:nvSpPr>
-          <p:cNvPr id="5" name="Espace réservé du pied de page 4"/>
-          <p:cNvSpPr>
-            <a:spLocks noGrp="1"/>
-          </p:cNvSpPr>
-          <p:nvPr>
-            <p:ph type="ftr" sz="quarter" idx="11"/>
-          </p:nvPr>
-        </p:nvSpPr>
-        <p:spPr/>
-        <p:txBody>
-          <a:bodyPr/>
-          <a:lstStyle/>
-          <a:p>
-            <a:r>
-              <a:rPr lang="en-US"/>
-              <a:t>Connected Factory</a:t>
-            </a:r>
-            <a:endParaRPr lang="en-US" dirty="0"/>
-          </a:p>
-        </p:txBody>
-      </p:sp>
-      <p:sp>
-        <p:nvSpPr>
-          <p:cNvPr id="6" name="Espace réservé du numéro de diapositive 5"/>
-          <p:cNvSpPr>
-            <a:spLocks noGrp="1"/>
-          </p:cNvSpPr>
-          <p:nvPr>
-            <p:ph type="sldNum" sz="quarter" idx="12"/>
-          </p:nvPr>
-        </p:nvSpPr>
-        <p:spPr/>
-        <p:txBody>
-          <a:bodyPr/>
-          <a:lstStyle/>
-          <a:p>
-            <a:fld id="{6D22F896-40B5-4ADD-8801-0D06FADFA095}" type="slidenum">
-              <a:rPr lang="en-US" smtClean="0"/>
-              <a:t>23</a:t>
-            </a:fld>
-            <a:endParaRPr lang="en-US" dirty="0"/>
-          </a:p>
-        </p:txBody>
-      </p:sp>
-      <p:pic>
-        <p:nvPicPr>
-          <p:cNvPr id="8" name="Image 7"/>
-          <p:cNvPicPr>
-            <a:picLocks noChangeAspect="1"/>
-          </p:cNvPicPr>
-          <p:nvPr/>
-        </p:nvPicPr>
-        <p:blipFill>
-          <a:blip r:embed="rId2"/>
-          <a:stretch>
-            <a:fillRect/>
-          </a:stretch>
-        </p:blipFill>
-        <p:spPr>
-          <a:xfrm>
-            <a:off x="1878414" y="2137272"/>
-            <a:ext cx="5384786" cy="2718789"/>
-          </a:xfrm>
-          <a:prstGeom prst="rect">
-            <a:avLst/>
-          </a:prstGeom>
-        </p:spPr>
-      </p:pic>
+              <a:t>Conclusion</a:t>
+            </a:r>
+          </a:p>
+        </p:txBody>
+      </p:sp>
     </p:spTree>
     <p:extLst>
       <p:ext uri="{BB962C8B-B14F-4D97-AF65-F5344CB8AC3E}">
-        <p14:creationId xmlns:p14="http://schemas.microsoft.com/office/powerpoint/2010/main" val="4015029402"/>
+        <p14:creationId xmlns:p14="http://schemas.microsoft.com/office/powerpoint/2010/main" val="2782256258"/>
       </p:ext>
     </p:extLst>
   </p:cSld>
@@ -17777,7 +18423,7 @@
 </p:sld>
 </file>
 
-<file path=ppt/slides/slide24.xml><?xml version="1.0" encoding="utf-8"?>
+<file path=ppt/slides/slide27.xml><?xml version="1.0" encoding="utf-8"?>
 <p:sld xmlns:a="http://schemas.openxmlformats.org/drawingml/2006/main" xmlns:r="http://schemas.openxmlformats.org/officeDocument/2006/relationships" xmlns:p="http://schemas.openxmlformats.org/presentationml/2006/main">
   <p:cSld>
     <p:spTree>
@@ -17796,7 +18442,7 @@
       </p:grpSpPr>
       <p:sp>
         <p:nvSpPr>
-          <p:cNvPr id="4" name="Titre 3"/>
+          <p:cNvPr id="5" name="Titre 4"/>
           <p:cNvSpPr>
             <a:spLocks noGrp="1"/>
           </p:cNvSpPr>
@@ -17818,12 +18464,12 @@
       </p:sp>
       <p:sp>
         <p:nvSpPr>
-          <p:cNvPr id="5" name="Espace réservé du pied de page 4"/>
+          <p:cNvPr id="6" name="Espace réservé du contenu 5"/>
           <p:cNvSpPr>
             <a:spLocks noGrp="1"/>
           </p:cNvSpPr>
           <p:nvPr>
-            <p:ph type="ftr" sz="quarter" idx="11"/>
+            <p:ph idx="1"/>
           </p:nvPr>
         </p:nvSpPr>
         <p:spPr/>
@@ -17832,104 +18478,6 @@
           <a:lstStyle/>
           <a:p>
             <a:r>
-              <a:rPr lang="en-US"/>
-              <a:t>Connected Factory</a:t>
-            </a:r>
-            <a:endParaRPr lang="en-US" dirty="0"/>
-          </a:p>
-        </p:txBody>
-      </p:sp>
-      <p:sp>
-        <p:nvSpPr>
-          <p:cNvPr id="6" name="Espace réservé du numéro de diapositive 5"/>
-          <p:cNvSpPr>
-            <a:spLocks noGrp="1"/>
-          </p:cNvSpPr>
-          <p:nvPr>
-            <p:ph type="sldNum" sz="quarter" idx="12"/>
-          </p:nvPr>
-        </p:nvSpPr>
-        <p:spPr/>
-        <p:txBody>
-          <a:bodyPr/>
-          <a:lstStyle/>
-          <a:p>
-            <a:fld id="{6D22F896-40B5-4ADD-8801-0D06FADFA095}" type="slidenum">
-              <a:rPr lang="en-US" smtClean="0"/>
-              <a:t>24</a:t>
-            </a:fld>
-            <a:endParaRPr lang="en-US" dirty="0"/>
-          </a:p>
-        </p:txBody>
-      </p:sp>
-    </p:spTree>
-    <p:extLst>
-      <p:ext uri="{BB962C8B-B14F-4D97-AF65-F5344CB8AC3E}">
-        <p14:creationId xmlns:p14="http://schemas.microsoft.com/office/powerpoint/2010/main" val="2782256258"/>
-      </p:ext>
-    </p:extLst>
-  </p:cSld>
-  <p:clrMapOvr>
-    <a:masterClrMapping/>
-  </p:clrMapOvr>
-</p:sld>
-</file>
-
-<file path=ppt/slides/slide25.xml><?xml version="1.0" encoding="utf-8"?>
-<p:sld xmlns:a="http://schemas.openxmlformats.org/drawingml/2006/main" xmlns:r="http://schemas.openxmlformats.org/officeDocument/2006/relationships" xmlns:p="http://schemas.openxmlformats.org/presentationml/2006/main">
-  <p:cSld>
-    <p:spTree>
-      <p:nvGrpSpPr>
-        <p:cNvPr id="1" name=""/>
-        <p:cNvGrpSpPr/>
-        <p:nvPr/>
-      </p:nvGrpSpPr>
-      <p:grpSpPr>
-        <a:xfrm>
-          <a:off x="0" y="0"/>
-          <a:ext cx="0" cy="0"/>
-          <a:chOff x="0" y="0"/>
-          <a:chExt cx="0" cy="0"/>
-        </a:xfrm>
-      </p:grpSpPr>
-      <p:sp>
-        <p:nvSpPr>
-          <p:cNvPr id="5" name="Titre 4"/>
-          <p:cNvSpPr>
-            <a:spLocks noGrp="1"/>
-          </p:cNvSpPr>
-          <p:nvPr>
-            <p:ph type="title"/>
-          </p:nvPr>
-        </p:nvSpPr>
-        <p:spPr/>
-        <p:txBody>
-          <a:bodyPr/>
-          <a:lstStyle/>
-          <a:p>
-            <a:r>
-              <a:rPr lang="fr-CH" dirty="0"/>
-              <a:t>Conclusion</a:t>
-            </a:r>
-          </a:p>
-        </p:txBody>
-      </p:sp>
-      <p:sp>
-        <p:nvSpPr>
-          <p:cNvPr id="6" name="Espace réservé du contenu 5"/>
-          <p:cNvSpPr>
-            <a:spLocks noGrp="1"/>
-          </p:cNvSpPr>
-          <p:nvPr>
-            <p:ph idx="1"/>
-          </p:nvPr>
-        </p:nvSpPr>
-        <p:spPr/>
-        <p:txBody>
-          <a:bodyPr/>
-          <a:lstStyle/>
-          <a:p>
-            <a:r>
               <a:rPr lang="fr-CH" dirty="0"/>
               <a:t>Objectif initial non atteint</a:t>
             </a:r>
@@ -17942,9 +18490,15 @@
             </a:r>
           </a:p>
           <a:p>
+            <a:pPr marL="0" indent="0">
+              <a:buNone/>
+            </a:pPr>
             <a:endParaRPr lang="fr-CH" dirty="0"/>
           </a:p>
           <a:p>
+            <a:pPr marL="0" indent="0">
+              <a:buNone/>
+            </a:pPr>
             <a:endParaRPr lang="fr-CH" dirty="0"/>
           </a:p>
           <a:p>
@@ -17957,54 +18511,8 @@
             <a:pPr lvl="1"/>
             <a:r>
               <a:rPr lang="fr-CH" dirty="0"/>
-              <a:t>Guide</a:t>
-            </a:r>
-          </a:p>
-        </p:txBody>
-      </p:sp>
-      <p:sp>
-        <p:nvSpPr>
-          <p:cNvPr id="3" name="Espace réservé du pied de page 2"/>
-          <p:cNvSpPr>
-            <a:spLocks noGrp="1"/>
-          </p:cNvSpPr>
-          <p:nvPr>
-            <p:ph type="ftr" sz="quarter" idx="11"/>
-          </p:nvPr>
-        </p:nvSpPr>
-        <p:spPr/>
-        <p:txBody>
-          <a:bodyPr/>
-          <a:lstStyle/>
-          <a:p>
-            <a:r>
-              <a:rPr lang="en-US"/>
-              <a:t>Connected Factory</a:t>
-            </a:r>
-            <a:endParaRPr lang="en-US" dirty="0"/>
-          </a:p>
-        </p:txBody>
-      </p:sp>
-      <p:sp>
-        <p:nvSpPr>
-          <p:cNvPr id="4" name="Espace réservé du numéro de diapositive 3"/>
-          <p:cNvSpPr>
-            <a:spLocks noGrp="1"/>
-          </p:cNvSpPr>
-          <p:nvPr>
-            <p:ph type="sldNum" sz="quarter" idx="12"/>
-          </p:nvPr>
-        </p:nvSpPr>
-        <p:spPr/>
-        <p:txBody>
-          <a:bodyPr/>
-          <a:lstStyle/>
-          <a:p>
-            <a:fld id="{6D22F896-40B5-4ADD-8801-0D06FADFA095}" type="slidenum">
-              <a:rPr lang="en-US" smtClean="0"/>
-              <a:t>25</a:t>
-            </a:fld>
-            <a:endParaRPr lang="en-US" dirty="0"/>
+              <a:t>Guide développeur</a:t>
+            </a:r>
           </a:p>
         </p:txBody>
       </p:sp>
@@ -18017,7 +18525,7 @@
           <p:nvPr/>
         </p:nvPicPr>
         <p:blipFill>
-          <a:blip r:embed="rId2"/>
+          <a:blip r:embed="rId3"/>
           <a:stretch>
             <a:fillRect/>
           </a:stretch>
@@ -18041,14 +18549,14 @@
           <p:nvPr/>
         </p:nvPicPr>
         <p:blipFill>
-          <a:blip r:embed="rId3"/>
+          <a:blip r:embed="rId4"/>
           <a:stretch>
             <a:fillRect/>
           </a:stretch>
         </p:blipFill>
         <p:spPr>
           <a:xfrm>
-            <a:off x="2392770" y="4916112"/>
+            <a:off x="3748519" y="4936309"/>
             <a:ext cx="461589" cy="463521"/>
           </a:xfrm>
           <a:prstGeom prst="rect">
@@ -18065,7 +18573,7 @@
           <p:nvPr/>
         </p:nvPicPr>
         <p:blipFill>
-          <a:blip r:embed="rId4"/>
+          <a:blip r:embed="rId5"/>
           <a:stretch>
             <a:fillRect/>
           </a:stretch>
@@ -18089,7 +18597,7 @@
           <p:nvPr/>
         </p:nvPicPr>
         <p:blipFill>
-          <a:blip r:embed="rId5"/>
+          <a:blip r:embed="rId6"/>
           <a:stretch>
             <a:fillRect/>
           </a:stretch>
@@ -18451,7 +18959,7 @@
 </p:sld>
 </file>
 
-<file path=ppt/slides/slide26.xml><?xml version="1.0" encoding="utf-8"?>
+<file path=ppt/slides/slide28.xml><?xml version="1.0" encoding="utf-8"?>
 <p:sld xmlns:a="http://schemas.openxmlformats.org/drawingml/2006/main" xmlns:r="http://schemas.openxmlformats.org/officeDocument/2006/relationships" xmlns:p="http://schemas.openxmlformats.org/presentationml/2006/main">
   <p:cSld>
     <p:spTree>
@@ -18495,52 +19003,6 @@
           </a:p>
         </p:txBody>
       </p:sp>
-      <p:sp>
-        <p:nvSpPr>
-          <p:cNvPr id="5" name="Espace réservé du pied de page 4"/>
-          <p:cNvSpPr>
-            <a:spLocks noGrp="1"/>
-          </p:cNvSpPr>
-          <p:nvPr>
-            <p:ph type="ftr" sz="quarter" idx="11"/>
-          </p:nvPr>
-        </p:nvSpPr>
-        <p:spPr/>
-        <p:txBody>
-          <a:bodyPr/>
-          <a:lstStyle/>
-          <a:p>
-            <a:r>
-              <a:rPr lang="en-US"/>
-              <a:t>Connected Factory</a:t>
-            </a:r>
-            <a:endParaRPr lang="en-US" dirty="0"/>
-          </a:p>
-        </p:txBody>
-      </p:sp>
-      <p:sp>
-        <p:nvSpPr>
-          <p:cNvPr id="6" name="Espace réservé du numéro de diapositive 5"/>
-          <p:cNvSpPr>
-            <a:spLocks noGrp="1"/>
-          </p:cNvSpPr>
-          <p:nvPr>
-            <p:ph type="sldNum" sz="quarter" idx="12"/>
-          </p:nvPr>
-        </p:nvSpPr>
-        <p:spPr/>
-        <p:txBody>
-          <a:bodyPr/>
-          <a:lstStyle/>
-          <a:p>
-            <a:fld id="{6D22F896-40B5-4ADD-8801-0D06FADFA095}" type="slidenum">
-              <a:rPr lang="en-US" smtClean="0"/>
-              <a:t>26</a:t>
-            </a:fld>
-            <a:endParaRPr lang="en-US" dirty="0"/>
-          </a:p>
-        </p:txBody>
-      </p:sp>
       <p:pic>
         <p:nvPicPr>
           <p:cNvPr id="2" name="Image 1"/>
@@ -18550,7 +19012,7 @@
           <p:nvPr/>
         </p:nvPicPr>
         <p:blipFill>
-          <a:blip r:embed="rId2"/>
+          <a:blip r:embed="rId3"/>
           <a:stretch>
             <a:fillRect/>
           </a:stretch>
@@ -18578,7 +19040,7 @@
 </p:sld>
 </file>
 
-<file path=ppt/slides/slide27.xml><?xml version="1.0" encoding="utf-8"?>
+<file path=ppt/slides/slide29.xml><?xml version="1.0" encoding="utf-8"?>
 <p:sld xmlns:a="http://schemas.openxmlformats.org/drawingml/2006/main" xmlns:r="http://schemas.openxmlformats.org/officeDocument/2006/relationships" xmlns:p="http://schemas.openxmlformats.org/presentationml/2006/main">
   <p:cSld>
     <p:spTree>
@@ -18614,52 +19076,6 @@
               <a:rPr lang="fr-CH" dirty="0"/>
               <a:t>Merci de votre attention</a:t>
             </a:r>
-          </a:p>
-        </p:txBody>
-      </p:sp>
-      <p:sp>
-        <p:nvSpPr>
-          <p:cNvPr id="5" name="Espace réservé du pied de page 4"/>
-          <p:cNvSpPr>
-            <a:spLocks noGrp="1"/>
-          </p:cNvSpPr>
-          <p:nvPr>
-            <p:ph type="ftr" sz="quarter" idx="11"/>
-          </p:nvPr>
-        </p:nvSpPr>
-        <p:spPr/>
-        <p:txBody>
-          <a:bodyPr/>
-          <a:lstStyle/>
-          <a:p>
-            <a:r>
-              <a:rPr lang="en-US"/>
-              <a:t>Connected Factory</a:t>
-            </a:r>
-            <a:endParaRPr lang="en-US" dirty="0"/>
-          </a:p>
-        </p:txBody>
-      </p:sp>
-      <p:sp>
-        <p:nvSpPr>
-          <p:cNvPr id="6" name="Espace réservé du numéro de diapositive 5"/>
-          <p:cNvSpPr>
-            <a:spLocks noGrp="1"/>
-          </p:cNvSpPr>
-          <p:nvPr>
-            <p:ph type="sldNum" sz="quarter" idx="12"/>
-          </p:nvPr>
-        </p:nvSpPr>
-        <p:spPr/>
-        <p:txBody>
-          <a:bodyPr/>
-          <a:lstStyle/>
-          <a:p>
-            <a:fld id="{6D22F896-40B5-4ADD-8801-0D06FADFA095}" type="slidenum">
-              <a:rPr lang="en-US" smtClean="0"/>
-              <a:t>27</a:t>
-            </a:fld>
-            <a:endParaRPr lang="en-US" dirty="0"/>
           </a:p>
         </p:txBody>
       </p:sp>
@@ -18715,52 +19131,6 @@
           </a:p>
         </p:txBody>
       </p:sp>
-      <p:sp>
-        <p:nvSpPr>
-          <p:cNvPr id="5" name="Espace réservé du pied de page 4"/>
-          <p:cNvSpPr>
-            <a:spLocks noGrp="1"/>
-          </p:cNvSpPr>
-          <p:nvPr>
-            <p:ph type="ftr" sz="quarter" idx="11"/>
-          </p:nvPr>
-        </p:nvSpPr>
-        <p:spPr/>
-        <p:txBody>
-          <a:bodyPr/>
-          <a:lstStyle/>
-          <a:p>
-            <a:r>
-              <a:rPr lang="en-US"/>
-              <a:t>Connected Factory</a:t>
-            </a:r>
-            <a:endParaRPr lang="en-US" dirty="0"/>
-          </a:p>
-        </p:txBody>
-      </p:sp>
-      <p:sp>
-        <p:nvSpPr>
-          <p:cNvPr id="6" name="Espace réservé du numéro de diapositive 5"/>
-          <p:cNvSpPr>
-            <a:spLocks noGrp="1"/>
-          </p:cNvSpPr>
-          <p:nvPr>
-            <p:ph type="sldNum" sz="quarter" idx="12"/>
-          </p:nvPr>
-        </p:nvSpPr>
-        <p:spPr/>
-        <p:txBody>
-          <a:bodyPr/>
-          <a:lstStyle/>
-          <a:p>
-            <a:fld id="{6D22F896-40B5-4ADD-8801-0D06FADFA095}" type="slidenum">
-              <a:rPr lang="en-US" smtClean="0"/>
-              <a:t>3</a:t>
-            </a:fld>
-            <a:endParaRPr lang="en-US" dirty="0"/>
-          </a:p>
-        </p:txBody>
-      </p:sp>
     </p:spTree>
     <p:extLst>
       <p:ext uri="{BB962C8B-B14F-4D97-AF65-F5344CB8AC3E}">
@@ -18813,53 +19183,6 @@
           </a:p>
         </p:txBody>
       </p:sp>
-      <p:sp>
-        <p:nvSpPr>
-          <p:cNvPr id="5" name="Espace réservé du pied de page 4"/>
-          <p:cNvSpPr>
-            <a:spLocks noGrp="1"/>
-          </p:cNvSpPr>
-          <p:nvPr>
-            <p:ph type="ftr" sz="quarter" idx="11"/>
-          </p:nvPr>
-        </p:nvSpPr>
-        <p:spPr/>
-        <p:txBody>
-          <a:bodyPr/>
-          <a:lstStyle/>
-          <a:p>
-            <a:r>
-              <a:rPr lang="en-US"/>
-              <a:t>Connected Factory</a:t>
-            </a:r>
-            <a:endParaRPr lang="en-US" dirty="0"/>
-          </a:p>
-        </p:txBody>
-      </p:sp>
-      <p:sp>
-        <p:nvSpPr>
-          <p:cNvPr id="6" name="Espace réservé du numéro de diapositive 5"/>
-          <p:cNvSpPr>
-            <a:spLocks noGrp="1"/>
-          </p:cNvSpPr>
-          <p:nvPr>
-            <p:ph type="sldNum" sz="quarter" idx="12"/>
-          </p:nvPr>
-        </p:nvSpPr>
-        <p:spPr/>
-        <p:txBody>
-          <a:bodyPr/>
-          <a:lstStyle/>
-          <a:p>
-            <a:fld id="{6D22F896-40B5-4ADD-8801-0D06FADFA095}" type="slidenum">
-              <a:rPr lang="en-US" smtClean="0"/>
-              <a:pPr/>
-              <a:t>4</a:t>
-            </a:fld>
-            <a:endParaRPr lang="en-US" dirty="0"/>
-          </a:p>
-        </p:txBody>
-      </p:sp>
       <p:pic>
         <p:nvPicPr>
           <p:cNvPr id="7" name="Image 6"/>
@@ -18876,7 +19199,7 @@
         </p:blipFill>
         <p:spPr>
           <a:xfrm>
-            <a:off x="2441721" y="1639245"/>
+            <a:off x="2442912" y="1306985"/>
             <a:ext cx="4258176" cy="4244030"/>
           </a:xfrm>
           <a:prstGeom prst="rect">
@@ -18995,53 +19318,6 @@
               <a:rPr lang="fr-CH" dirty="0"/>
               <a:t>Exploratoire</a:t>
             </a:r>
-          </a:p>
-        </p:txBody>
-      </p:sp>
-      <p:sp>
-        <p:nvSpPr>
-          <p:cNvPr id="4" name="Espace réservé du pied de page 3"/>
-          <p:cNvSpPr>
-            <a:spLocks noGrp="1"/>
-          </p:cNvSpPr>
-          <p:nvPr>
-            <p:ph type="ftr" sz="quarter" idx="11"/>
-          </p:nvPr>
-        </p:nvSpPr>
-        <p:spPr/>
-        <p:txBody>
-          <a:bodyPr/>
-          <a:lstStyle/>
-          <a:p>
-            <a:r>
-              <a:rPr lang="en-US"/>
-              <a:t>Connected Factory</a:t>
-            </a:r>
-            <a:endParaRPr lang="en-US" dirty="0"/>
-          </a:p>
-        </p:txBody>
-      </p:sp>
-      <p:sp>
-        <p:nvSpPr>
-          <p:cNvPr id="5" name="Espace réservé du numéro de diapositive 4"/>
-          <p:cNvSpPr>
-            <a:spLocks noGrp="1"/>
-          </p:cNvSpPr>
-          <p:nvPr>
-            <p:ph type="sldNum" sz="quarter" idx="12"/>
-          </p:nvPr>
-        </p:nvSpPr>
-        <p:spPr/>
-        <p:txBody>
-          <a:bodyPr/>
-          <a:lstStyle/>
-          <a:p>
-            <a:fld id="{6D22F896-40B5-4ADD-8801-0D06FADFA095}" type="slidenum">
-              <a:rPr lang="en-US" smtClean="0"/>
-              <a:pPr/>
-              <a:t>5</a:t>
-            </a:fld>
-            <a:endParaRPr lang="en-US" dirty="0"/>
           </a:p>
         </p:txBody>
       </p:sp>
@@ -19137,7 +19413,7 @@
         </p:blipFill>
         <p:spPr>
           <a:xfrm>
-            <a:off x="4142656" y="3597571"/>
+            <a:off x="4142655" y="3597570"/>
             <a:ext cx="856304" cy="732087"/>
           </a:xfrm>
           <a:prstGeom prst="rect">
@@ -19169,53 +19445,6 @@
           </a:prstGeom>
         </p:spPr>
       </p:pic>
-      <p:sp>
-        <p:nvSpPr>
-          <p:cNvPr id="13" name="Espace réservé du pied de page 12"/>
-          <p:cNvSpPr>
-            <a:spLocks noGrp="1"/>
-          </p:cNvSpPr>
-          <p:nvPr>
-            <p:ph type="ftr" sz="quarter" idx="11"/>
-          </p:nvPr>
-        </p:nvSpPr>
-        <p:spPr/>
-        <p:txBody>
-          <a:bodyPr/>
-          <a:lstStyle/>
-          <a:p>
-            <a:r>
-              <a:rPr lang="en-US"/>
-              <a:t>Connected Factory</a:t>
-            </a:r>
-            <a:endParaRPr lang="en-US" dirty="0"/>
-          </a:p>
-        </p:txBody>
-      </p:sp>
-      <p:sp>
-        <p:nvSpPr>
-          <p:cNvPr id="14" name="Espace réservé du numéro de diapositive 13"/>
-          <p:cNvSpPr>
-            <a:spLocks noGrp="1"/>
-          </p:cNvSpPr>
-          <p:nvPr>
-            <p:ph type="sldNum" sz="quarter" idx="12"/>
-          </p:nvPr>
-        </p:nvSpPr>
-        <p:spPr/>
-        <p:txBody>
-          <a:bodyPr/>
-          <a:lstStyle/>
-          <a:p>
-            <a:fld id="{6D22F896-40B5-4ADD-8801-0D06FADFA095}" type="slidenum">
-              <a:rPr lang="en-US" smtClean="0"/>
-              <a:pPr/>
-              <a:t>6</a:t>
-            </a:fld>
-            <a:endParaRPr lang="en-US" dirty="0"/>
-          </a:p>
-        </p:txBody>
-      </p:sp>
       <p:pic>
         <p:nvPicPr>
           <p:cNvPr id="15" name="Image 14"/>
@@ -19577,52 +19806,6 @@
           </a:p>
         </p:txBody>
       </p:sp>
-      <p:sp>
-        <p:nvSpPr>
-          <p:cNvPr id="5" name="Espace réservé du pied de page 4"/>
-          <p:cNvSpPr>
-            <a:spLocks noGrp="1"/>
-          </p:cNvSpPr>
-          <p:nvPr>
-            <p:ph type="ftr" sz="quarter" idx="11"/>
-          </p:nvPr>
-        </p:nvSpPr>
-        <p:spPr/>
-        <p:txBody>
-          <a:bodyPr/>
-          <a:lstStyle/>
-          <a:p>
-            <a:r>
-              <a:rPr lang="en-US"/>
-              <a:t>Connected Factory</a:t>
-            </a:r>
-            <a:endParaRPr lang="en-US" dirty="0"/>
-          </a:p>
-        </p:txBody>
-      </p:sp>
-      <p:sp>
-        <p:nvSpPr>
-          <p:cNvPr id="6" name="Espace réservé du numéro de diapositive 5"/>
-          <p:cNvSpPr>
-            <a:spLocks noGrp="1"/>
-          </p:cNvSpPr>
-          <p:nvPr>
-            <p:ph type="sldNum" sz="quarter" idx="12"/>
-          </p:nvPr>
-        </p:nvSpPr>
-        <p:spPr/>
-        <p:txBody>
-          <a:bodyPr/>
-          <a:lstStyle/>
-          <a:p>
-            <a:fld id="{6D22F896-40B5-4ADD-8801-0D06FADFA095}" type="slidenum">
-              <a:rPr lang="en-US" smtClean="0"/>
-              <a:t>7</a:t>
-            </a:fld>
-            <a:endParaRPr lang="en-US" dirty="0"/>
-          </a:p>
-        </p:txBody>
-      </p:sp>
     </p:spTree>
     <p:extLst>
       <p:ext uri="{BB962C8B-B14F-4D97-AF65-F5344CB8AC3E}">
@@ -19697,75 +19880,222 @@
           <a:p>
             <a:r>
               <a:rPr lang="fr-CH" dirty="0"/>
-              <a:t>Spécification</a:t>
-            </a:r>
-          </a:p>
-          <a:p>
-            <a:pPr lvl="1"/>
-            <a:r>
-              <a:rPr lang="fr-CH" dirty="0"/>
-              <a:t>ensemble explicite d'exigences à satisfaire</a:t>
-            </a:r>
-          </a:p>
-        </p:txBody>
-      </p:sp>
-      <p:sp>
-        <p:nvSpPr>
-          <p:cNvPr id="5" name="Espace réservé du pied de page 4"/>
-          <p:cNvSpPr>
-            <a:spLocks noGrp="1"/>
-          </p:cNvSpPr>
-          <p:nvPr>
-            <p:ph type="ftr" sz="quarter" idx="11"/>
-          </p:nvPr>
-        </p:nvSpPr>
-        <p:spPr/>
-        <p:txBody>
-          <a:bodyPr/>
-          <a:lstStyle/>
-          <a:p>
-            <a:r>
-              <a:rPr lang="en-US"/>
-              <a:t>Connected Factory</a:t>
-            </a:r>
-            <a:endParaRPr lang="en-US" dirty="0"/>
-          </a:p>
-        </p:txBody>
-      </p:sp>
-      <p:sp>
-        <p:nvSpPr>
-          <p:cNvPr id="6" name="Espace réservé du numéro de diapositive 5"/>
-          <p:cNvSpPr>
-            <a:spLocks noGrp="1"/>
-          </p:cNvSpPr>
-          <p:nvPr>
-            <p:ph type="sldNum" sz="quarter" idx="12"/>
-          </p:nvPr>
-        </p:nvSpPr>
-        <p:spPr/>
-        <p:txBody>
-          <a:bodyPr/>
-          <a:lstStyle/>
-          <a:p>
-            <a:fld id="{6D22F896-40B5-4ADD-8801-0D06FADFA095}" type="slidenum">
-              <a:rPr lang="en-US" smtClean="0"/>
-              <a:pPr/>
-              <a:t>8</a:t>
-            </a:fld>
-            <a:endParaRPr lang="en-US" dirty="0"/>
-          </a:p>
-        </p:txBody>
-      </p:sp>
+              <a:t>Succède à OPC</a:t>
+            </a:r>
+          </a:p>
+        </p:txBody>
+      </p:sp>
+      <p:pic>
+        <p:nvPicPr>
+          <p:cNvPr id="7" name="Image 6"/>
+          <p:cNvPicPr>
+            <a:picLocks noChangeAspect="1"/>
+          </p:cNvPicPr>
+          <p:nvPr/>
+        </p:nvPicPr>
+        <p:blipFill>
+          <a:blip r:embed="rId3"/>
+          <a:stretch>
+            <a:fillRect/>
+          </a:stretch>
+        </p:blipFill>
+        <p:spPr>
+          <a:xfrm>
+            <a:off x="420856" y="3551256"/>
+            <a:ext cx="3562350" cy="1171575"/>
+          </a:xfrm>
+          <a:prstGeom prst="rect">
+            <a:avLst/>
+          </a:prstGeom>
+        </p:spPr>
+      </p:pic>
+      <p:pic>
+        <p:nvPicPr>
+          <p:cNvPr id="9" name="Image 8"/>
+          <p:cNvPicPr>
+            <a:picLocks noChangeAspect="1"/>
+          </p:cNvPicPr>
+          <p:nvPr/>
+        </p:nvPicPr>
+        <p:blipFill>
+          <a:blip r:embed="rId4"/>
+          <a:stretch>
+            <a:fillRect/>
+          </a:stretch>
+        </p:blipFill>
+        <p:spPr>
+          <a:xfrm>
+            <a:off x="5596459" y="3617930"/>
+            <a:ext cx="2609850" cy="1038225"/>
+          </a:xfrm>
+          <a:prstGeom prst="rect">
+            <a:avLst/>
+          </a:prstGeom>
+        </p:spPr>
+      </p:pic>
+      <p:pic>
+        <p:nvPicPr>
+          <p:cNvPr id="10" name="Image 9"/>
+          <p:cNvPicPr>
+            <a:picLocks noChangeAspect="1"/>
+          </p:cNvPicPr>
+          <p:nvPr/>
+        </p:nvPicPr>
+        <p:blipFill>
+          <a:blip r:embed="rId5"/>
+          <a:stretch>
+            <a:fillRect/>
+          </a:stretch>
+        </p:blipFill>
+        <p:spPr>
+          <a:xfrm>
+            <a:off x="3983206" y="3233095"/>
+            <a:ext cx="1534003" cy="1534003"/>
+          </a:xfrm>
+          <a:prstGeom prst="rect">
+            <a:avLst/>
+          </a:prstGeom>
+        </p:spPr>
+      </p:pic>
     </p:spTree>
     <p:extLst>
       <p:ext uri="{BB962C8B-B14F-4D97-AF65-F5344CB8AC3E}">
-        <p14:creationId xmlns:p14="http://schemas.microsoft.com/office/powerpoint/2010/main" val="1438320698"/>
+        <p14:creationId xmlns:p14="http://schemas.microsoft.com/office/powerpoint/2010/main" val="930634986"/>
       </p:ext>
     </p:extLst>
   </p:cSld>
   <p:clrMapOvr>
     <a:masterClrMapping/>
   </p:clrMapOvr>
+  <p:timing>
+    <p:tnLst>
+      <p:par>
+        <p:cTn id="1" dur="indefinite" restart="never" nodeType="tmRoot">
+          <p:childTnLst>
+            <p:seq concurrent="1" nextAc="seek">
+              <p:cTn id="2" dur="indefinite" nodeType="mainSeq">
+                <p:childTnLst>
+                  <p:par>
+                    <p:cTn id="3" fill="hold">
+                      <p:stCondLst>
+                        <p:cond delay="indefinite"/>
+                      </p:stCondLst>
+                      <p:childTnLst>
+                        <p:par>
+                          <p:cTn id="4" fill="hold">
+                            <p:stCondLst>
+                              <p:cond delay="0"/>
+                            </p:stCondLst>
+                            <p:childTnLst>
+                              <p:par>
+                                <p:cTn id="5" presetID="1" presetClass="entr" presetSubtype="0" fill="hold" nodeType="clickEffect">
+                                  <p:stCondLst>
+                                    <p:cond delay="0"/>
+                                  </p:stCondLst>
+                                  <p:childTnLst>
+                                    <p:set>
+                                      <p:cBhvr>
+                                        <p:cTn id="6" dur="1" fill="hold">
+                                          <p:stCondLst>
+                                            <p:cond delay="0"/>
+                                          </p:stCondLst>
+                                        </p:cTn>
+                                        <p:tgtEl>
+                                          <p:spTgt spid="7"/>
+                                        </p:tgtEl>
+                                        <p:attrNameLst>
+                                          <p:attrName>style.visibility</p:attrName>
+                                        </p:attrNameLst>
+                                      </p:cBhvr>
+                                      <p:to>
+                                        <p:strVal val="visible"/>
+                                      </p:to>
+                                    </p:set>
+                                  </p:childTnLst>
+                                </p:cTn>
+                              </p:par>
+                              <p:par>
+                                <p:cTn id="7" presetID="1" presetClass="entr" presetSubtype="0" fill="hold" nodeType="withEffect">
+                                  <p:stCondLst>
+                                    <p:cond delay="0"/>
+                                  </p:stCondLst>
+                                  <p:childTnLst>
+                                    <p:set>
+                                      <p:cBhvr>
+                                        <p:cTn id="8" dur="1" fill="hold">
+                                          <p:stCondLst>
+                                            <p:cond delay="0"/>
+                                          </p:stCondLst>
+                                        </p:cTn>
+                                        <p:tgtEl>
+                                          <p:spTgt spid="9"/>
+                                        </p:tgtEl>
+                                        <p:attrNameLst>
+                                          <p:attrName>style.visibility</p:attrName>
+                                        </p:attrNameLst>
+                                      </p:cBhvr>
+                                      <p:to>
+                                        <p:strVal val="visible"/>
+                                      </p:to>
+                                    </p:set>
+                                  </p:childTnLst>
+                                </p:cTn>
+                              </p:par>
+                              <p:par>
+                                <p:cTn id="9" presetID="1" presetClass="entr" presetSubtype="0" fill="hold" nodeType="withEffect">
+                                  <p:stCondLst>
+                                    <p:cond delay="0"/>
+                                  </p:stCondLst>
+                                  <p:childTnLst>
+                                    <p:set>
+                                      <p:cBhvr>
+                                        <p:cTn id="10" dur="1" fill="hold">
+                                          <p:stCondLst>
+                                            <p:cond delay="0"/>
+                                          </p:stCondLst>
+                                        </p:cTn>
+                                        <p:tgtEl>
+                                          <p:spTgt spid="10"/>
+                                        </p:tgtEl>
+                                        <p:attrNameLst>
+                                          <p:attrName>style.visibility</p:attrName>
+                                        </p:attrNameLst>
+                                      </p:cBhvr>
+                                      <p:to>
+                                        <p:strVal val="visible"/>
+                                      </p:to>
+                                    </p:set>
+                                  </p:childTnLst>
+                                </p:cTn>
+                              </p:par>
+                            </p:childTnLst>
+                          </p:cTn>
+                        </p:par>
+                      </p:childTnLst>
+                    </p:cTn>
+                  </p:par>
+                </p:childTnLst>
+              </p:cTn>
+              <p:prevCondLst>
+                <p:cond evt="onPrev" delay="0">
+                  <p:tgtEl>
+                    <p:sldTgt/>
+                  </p:tgtEl>
+                </p:cond>
+              </p:prevCondLst>
+              <p:nextCondLst>
+                <p:cond evt="onNext" delay="0">
+                  <p:tgtEl>
+                    <p:sldTgt/>
+                  </p:tgtEl>
+                </p:cond>
+              </p:nextCondLst>
+            </p:seq>
+          </p:childTnLst>
+        </p:cTn>
+      </p:par>
+    </p:tnLst>
+  </p:timing>
 </p:sld>
 </file>
 
@@ -19788,12 +20118,12 @@
       </p:grpSpPr>
       <p:sp>
         <p:nvSpPr>
-          <p:cNvPr id="4" name="Espace réservé du pied de page 3"/>
+          <p:cNvPr id="3" name="Titre 2"/>
           <p:cNvSpPr>
             <a:spLocks noGrp="1"/>
           </p:cNvSpPr>
           <p:nvPr>
-            <p:ph type="ftr" sz="quarter" idx="11"/>
+            <p:ph type="title"/>
           </p:nvPr>
         </p:nvSpPr>
         <p:spPr/>
@@ -19802,71 +20132,232 @@
           <a:lstStyle/>
           <a:p>
             <a:r>
-              <a:rPr lang="en-US"/>
-              <a:t>Connected Factory</a:t>
-            </a:r>
-            <a:endParaRPr lang="en-US" dirty="0"/>
-          </a:p>
-        </p:txBody>
-      </p:sp>
-      <p:sp>
-        <p:nvSpPr>
-          <p:cNvPr id="5" name="Espace réservé du numéro de diapositive 4"/>
+              <a:rPr lang="fr-CH" dirty="0"/>
+              <a:t>Vue d’ensemble</a:t>
+            </a:r>
+          </a:p>
+        </p:txBody>
+      </p:sp>
+      <p:sp>
+        <p:nvSpPr>
+          <p:cNvPr id="4" name="Espace réservé du contenu 3"/>
           <p:cNvSpPr>
             <a:spLocks noGrp="1"/>
           </p:cNvSpPr>
           <p:nvPr>
-            <p:ph type="sldNum" sz="quarter" idx="12"/>
-          </p:nvPr>
-        </p:nvSpPr>
-        <p:spPr/>
-        <p:txBody>
-          <a:bodyPr/>
-          <a:lstStyle/>
-          <a:p>
-            <a:fld id="{6D22F896-40B5-4ADD-8801-0D06FADFA095}" type="slidenum">
-              <a:rPr lang="en-US" smtClean="0"/>
-              <a:pPr/>
-              <a:t>9</a:t>
-            </a:fld>
-            <a:endParaRPr lang="en-US" dirty="0"/>
-          </a:p>
-        </p:txBody>
-      </p:sp>
-      <p:pic>
-        <p:nvPicPr>
-          <p:cNvPr id="6" name="Image 5"/>
-          <p:cNvPicPr>
-            <a:picLocks noChangeAspect="1"/>
-          </p:cNvPicPr>
-          <p:nvPr/>
-        </p:nvPicPr>
-        <p:blipFill>
-          <a:blip r:embed="rId3"/>
-          <a:stretch>
-            <a:fillRect/>
-          </a:stretch>
-        </p:blipFill>
+            <p:ph idx="1"/>
+          </p:nvPr>
+        </p:nvSpPr>
         <p:spPr>
           <a:xfrm>
-            <a:off x="1226041" y="694063"/>
-            <a:ext cx="6770358" cy="5034708"/>
+            <a:off x="856060" y="2249487"/>
+            <a:ext cx="7781164" cy="1573366"/>
           </a:xfrm>
-          <a:prstGeom prst="rect">
-            <a:avLst/>
-          </a:prstGeom>
         </p:spPr>
-      </p:pic>
+        <p:txBody>
+          <a:bodyPr>
+            <a:noAutofit/>
+          </a:bodyPr>
+          <a:lstStyle/>
+          <a:p>
+            <a:r>
+              <a:rPr lang="fr-CH" dirty="0"/>
+              <a:t>OPC UA</a:t>
+            </a:r>
+          </a:p>
+          <a:p>
+            <a:pPr lvl="1"/>
+            <a:r>
+              <a:rPr lang="fr-CH" sz="2400" dirty="0"/>
+              <a:t>« </a:t>
+            </a:r>
+            <a:r>
+              <a:rPr lang="fr-CH" dirty="0"/>
+              <a:t>Object </a:t>
+            </a:r>
+            <a:r>
+              <a:rPr lang="fr-CH" dirty="0" err="1"/>
+              <a:t>Linking</a:t>
+            </a:r>
+            <a:r>
+              <a:rPr lang="fr-CH" dirty="0"/>
+              <a:t> and </a:t>
+            </a:r>
+            <a:r>
+              <a:rPr lang="fr-CH" dirty="0" err="1"/>
+              <a:t>Embedding</a:t>
+            </a:r>
+            <a:r>
+              <a:rPr lang="fr-CH" dirty="0"/>
+              <a:t> for </a:t>
+            </a:r>
+            <a:r>
+              <a:rPr lang="fr-CH" dirty="0" err="1"/>
+              <a:t>Process</a:t>
+            </a:r>
+            <a:r>
+              <a:rPr lang="fr-CH" dirty="0"/>
+              <a:t> Control</a:t>
+            </a:r>
+            <a:br>
+              <a:rPr lang="fr-CH" dirty="0"/>
+            </a:br>
+            <a:r>
+              <a:rPr lang="fr-CH" dirty="0" err="1"/>
+              <a:t>Unifed</a:t>
+            </a:r>
+            <a:r>
+              <a:rPr lang="fr-CH" dirty="0"/>
+              <a:t> </a:t>
+            </a:r>
+            <a:r>
+              <a:rPr lang="fr-CH" dirty="0" err="1"/>
+              <a:t>Architechture</a:t>
+            </a:r>
+            <a:r>
+              <a:rPr lang="fr-CH" dirty="0"/>
+              <a:t> </a:t>
+            </a:r>
+            <a:r>
+              <a:rPr lang="fr-CH" sz="2400" dirty="0"/>
+              <a:t>»</a:t>
+            </a:r>
+          </a:p>
+          <a:p>
+            <a:r>
+              <a:rPr lang="fr-CH" dirty="0"/>
+              <a:t>Spécification</a:t>
+            </a:r>
+          </a:p>
+          <a:p>
+            <a:pPr lvl="1"/>
+            <a:r>
+              <a:rPr lang="fr-CH" dirty="0"/>
+              <a:t>ensemble explicite d'exigences à satisfaire</a:t>
+            </a:r>
+          </a:p>
+        </p:txBody>
+      </p:sp>
     </p:spTree>
     <p:extLst>
       <p:ext uri="{BB962C8B-B14F-4D97-AF65-F5344CB8AC3E}">
-        <p14:creationId xmlns:p14="http://schemas.microsoft.com/office/powerpoint/2010/main" val="4153433904"/>
+        <p14:creationId xmlns:p14="http://schemas.microsoft.com/office/powerpoint/2010/main" val="1438320698"/>
       </p:ext>
     </p:extLst>
   </p:cSld>
   <p:clrMapOvr>
     <a:masterClrMapping/>
   </p:clrMapOvr>
+  <p:timing>
+    <p:tnLst>
+      <p:par>
+        <p:cTn id="1" dur="indefinite" restart="never" nodeType="tmRoot">
+          <p:childTnLst>
+            <p:seq concurrent="1" nextAc="seek">
+              <p:cTn id="2" dur="indefinite" nodeType="mainSeq">
+                <p:childTnLst>
+                  <p:par>
+                    <p:cTn id="3" fill="hold">
+                      <p:stCondLst>
+                        <p:cond delay="indefinite"/>
+                      </p:stCondLst>
+                      <p:childTnLst>
+                        <p:par>
+                          <p:cTn id="4" fill="hold">
+                            <p:stCondLst>
+                              <p:cond delay="0"/>
+                            </p:stCondLst>
+                            <p:childTnLst>
+                              <p:par>
+                                <p:cTn id="5" presetID="1" presetClass="entr" presetSubtype="0" fill="hold" nodeType="clickEffect">
+                                  <p:stCondLst>
+                                    <p:cond delay="0"/>
+                                  </p:stCondLst>
+                                  <p:childTnLst>
+                                    <p:set>
+                                      <p:cBhvr>
+                                        <p:cTn id="6" dur="1" fill="hold">
+                                          <p:stCondLst>
+                                            <p:cond delay="0"/>
+                                          </p:stCondLst>
+                                        </p:cTn>
+                                        <p:tgtEl>
+                                          <p:spTgt spid="4">
+                                            <p:txEl>
+                                              <p:pRg st="2" end="2"/>
+                                            </p:txEl>
+                                          </p:spTgt>
+                                        </p:tgtEl>
+                                        <p:attrNameLst>
+                                          <p:attrName>style.visibility</p:attrName>
+                                        </p:attrNameLst>
+                                      </p:cBhvr>
+                                      <p:to>
+                                        <p:strVal val="visible"/>
+                                      </p:to>
+                                    </p:set>
+                                  </p:childTnLst>
+                                </p:cTn>
+                              </p:par>
+                              <p:par>
+                                <p:cTn id="7" presetID="1" presetClass="entr" presetSubtype="0" fill="hold" nodeType="withEffect">
+                                  <p:stCondLst>
+                                    <p:cond delay="0"/>
+                                  </p:stCondLst>
+                                  <p:childTnLst>
+                                    <p:set>
+                                      <p:cBhvr>
+                                        <p:cTn id="8" dur="1" fill="hold">
+                                          <p:stCondLst>
+                                            <p:cond delay="0"/>
+                                          </p:stCondLst>
+                                        </p:cTn>
+                                        <p:tgtEl>
+                                          <p:spTgt spid="4">
+                                            <p:txEl>
+                                              <p:pRg st="3" end="3"/>
+                                            </p:txEl>
+                                          </p:spTgt>
+                                        </p:tgtEl>
+                                        <p:attrNameLst>
+                                          <p:attrName>style.visibility</p:attrName>
+                                        </p:attrNameLst>
+                                      </p:cBhvr>
+                                      <p:to>
+                                        <p:strVal val="visible"/>
+                                      </p:to>
+                                    </p:set>
+                                  </p:childTnLst>
+                                </p:cTn>
+                              </p:par>
+                            </p:childTnLst>
+                          </p:cTn>
+                        </p:par>
+                      </p:childTnLst>
+                    </p:cTn>
+                  </p:par>
+                </p:childTnLst>
+              </p:cTn>
+              <p:prevCondLst>
+                <p:cond evt="onPrev" delay="0">
+                  <p:tgtEl>
+                    <p:sldTgt/>
+                  </p:tgtEl>
+                </p:cond>
+              </p:prevCondLst>
+              <p:nextCondLst>
+                <p:cond evt="onNext" delay="0">
+                  <p:tgtEl>
+                    <p:sldTgt/>
+                  </p:tgtEl>
+                </p:cond>
+              </p:nextCondLst>
+            </p:seq>
+          </p:childTnLst>
+        </p:cTn>
+      </p:par>
+    </p:tnLst>
+  </p:timing>
 </p:sld>
 </file>
 
@@ -20426,4 +20917,299 @@
     </a:ext>
   </a:extLst>
 </a:theme>
+</file>
+
+<file path=ppt/theme/theme3.xml><?xml version="1.0" encoding="utf-8"?>
+<a:theme xmlns:a="http://schemas.openxmlformats.org/drawingml/2006/main" name="Thème Office">
+  <a:themeElements>
+    <a:clrScheme name="Office">
+      <a:dk1>
+        <a:sysClr val="windowText" lastClr="000000"/>
+      </a:dk1>
+      <a:lt1>
+        <a:sysClr val="window" lastClr="FFFFFF"/>
+      </a:lt1>
+      <a:dk2>
+        <a:srgbClr val="44546A"/>
+      </a:dk2>
+      <a:lt2>
+        <a:srgbClr val="E7E6E6"/>
+      </a:lt2>
+      <a:accent1>
+        <a:srgbClr val="5B9BD5"/>
+      </a:accent1>
+      <a:accent2>
+        <a:srgbClr val="ED7D31"/>
+      </a:accent2>
+      <a:accent3>
+        <a:srgbClr val="A5A5A5"/>
+      </a:accent3>
+      <a:accent4>
+        <a:srgbClr val="FFC000"/>
+      </a:accent4>
+      <a:accent5>
+        <a:srgbClr val="4472C4"/>
+      </a:accent5>
+      <a:accent6>
+        <a:srgbClr val="70AD47"/>
+      </a:accent6>
+      <a:hlink>
+        <a:srgbClr val="0563C1"/>
+      </a:hlink>
+      <a:folHlink>
+        <a:srgbClr val="954F72"/>
+      </a:folHlink>
+    </a:clrScheme>
+    <a:fontScheme name="Office">
+      <a:majorFont>
+        <a:latin typeface="Calibri Light" panose="020F0302020204030204"/>
+        <a:ea typeface=""/>
+        <a:cs typeface=""/>
+        <a:font script="Jpan" typeface="游ゴシック Light"/>
+        <a:font script="Hang" typeface="맑은 고딕"/>
+        <a:font script="Hans" typeface="等线 Light"/>
+        <a:font script="Hant" typeface="新細明體"/>
+        <a:font script="Arab" typeface="Times New Roman"/>
+        <a:font script="Hebr" typeface="Times New Roman"/>
+        <a:font script="Thai" typeface="Angsana New"/>
+        <a:font script="Ethi" typeface="Nyala"/>
+        <a:font script="Beng" typeface="Vrinda"/>
+        <a:font script="Gujr" typeface="Shruti"/>
+        <a:font script="Khmr" typeface="MoolBoran"/>
+        <a:font script="Knda" typeface="Tunga"/>
+        <a:font script="Guru" typeface="Raavi"/>
+        <a:font script="Cans" typeface="Euphemia"/>
+        <a:font script="Cher" typeface="Plantagenet Cherokee"/>
+        <a:font script="Yiii" typeface="Microsoft Yi Baiti"/>
+        <a:font script="Tibt" typeface="Microsoft Himalaya"/>
+        <a:font script="Thaa" typeface="MV Boli"/>
+        <a:font script="Deva" typeface="Mangal"/>
+        <a:font script="Telu" typeface="Gautami"/>
+        <a:font script="Taml" typeface="Latha"/>
+        <a:font script="Syrc" typeface="Estrangelo Edessa"/>
+        <a:font script="Orya" typeface="Kalinga"/>
+        <a:font script="Mlym" typeface="Kartika"/>
+        <a:font script="Laoo" typeface="DokChampa"/>
+        <a:font script="Sinh" typeface="Iskoola Pota"/>
+        <a:font script="Mong" typeface="Mongolian Baiti"/>
+        <a:font script="Viet" typeface="Times New Roman"/>
+        <a:font script="Uigh" typeface="Microsoft Uighur"/>
+        <a:font script="Geor" typeface="Sylfaen"/>
+        <a:font script="Armn" typeface="Arial"/>
+        <a:font script="Bugi" typeface="Leelawadee UI"/>
+        <a:font script="Bopo" typeface="Microsoft JhengHei"/>
+        <a:font script="Java" typeface="Javanese Text"/>
+        <a:font script="Lisu" typeface="Segoe UI"/>
+        <a:font script="Mymr" typeface="Myanmar Text"/>
+        <a:font script="Nkoo" typeface="Ebrima"/>
+        <a:font script="Olck" typeface="Nirmala UI"/>
+        <a:font script="Osma" typeface="Ebrima"/>
+        <a:font script="Phag" typeface="Phagspa"/>
+        <a:font script="Syrn" typeface="Estrangelo Edessa"/>
+        <a:font script="Syrj" typeface="Estrangelo Edessa"/>
+        <a:font script="Syre" typeface="Estrangelo Edessa"/>
+        <a:font script="Sora" typeface="Nirmala UI"/>
+        <a:font script="Tale" typeface="Microsoft Tai Le"/>
+        <a:font script="Talu" typeface="Microsoft New Tai Lue"/>
+        <a:font script="Tfng" typeface="Ebrima"/>
+      </a:majorFont>
+      <a:minorFont>
+        <a:latin typeface="Calibri" panose="020F0502020204030204"/>
+        <a:ea typeface=""/>
+        <a:cs typeface=""/>
+        <a:font script="Jpan" typeface="游ゴシック"/>
+        <a:font script="Hang" typeface="맑은 고딕"/>
+        <a:font script="Hans" typeface="等线"/>
+        <a:font script="Hant" typeface="新細明體"/>
+        <a:font script="Arab" typeface="Arial"/>
+        <a:font script="Hebr" typeface="Arial"/>
+        <a:font script="Thai" typeface="Cordia New"/>
+        <a:font script="Ethi" typeface="Nyala"/>
+        <a:font script="Beng" typeface="Vrinda"/>
+        <a:font script="Gujr" typeface="Shruti"/>
+        <a:font script="Khmr" typeface="DaunPenh"/>
+        <a:font script="Knda" typeface="Tunga"/>
+        <a:font script="Guru" typeface="Raavi"/>
+        <a:font script="Cans" typeface="Euphemia"/>
+        <a:font script="Cher" typeface="Plantagenet Cherokee"/>
+        <a:font script="Yiii" typeface="Microsoft Yi Baiti"/>
+        <a:font script="Tibt" typeface="Microsoft Himalaya"/>
+        <a:font script="Thaa" typeface="MV Boli"/>
+        <a:font script="Deva" typeface="Mangal"/>
+        <a:font script="Telu" typeface="Gautami"/>
+        <a:font script="Taml" typeface="Latha"/>
+        <a:font script="Syrc" typeface="Estrangelo Edessa"/>
+        <a:font script="Orya" typeface="Kalinga"/>
+        <a:font script="Mlym" typeface="Kartika"/>
+        <a:font script="Laoo" typeface="DokChampa"/>
+        <a:font script="Sinh" typeface="Iskoola Pota"/>
+        <a:font script="Mong" typeface="Mongolian Baiti"/>
+        <a:font script="Viet" typeface="Arial"/>
+        <a:font script="Uigh" typeface="Microsoft Uighur"/>
+        <a:font script="Geor" typeface="Sylfaen"/>
+        <a:font script="Armn" typeface="Arial"/>
+        <a:font script="Bugi" typeface="Leelawadee UI"/>
+        <a:font script="Bopo" typeface="Microsoft JhengHei"/>
+        <a:font script="Java" typeface="Javanese Text"/>
+        <a:font script="Lisu" typeface="Segoe UI"/>
+        <a:font script="Mymr" typeface="Myanmar Text"/>
+        <a:font script="Nkoo" typeface="Ebrima"/>
+        <a:font script="Olck" typeface="Nirmala UI"/>
+        <a:font script="Osma" typeface="Ebrima"/>
+        <a:font script="Phag" typeface="Phagspa"/>
+        <a:font script="Syrn" typeface="Estrangelo Edessa"/>
+        <a:font script="Syrj" typeface="Estrangelo Edessa"/>
+        <a:font script="Syre" typeface="Estrangelo Edessa"/>
+        <a:font script="Sora" typeface="Nirmala UI"/>
+        <a:font script="Tale" typeface="Microsoft Tai Le"/>
+        <a:font script="Talu" typeface="Microsoft New Tai Lue"/>
+        <a:font script="Tfng" typeface="Ebrima"/>
+      </a:minorFont>
+    </a:fontScheme>
+    <a:fmtScheme name="Office">
+      <a:fillStyleLst>
+        <a:solidFill>
+          <a:schemeClr val="phClr"/>
+        </a:solidFill>
+        <a:gradFill rotWithShape="1">
+          <a:gsLst>
+            <a:gs pos="0">
+              <a:schemeClr val="phClr">
+                <a:lumMod val="110000"/>
+                <a:satMod val="105000"/>
+                <a:tint val="67000"/>
+              </a:schemeClr>
+            </a:gs>
+            <a:gs pos="50000">
+              <a:schemeClr val="phClr">
+                <a:lumMod val="105000"/>
+                <a:satMod val="103000"/>
+                <a:tint val="73000"/>
+              </a:schemeClr>
+            </a:gs>
+            <a:gs pos="100000">
+              <a:schemeClr val="phClr">
+                <a:lumMod val="105000"/>
+                <a:satMod val="109000"/>
+                <a:tint val="81000"/>
+              </a:schemeClr>
+            </a:gs>
+          </a:gsLst>
+          <a:lin ang="5400000" scaled="0"/>
+        </a:gradFill>
+        <a:gradFill rotWithShape="1">
+          <a:gsLst>
+            <a:gs pos="0">
+              <a:schemeClr val="phClr">
+                <a:satMod val="103000"/>
+                <a:lumMod val="102000"/>
+                <a:tint val="94000"/>
+              </a:schemeClr>
+            </a:gs>
+            <a:gs pos="50000">
+              <a:schemeClr val="phClr">
+                <a:satMod val="110000"/>
+                <a:lumMod val="100000"/>
+                <a:shade val="100000"/>
+              </a:schemeClr>
+            </a:gs>
+            <a:gs pos="100000">
+              <a:schemeClr val="phClr">
+                <a:lumMod val="99000"/>
+                <a:satMod val="120000"/>
+                <a:shade val="78000"/>
+              </a:schemeClr>
+            </a:gs>
+          </a:gsLst>
+          <a:lin ang="5400000" scaled="0"/>
+        </a:gradFill>
+      </a:fillStyleLst>
+      <a:lnStyleLst>
+        <a:ln w="6350" cap="flat" cmpd="sng" algn="ctr">
+          <a:solidFill>
+            <a:schemeClr val="phClr"/>
+          </a:solidFill>
+          <a:prstDash val="solid"/>
+          <a:miter lim="800000"/>
+        </a:ln>
+        <a:ln w="12700" cap="flat" cmpd="sng" algn="ctr">
+          <a:solidFill>
+            <a:schemeClr val="phClr"/>
+          </a:solidFill>
+          <a:prstDash val="solid"/>
+          <a:miter lim="800000"/>
+        </a:ln>
+        <a:ln w="19050" cap="flat" cmpd="sng" algn="ctr">
+          <a:solidFill>
+            <a:schemeClr val="phClr"/>
+          </a:solidFill>
+          <a:prstDash val="solid"/>
+          <a:miter lim="800000"/>
+        </a:ln>
+      </a:lnStyleLst>
+      <a:effectStyleLst>
+        <a:effectStyle>
+          <a:effectLst/>
+        </a:effectStyle>
+        <a:effectStyle>
+          <a:effectLst/>
+        </a:effectStyle>
+        <a:effectStyle>
+          <a:effectLst>
+            <a:outerShdw blurRad="57150" dist="19050" dir="5400000" algn="ctr" rotWithShape="0">
+              <a:srgbClr val="000000">
+                <a:alpha val="63000"/>
+              </a:srgbClr>
+            </a:outerShdw>
+          </a:effectLst>
+        </a:effectStyle>
+      </a:effectStyleLst>
+      <a:bgFillStyleLst>
+        <a:solidFill>
+          <a:schemeClr val="phClr"/>
+        </a:solidFill>
+        <a:solidFill>
+          <a:schemeClr val="phClr">
+            <a:tint val="95000"/>
+            <a:satMod val="170000"/>
+          </a:schemeClr>
+        </a:solidFill>
+        <a:gradFill rotWithShape="1">
+          <a:gsLst>
+            <a:gs pos="0">
+              <a:schemeClr val="phClr">
+                <a:tint val="93000"/>
+                <a:satMod val="150000"/>
+                <a:shade val="98000"/>
+                <a:lumMod val="102000"/>
+              </a:schemeClr>
+            </a:gs>
+            <a:gs pos="50000">
+              <a:schemeClr val="phClr">
+                <a:tint val="98000"/>
+                <a:satMod val="130000"/>
+                <a:shade val="90000"/>
+                <a:lumMod val="103000"/>
+              </a:schemeClr>
+            </a:gs>
+            <a:gs pos="100000">
+              <a:schemeClr val="phClr">
+                <a:shade val="63000"/>
+                <a:satMod val="120000"/>
+              </a:schemeClr>
+            </a:gs>
+          </a:gsLst>
+          <a:lin ang="5400000" scaled="0"/>
+        </a:gradFill>
+      </a:bgFillStyleLst>
+    </a:fmtScheme>
+  </a:themeElements>
+  <a:objectDefaults/>
+  <a:extraClrSchemeLst/>
+  <a:extLst>
+    <a:ext uri="{05A4C25C-085E-4340-85A3-A5531E510DB2}">
+      <thm15:themeFamily xmlns:thm15="http://schemas.microsoft.com/office/thememl/2012/main" name="Office Theme" id="{62F939B6-93AF-4DB8-9C6B-D6C7DFDC589F}" vid="{4A3C46E8-61CC-4603-A589-7422A47A8E4A}"/>
+    </a:ext>
+  </a:extLst>
+</a:theme>
 </file>